--- a/experiment [17.07].pptx
+++ b/experiment [17.07].pptx
@@ -5,15 +5,14 @@
     <p:sldMasterId id="2147483648" r:id="rId1"/>
   </p:sldMasterIdLst>
   <p:notesMasterIdLst>
-    <p:notesMasterId r:id="rId8"/>
+    <p:notesMasterId r:id="rId7"/>
   </p:notesMasterIdLst>
   <p:sldIdLst>
     <p:sldId id="256" r:id="rId2"/>
-    <p:sldId id="480" r:id="rId3"/>
-    <p:sldId id="488" r:id="rId4"/>
-    <p:sldId id="489" r:id="rId5"/>
-    <p:sldId id="482" r:id="rId6"/>
-    <p:sldId id="264" r:id="rId7"/>
+    <p:sldId id="489" r:id="rId3"/>
+    <p:sldId id="480" r:id="rId4"/>
+    <p:sldId id="488" r:id="rId5"/>
+    <p:sldId id="264" r:id="rId6"/>
   </p:sldIdLst>
   <p:sldSz cx="12192000" cy="6858000"/>
   <p:notesSz cx="6858000" cy="9144000"/>
@@ -3483,7 +3482,7 @@
         <p:spPr>
           <a:xfrm>
             <a:off x="2697192" y="2905780"/>
-            <a:ext cx="6797615" cy="954107"/>
+            <a:ext cx="6797615" cy="1384995"/>
           </a:xfrm>
           <a:prstGeom prst="rect">
             <a:avLst/>
@@ -3505,6 +3504,17 @@
           <a:p>
             <a:pPr algn="ctr"/>
             <a:r>
+              <a:rPr lang="en-US" sz="2800" dirty="0">
+                <a:solidFill>
+                  <a:srgbClr val="FF0000"/>
+                </a:solidFill>
+              </a:rPr>
+              <a:t>YOLOv8m-seg</a:t>
+            </a:r>
+          </a:p>
+          <a:p>
+            <a:pPr algn="ctr"/>
+            <a:r>
               <a:rPr lang="en-US" sz="2800" dirty="0"/>
               <a:t>[ </a:t>
             </a:r>
@@ -3514,7 +3524,7 @@
                   <a:schemeClr val="accent1"/>
                 </a:solidFill>
               </a:rPr>
-              <a:t>07.11.2025</a:t>
+              <a:t>07.17.2025</a:t>
             </a:r>
             <a:r>
               <a:rPr lang="en-US" sz="2800" dirty="0"/>
@@ -3532,6 +3542,197 @@
 </file>
 
 <file path=ppt/slides/slide2.xml><?xml version="1.0" encoding="utf-8"?>
+<p:sld xmlns:a="http://schemas.openxmlformats.org/drawingml/2006/main" xmlns:r="http://schemas.openxmlformats.org/officeDocument/2006/relationships" xmlns:p="http://schemas.openxmlformats.org/presentationml/2006/main">
+  <p:cSld>
+    <p:spTree>
+      <p:nvGrpSpPr>
+        <p:cNvPr id="1" name="">
+          <a:extLst>
+            <a:ext uri="{FF2B5EF4-FFF2-40B4-BE49-F238E27FC236}">
+              <a16:creationId xmlns:a16="http://schemas.microsoft.com/office/drawing/2014/main" id="{2904862D-D80D-B20D-32D5-A3581ACE47C2}"/>
+            </a:ext>
+          </a:extLst>
+        </p:cNvPr>
+        <p:cNvGrpSpPr/>
+        <p:nvPr/>
+      </p:nvGrpSpPr>
+      <p:grpSpPr>
+        <a:xfrm>
+          <a:off x="0" y="0"/>
+          <a:ext cx="0" cy="0"/>
+          <a:chOff x="0" y="0"/>
+          <a:chExt cx="0" cy="0"/>
+        </a:xfrm>
+      </p:grpSpPr>
+      <p:sp>
+        <p:nvSpPr>
+          <p:cNvPr id="2" name="제목 1">
+            <a:extLst>
+              <a:ext uri="{FF2B5EF4-FFF2-40B4-BE49-F238E27FC236}">
+                <a16:creationId xmlns:a16="http://schemas.microsoft.com/office/drawing/2014/main" id="{07238873-CCA1-DC28-C78D-9CB624567BB0}"/>
+              </a:ext>
+            </a:extLst>
+          </p:cNvPr>
+          <p:cNvSpPr>
+            <a:spLocks noGrp="1"/>
+          </p:cNvSpPr>
+          <p:nvPr>
+            <p:ph type="title"/>
+          </p:nvPr>
+        </p:nvSpPr>
+        <p:spPr>
+          <a:xfrm>
+            <a:off x="594262" y="239090"/>
+            <a:ext cx="8143037" cy="953135"/>
+          </a:xfrm>
+        </p:spPr>
+        <p:txBody>
+          <a:bodyPr>
+            <a:noAutofit/>
+          </a:bodyPr>
+          <a:lstStyle/>
+          <a:p>
+            <a:r>
+              <a:rPr lang="en-US" altLang="ko-KR" sz="3600" b="1" dirty="0"/>
+              <a:t>YOLOv8-seg </a:t>
+            </a:r>
+            <a:endParaRPr lang="en-US" altLang="ko-KR" sz="3600" b="1" dirty="0">
+              <a:solidFill>
+                <a:schemeClr val="accent1"/>
+              </a:solidFill>
+            </a:endParaRPr>
+          </a:p>
+        </p:txBody>
+      </p:sp>
+      <p:grpSp>
+        <p:nvGrpSpPr>
+          <p:cNvPr id="5" name="Group 4">
+            <a:extLst>
+              <a:ext uri="{FF2B5EF4-FFF2-40B4-BE49-F238E27FC236}">
+                <a16:creationId xmlns:a16="http://schemas.microsoft.com/office/drawing/2014/main" id="{8F750E70-77C9-11D4-6879-238F3342F754}"/>
+              </a:ext>
+            </a:extLst>
+          </p:cNvPr>
+          <p:cNvGrpSpPr/>
+          <p:nvPr/>
+        </p:nvGrpSpPr>
+        <p:grpSpPr>
+          <a:xfrm>
+            <a:off x="994143" y="2024109"/>
+            <a:ext cx="8096250" cy="4039830"/>
+            <a:chOff x="1032304" y="2024109"/>
+            <a:chExt cx="8096250" cy="4039830"/>
+          </a:xfrm>
+        </p:grpSpPr>
+        <p:pic>
+          <p:nvPicPr>
+            <p:cNvPr id="1026" name="Picture 2">
+              <a:extLst>
+                <a:ext uri="{FF2B5EF4-FFF2-40B4-BE49-F238E27FC236}">
+                  <a16:creationId xmlns:a16="http://schemas.microsoft.com/office/drawing/2014/main" id="{ADF5F8F4-DDE2-85C0-492E-7C5A41854ACA}"/>
+                </a:ext>
+              </a:extLst>
+            </p:cNvPr>
+            <p:cNvPicPr>
+              <a:picLocks noChangeAspect="1" noChangeArrowheads="1"/>
+            </p:cNvPicPr>
+            <p:nvPr/>
+          </p:nvPicPr>
+          <p:blipFill rotWithShape="1">
+            <a:blip r:embed="rId2">
+              <a:extLst>
+                <a:ext uri="{28A0092B-C50C-407E-A947-70E740481C1C}">
+                  <a14:useLocalDpi xmlns:a14="http://schemas.microsoft.com/office/drawing/2010/main" val="0"/>
+                </a:ext>
+              </a:extLst>
+            </a:blip>
+            <a:srcRect t="21404" r="82683" b="57998"/>
+            <a:stretch>
+              <a:fillRect/>
+            </a:stretch>
+          </p:blipFill>
+          <p:spPr bwMode="auto">
+            <a:xfrm>
+              <a:off x="1032304" y="2024109"/>
+              <a:ext cx="1402022" cy="1065320"/>
+            </a:xfrm>
+            <a:prstGeom prst="rect">
+              <a:avLst/>
+            </a:prstGeom>
+            <a:noFill/>
+            <a:extLst>
+              <a:ext uri="{909E8E84-426E-40DD-AFC4-6F175D3DCCD1}">
+                <a14:hiddenFill xmlns:a14="http://schemas.microsoft.com/office/drawing/2010/main">
+                  <a:solidFill>
+                    <a:srgbClr val="FFFFFF"/>
+                  </a:solidFill>
+                </a14:hiddenFill>
+              </a:ext>
+            </a:extLst>
+          </p:spPr>
+        </p:pic>
+        <p:pic>
+          <p:nvPicPr>
+            <p:cNvPr id="3" name="Picture 2">
+              <a:extLst>
+                <a:ext uri="{FF2B5EF4-FFF2-40B4-BE49-F238E27FC236}">
+                  <a16:creationId xmlns:a16="http://schemas.microsoft.com/office/drawing/2014/main" id="{3F6EB0CF-3469-CCCC-9E00-F7F5FF8FE6F0}"/>
+                </a:ext>
+              </a:extLst>
+            </p:cNvPr>
+            <p:cNvPicPr>
+              <a:picLocks noChangeAspect="1" noChangeArrowheads="1"/>
+            </p:cNvPicPr>
+            <p:nvPr/>
+          </p:nvPicPr>
+          <p:blipFill rotWithShape="1">
+            <a:blip r:embed="rId2">
+              <a:extLst>
+                <a:ext uri="{28A0092B-C50C-407E-A947-70E740481C1C}">
+                  <a14:useLocalDpi xmlns:a14="http://schemas.microsoft.com/office/drawing/2010/main" val="0"/>
+                </a:ext>
+              </a:extLst>
+            </a:blip>
+            <a:srcRect t="42488"/>
+            <a:stretch>
+              <a:fillRect/>
+            </a:stretch>
+          </p:blipFill>
+          <p:spPr bwMode="auto">
+            <a:xfrm>
+              <a:off x="1032304" y="3089429"/>
+              <a:ext cx="8096250" cy="2974510"/>
+            </a:xfrm>
+            <a:prstGeom prst="rect">
+              <a:avLst/>
+            </a:prstGeom>
+            <a:noFill/>
+            <a:extLst>
+              <a:ext uri="{909E8E84-426E-40DD-AFC4-6F175D3DCCD1}">
+                <a14:hiddenFill xmlns:a14="http://schemas.microsoft.com/office/drawing/2010/main">
+                  <a:solidFill>
+                    <a:srgbClr val="FFFFFF"/>
+                  </a:solidFill>
+                </a14:hiddenFill>
+              </a:ext>
+            </a:extLst>
+          </p:spPr>
+        </p:pic>
+      </p:grpSp>
+    </p:spTree>
+    <p:extLst>
+      <p:ext uri="{BB962C8B-B14F-4D97-AF65-F5344CB8AC3E}">
+        <p14:creationId xmlns:p14="http://schemas.microsoft.com/office/powerpoint/2010/main" val="2749179637"/>
+      </p:ext>
+    </p:extLst>
+  </p:cSld>
+  <p:clrMapOvr>
+    <a:masterClrMapping/>
+  </p:clrMapOvr>
+</p:sld>
+</file>
+
+<file path=ppt/slides/slide3.xml><?xml version="1.0" encoding="utf-8"?>
 <p:sld xmlns:a="http://schemas.openxmlformats.org/drawingml/2006/main" xmlns:r="http://schemas.openxmlformats.org/officeDocument/2006/relationships" xmlns:p="http://schemas.openxmlformats.org/presentationml/2006/main">
   <p:cSld>
     <p:spTree>
@@ -3572,16 +3773,13 @@
           <a:p>
             <a:r>
               <a:rPr lang="en-US" altLang="ko-KR" sz="2800" b="1" dirty="0"/>
-              <a:t>Performance Comparison of </a:t>
+              <a:t>Ablation Study</a:t>
             </a:r>
-            <a:r>
-              <a:rPr lang="en-US" altLang="ko-KR" sz="2800" b="1" dirty="0">
-                <a:solidFill>
-                  <a:schemeClr val="accent1"/>
-                </a:solidFill>
-              </a:rPr>
-              <a:t>segmentation models</a:t>
-            </a:r>
+            <a:endParaRPr lang="en-US" altLang="ko-KR" sz="2800" b="1" dirty="0">
+              <a:solidFill>
+                <a:schemeClr val="accent1"/>
+              </a:solidFill>
+            </a:endParaRPr>
           </a:p>
         </p:txBody>
       </p:sp>
@@ -9116,3792 +9314,6 @@
           </a:p>
         </p:txBody>
       </p:sp>
-      <p:sp>
-        <p:nvSpPr>
-          <p:cNvPr id="14" name="Subtitle 8">
-            <a:extLst>
-              <a:ext uri="{FF2B5EF4-FFF2-40B4-BE49-F238E27FC236}">
-                <a16:creationId xmlns:a16="http://schemas.microsoft.com/office/drawing/2014/main" id="{A885EA44-CD25-1E25-1AA8-48A15B5633BE}"/>
-              </a:ext>
-            </a:extLst>
-          </p:cNvPr>
-          <p:cNvSpPr txBox="1">
-            <a:spLocks/>
-          </p:cNvSpPr>
-          <p:nvPr/>
-        </p:nvSpPr>
-        <p:spPr>
-          <a:xfrm>
-            <a:off x="1287145" y="3746158"/>
-            <a:ext cx="5549660" cy="285091"/>
-          </a:xfrm>
-          <a:prstGeom prst="rect">
-            <a:avLst/>
-          </a:prstGeom>
-        </p:spPr>
-        <p:txBody>
-          <a:bodyPr vert="horz" lIns="91440" tIns="45720" rIns="91440" bIns="45720" rtlCol="0">
-            <a:normAutofit fontScale="92500" lnSpcReduction="10000"/>
-          </a:bodyPr>
-          <a:lstStyle>
-            <a:lvl1pPr marL="228600" indent="-228600" algn="l" defTabSz="914400" rtl="0" eaLnBrk="1" latinLnBrk="0" hangingPunct="1">
-              <a:lnSpc>
-                <a:spcPct val="90000"/>
-              </a:lnSpc>
-              <a:spcBef>
-                <a:spcPts val="1000"/>
-              </a:spcBef>
-              <a:buFont typeface="Arial" panose="020B0604020202020204" pitchFamily="34" charset="0"/>
-              <a:buChar char="•"/>
-              <a:defRPr sz="2800" kern="1200">
-                <a:solidFill>
-                  <a:schemeClr val="tx1"/>
-                </a:solidFill>
-                <a:latin typeface="+mn-lt"/>
-                <a:ea typeface="+mn-ea"/>
-                <a:cs typeface="+mn-cs"/>
-              </a:defRPr>
-            </a:lvl1pPr>
-            <a:lvl2pPr marL="685800" indent="-228600" algn="l" defTabSz="914400" rtl="0" eaLnBrk="1" latinLnBrk="0" hangingPunct="1">
-              <a:lnSpc>
-                <a:spcPct val="90000"/>
-              </a:lnSpc>
-              <a:spcBef>
-                <a:spcPts val="500"/>
-              </a:spcBef>
-              <a:buFont typeface="Arial" panose="020B0604020202020204" pitchFamily="34" charset="0"/>
-              <a:buChar char="•"/>
-              <a:defRPr sz="2400" kern="1200">
-                <a:solidFill>
-                  <a:schemeClr val="tx1"/>
-                </a:solidFill>
-                <a:latin typeface="+mn-lt"/>
-                <a:ea typeface="+mn-ea"/>
-                <a:cs typeface="+mn-cs"/>
-              </a:defRPr>
-            </a:lvl2pPr>
-            <a:lvl3pPr marL="1143000" indent="-228600" algn="l" defTabSz="914400" rtl="0" eaLnBrk="1" latinLnBrk="0" hangingPunct="1">
-              <a:lnSpc>
-                <a:spcPct val="90000"/>
-              </a:lnSpc>
-              <a:spcBef>
-                <a:spcPts val="500"/>
-              </a:spcBef>
-              <a:buFont typeface="Arial" panose="020B0604020202020204" pitchFamily="34" charset="0"/>
-              <a:buChar char="•"/>
-              <a:defRPr sz="2000" kern="1200">
-                <a:solidFill>
-                  <a:schemeClr val="tx1"/>
-                </a:solidFill>
-                <a:latin typeface="+mn-lt"/>
-                <a:ea typeface="+mn-ea"/>
-                <a:cs typeface="+mn-cs"/>
-              </a:defRPr>
-            </a:lvl3pPr>
-            <a:lvl4pPr marL="1600200" indent="-228600" algn="l" defTabSz="914400" rtl="0" eaLnBrk="1" latinLnBrk="0" hangingPunct="1">
-              <a:lnSpc>
-                <a:spcPct val="90000"/>
-              </a:lnSpc>
-              <a:spcBef>
-                <a:spcPts val="500"/>
-              </a:spcBef>
-              <a:buFont typeface="Arial" panose="020B0604020202020204" pitchFamily="34" charset="0"/>
-              <a:buChar char="•"/>
-              <a:defRPr sz="1800" kern="1200">
-                <a:solidFill>
-                  <a:schemeClr val="tx1"/>
-                </a:solidFill>
-                <a:latin typeface="+mn-lt"/>
-                <a:ea typeface="+mn-ea"/>
-                <a:cs typeface="+mn-cs"/>
-              </a:defRPr>
-            </a:lvl4pPr>
-            <a:lvl5pPr marL="2057400" indent="-228600" algn="l" defTabSz="914400" rtl="0" eaLnBrk="1" latinLnBrk="0" hangingPunct="1">
-              <a:lnSpc>
-                <a:spcPct val="90000"/>
-              </a:lnSpc>
-              <a:spcBef>
-                <a:spcPts val="500"/>
-              </a:spcBef>
-              <a:buFont typeface="Arial" panose="020B0604020202020204" pitchFamily="34" charset="0"/>
-              <a:buChar char="•"/>
-              <a:defRPr sz="1800" kern="1200">
-                <a:solidFill>
-                  <a:schemeClr val="tx1"/>
-                </a:solidFill>
-                <a:latin typeface="+mn-lt"/>
-                <a:ea typeface="+mn-ea"/>
-                <a:cs typeface="+mn-cs"/>
-              </a:defRPr>
-            </a:lvl5pPr>
-            <a:lvl6pPr marL="2514600" indent="-228600" algn="l" defTabSz="914400" rtl="0" eaLnBrk="1" latinLnBrk="0" hangingPunct="1">
-              <a:lnSpc>
-                <a:spcPct val="90000"/>
-              </a:lnSpc>
-              <a:spcBef>
-                <a:spcPts val="500"/>
-              </a:spcBef>
-              <a:buFont typeface="Arial" panose="020B0604020202020204" pitchFamily="34" charset="0"/>
-              <a:buChar char="•"/>
-              <a:defRPr sz="1800" kern="1200">
-                <a:solidFill>
-                  <a:schemeClr val="tx1"/>
-                </a:solidFill>
-                <a:latin typeface="+mn-lt"/>
-                <a:ea typeface="+mn-ea"/>
-                <a:cs typeface="+mn-cs"/>
-              </a:defRPr>
-            </a:lvl6pPr>
-            <a:lvl7pPr marL="2971800" indent="-228600" algn="l" defTabSz="914400" rtl="0" eaLnBrk="1" latinLnBrk="0" hangingPunct="1">
-              <a:lnSpc>
-                <a:spcPct val="90000"/>
-              </a:lnSpc>
-              <a:spcBef>
-                <a:spcPts val="500"/>
-              </a:spcBef>
-              <a:buFont typeface="Arial" panose="020B0604020202020204" pitchFamily="34" charset="0"/>
-              <a:buChar char="•"/>
-              <a:defRPr sz="1800" kern="1200">
-                <a:solidFill>
-                  <a:schemeClr val="tx1"/>
-                </a:solidFill>
-                <a:latin typeface="+mn-lt"/>
-                <a:ea typeface="+mn-ea"/>
-                <a:cs typeface="+mn-cs"/>
-              </a:defRPr>
-            </a:lvl7pPr>
-            <a:lvl8pPr marL="3429000" indent="-228600" algn="l" defTabSz="914400" rtl="0" eaLnBrk="1" latinLnBrk="0" hangingPunct="1">
-              <a:lnSpc>
-                <a:spcPct val="90000"/>
-              </a:lnSpc>
-              <a:spcBef>
-                <a:spcPts val="500"/>
-              </a:spcBef>
-              <a:buFont typeface="Arial" panose="020B0604020202020204" pitchFamily="34" charset="0"/>
-              <a:buChar char="•"/>
-              <a:defRPr sz="1800" kern="1200">
-                <a:solidFill>
-                  <a:schemeClr val="tx1"/>
-                </a:solidFill>
-                <a:latin typeface="+mn-lt"/>
-                <a:ea typeface="+mn-ea"/>
-                <a:cs typeface="+mn-cs"/>
-              </a:defRPr>
-            </a:lvl8pPr>
-            <a:lvl9pPr marL="3886200" indent="-228600" algn="l" defTabSz="914400" rtl="0" eaLnBrk="1" latinLnBrk="0" hangingPunct="1">
-              <a:lnSpc>
-                <a:spcPct val="90000"/>
-              </a:lnSpc>
-              <a:spcBef>
-                <a:spcPts val="500"/>
-              </a:spcBef>
-              <a:buFont typeface="Arial" panose="020B0604020202020204" pitchFamily="34" charset="0"/>
-              <a:buChar char="•"/>
-              <a:defRPr sz="1800" kern="1200">
-                <a:solidFill>
-                  <a:schemeClr val="tx1"/>
-                </a:solidFill>
-                <a:latin typeface="+mn-lt"/>
-                <a:ea typeface="+mn-ea"/>
-                <a:cs typeface="+mn-cs"/>
-              </a:defRPr>
-            </a:lvl9pPr>
-          </a:lstStyle>
-          <a:p>
-            <a:r>
-              <a:rPr lang="en-US" sz="1600" b="1" dirty="0"/>
-              <a:t>Instance Segmentation</a:t>
-            </a:r>
-            <a:endParaRPr lang="en-US" sz="1600" dirty="0"/>
-          </a:p>
-        </p:txBody>
-      </p:sp>
-      <mc:AlternateContent xmlns:mc="http://schemas.openxmlformats.org/markup-compatibility/2006" xmlns:a14="http://schemas.microsoft.com/office/drawing/2010/main">
-        <mc:Choice Requires="a14">
-          <p:graphicFrame>
-            <p:nvGraphicFramePr>
-              <p:cNvPr id="15" name="Table 14">
-                <a:extLst>
-                  <a:ext uri="{FF2B5EF4-FFF2-40B4-BE49-F238E27FC236}">
-                    <a16:creationId xmlns:a16="http://schemas.microsoft.com/office/drawing/2014/main" id="{1A404DAA-648B-1C2B-F6A1-AB2799CDA910}"/>
-                  </a:ext>
-                </a:extLst>
-              </p:cNvPr>
-              <p:cNvGraphicFramePr>
-                <a:graphicFrameLocks noGrp="1"/>
-              </p:cNvGraphicFramePr>
-              <p:nvPr>
-                <p:extLst>
-                  <p:ext uri="{D42A27DB-BD31-4B8C-83A1-F6EECF244321}">
-                    <p14:modId xmlns:p14="http://schemas.microsoft.com/office/powerpoint/2010/main" val="3972657277"/>
-                  </p:ext>
-                </p:extLst>
-              </p:nvPr>
-            </p:nvGraphicFramePr>
-            <p:xfrm>
-              <a:off x="1287145" y="4229798"/>
-              <a:ext cx="9617710" cy="855980"/>
-            </p:xfrm>
-            <a:graphic>
-              <a:graphicData uri="http://schemas.openxmlformats.org/drawingml/2006/table">
-                <a:tbl>
-                  <a:tblPr firstRow="1" bandRow="1">
-                    <a:tableStyleId>{5C22544A-7EE6-4342-B048-85BDC9FD1C3A}</a:tableStyleId>
-                  </a:tblPr>
-                  <a:tblGrid>
-                    <a:gridCol w="1770380">
-                      <a:extLst>
-                        <a:ext uri="{9D8B030D-6E8A-4147-A177-3AD203B41FA5}">
-                          <a16:colId xmlns:a16="http://schemas.microsoft.com/office/drawing/2014/main" val="20000"/>
-                        </a:ext>
-                      </a:extLst>
-                    </a:gridCol>
-                    <a:gridCol w="1333320">
-                      <a:extLst>
-                        <a:ext uri="{9D8B030D-6E8A-4147-A177-3AD203B41FA5}">
-                          <a16:colId xmlns:a16="http://schemas.microsoft.com/office/drawing/2014/main" val="20001"/>
-                        </a:ext>
-                      </a:extLst>
-                    </a:gridCol>
-                    <a:gridCol w="1328468">
-                      <a:extLst>
-                        <a:ext uri="{9D8B030D-6E8A-4147-A177-3AD203B41FA5}">
-                          <a16:colId xmlns:a16="http://schemas.microsoft.com/office/drawing/2014/main" val="20002"/>
-                        </a:ext>
-                      </a:extLst>
-                    </a:gridCol>
-                    <a:gridCol w="1380227">
-                      <a:extLst>
-                        <a:ext uri="{9D8B030D-6E8A-4147-A177-3AD203B41FA5}">
-                          <a16:colId xmlns:a16="http://schemas.microsoft.com/office/drawing/2014/main" val="20003"/>
-                        </a:ext>
-                      </a:extLst>
-                    </a:gridCol>
-                    <a:gridCol w="1406105">
-                      <a:extLst>
-                        <a:ext uri="{9D8B030D-6E8A-4147-A177-3AD203B41FA5}">
-                          <a16:colId xmlns:a16="http://schemas.microsoft.com/office/drawing/2014/main" val="20004"/>
-                        </a:ext>
-                      </a:extLst>
-                    </a:gridCol>
-                    <a:gridCol w="1199605">
-                      <a:extLst>
-                        <a:ext uri="{9D8B030D-6E8A-4147-A177-3AD203B41FA5}">
-                          <a16:colId xmlns:a16="http://schemas.microsoft.com/office/drawing/2014/main" val="20005"/>
-                        </a:ext>
-                      </a:extLst>
-                    </a:gridCol>
-                    <a:gridCol w="1199605">
-                      <a:extLst>
-                        <a:ext uri="{9D8B030D-6E8A-4147-A177-3AD203B41FA5}">
-                          <a16:colId xmlns:a16="http://schemas.microsoft.com/office/drawing/2014/main" val="1526125993"/>
-                        </a:ext>
-                      </a:extLst>
-                    </a:gridCol>
-                  </a:tblGrid>
-                  <a:tr h="457200">
-                    <a:tc>
-                      <a:txBody>
-                        <a:bodyPr/>
-                        <a:lstStyle>
-                          <a:defPPr>
-                            <a:defRPr lang="en-US" b="1">
-                              <a:solidFill>
-                                <a:schemeClr val="lt1"/>
-                              </a:solidFill>
-                            </a:defRPr>
-                          </a:defPPr>
-                          <a:lvl1pPr marL="0" algn="l" defTabSz="914400" rtl="0" eaLnBrk="1" latinLnBrk="0" hangingPunct="1">
-                            <a:defRPr sz="1800" b="1" kern="1200">
-                              <a:solidFill>
-                                <a:schemeClr val="lt1"/>
-                              </a:solidFill>
-                              <a:latin typeface="+mn-lt"/>
-                            </a:defRPr>
-                          </a:lvl1pPr>
-                          <a:lvl2pPr marL="457200" algn="l" defTabSz="914400" rtl="0" eaLnBrk="1" latinLnBrk="0" hangingPunct="1">
-                            <a:defRPr sz="1800" b="1" kern="1200">
-                              <a:solidFill>
-                                <a:schemeClr val="lt1"/>
-                              </a:solidFill>
-                              <a:latin typeface="+mn-lt"/>
-                            </a:defRPr>
-                          </a:lvl2pPr>
-                          <a:lvl3pPr marL="914400" algn="l" defTabSz="914400" rtl="0" eaLnBrk="1" latinLnBrk="0" hangingPunct="1">
-                            <a:defRPr sz="1800" b="1" kern="1200">
-                              <a:solidFill>
-                                <a:schemeClr val="lt1"/>
-                              </a:solidFill>
-                              <a:latin typeface="+mn-lt"/>
-                            </a:defRPr>
-                          </a:lvl3pPr>
-                          <a:lvl4pPr marL="1371600" algn="l" defTabSz="914400" rtl="0" eaLnBrk="1" latinLnBrk="0" hangingPunct="1">
-                            <a:defRPr sz="1800" b="1" kern="1200">
-                              <a:solidFill>
-                                <a:schemeClr val="lt1"/>
-                              </a:solidFill>
-                              <a:latin typeface="+mn-lt"/>
-                            </a:defRPr>
-                          </a:lvl4pPr>
-                          <a:lvl5pPr marL="1828800" algn="l" defTabSz="914400" rtl="0" eaLnBrk="1" latinLnBrk="0" hangingPunct="1">
-                            <a:defRPr sz="1800" b="1" kern="1200">
-                              <a:solidFill>
-                                <a:schemeClr val="lt1"/>
-                              </a:solidFill>
-                              <a:latin typeface="+mn-lt"/>
-                            </a:defRPr>
-                          </a:lvl5pPr>
-                          <a:lvl6pPr marL="2286000" algn="l" defTabSz="914400" rtl="0" eaLnBrk="1" latinLnBrk="0" hangingPunct="1">
-                            <a:defRPr sz="1800" b="1" kern="1200">
-                              <a:solidFill>
-                                <a:schemeClr val="lt1"/>
-                              </a:solidFill>
-                              <a:latin typeface="+mn-lt"/>
-                            </a:defRPr>
-                          </a:lvl6pPr>
-                          <a:lvl7pPr marL="2743200" algn="l" defTabSz="914400" rtl="0" eaLnBrk="1" latinLnBrk="0" hangingPunct="1">
-                            <a:defRPr sz="1800" b="1" kern="1200">
-                              <a:solidFill>
-                                <a:schemeClr val="lt1"/>
-                              </a:solidFill>
-                              <a:latin typeface="+mn-lt"/>
-                            </a:defRPr>
-                          </a:lvl7pPr>
-                          <a:lvl8pPr marL="3200400" algn="l" defTabSz="914400" rtl="0" eaLnBrk="1" latinLnBrk="0" hangingPunct="1">
-                            <a:defRPr sz="1800" b="1" kern="1200">
-                              <a:solidFill>
-                                <a:schemeClr val="lt1"/>
-                              </a:solidFill>
-                              <a:latin typeface="+mn-lt"/>
-                            </a:defRPr>
-                          </a:lvl8pPr>
-                          <a:lvl9pPr marL="3657600" algn="l" defTabSz="914400" rtl="0" eaLnBrk="1" latinLnBrk="0" hangingPunct="1">
-                            <a:defRPr sz="1800" b="1" kern="1200">
-                              <a:solidFill>
-                                <a:schemeClr val="lt1"/>
-                              </a:solidFill>
-                              <a:latin typeface="+mn-lt"/>
-                            </a:defRPr>
-                          </a:lvl9pPr>
-                        </a:lstStyle>
-                        <a:p>
-                          <a:pPr algn="ctr">
-                            <a:buNone/>
-                          </a:pPr>
-                          <a:r>
-                            <a:rPr lang="en-US" sz="1600" dirty="0">
-                              <a:solidFill>
-                                <a:schemeClr val="tx1"/>
-                              </a:solidFill>
-                              <a:latin typeface="Times New Roman" panose="02020603050405020304" charset="0"/>
-                              <a:ea typeface="+mn-ea"/>
-                              <a:cs typeface="Times New Roman" panose="02020603050405020304" charset="0"/>
-                            </a:rPr>
-                            <a:t>Models</a:t>
-                          </a:r>
-                        </a:p>
-                      </a:txBody>
-                      <a:tcPr anchor="ctr">
-                        <a:lnL>
-                          <a:noFill/>
-                        </a:lnL>
-                        <a:lnR>
-                          <a:noFill/>
-                        </a:lnR>
-                        <a:lnT>
-                          <a:noFill/>
-                        </a:lnT>
-                        <a:lnB w="12700">
-                          <a:solidFill>
-                            <a:schemeClr val="tx1"/>
-                          </a:solidFill>
-                          <a:prstDash val="solid"/>
-                        </a:lnB>
-                        <a:lnTlToBr>
-                          <a:noFill/>
-                        </a:lnTlToBr>
-                        <a:lnBlToTr>
-                          <a:noFill/>
-                        </a:lnBlToTr>
-                        <a:noFill/>
-                      </a:tcPr>
-                    </a:tc>
-                    <a:tc>
-                      <a:txBody>
-                        <a:bodyPr/>
-                        <a:lstStyle>
-                          <a:defPPr>
-                            <a:defRPr lang="en-US" b="1">
-                              <a:solidFill>
-                                <a:schemeClr val="lt1"/>
-                              </a:solidFill>
-                            </a:defRPr>
-                          </a:defPPr>
-                          <a:lvl1pPr marL="0" algn="l" defTabSz="914400" rtl="0" eaLnBrk="1" latinLnBrk="0" hangingPunct="1">
-                            <a:defRPr sz="1800" b="1" kern="1200">
-                              <a:solidFill>
-                                <a:schemeClr val="lt1"/>
-                              </a:solidFill>
-                              <a:latin typeface="+mn-lt"/>
-                            </a:defRPr>
-                          </a:lvl1pPr>
-                          <a:lvl2pPr marL="457200" algn="l" defTabSz="914400" rtl="0" eaLnBrk="1" latinLnBrk="0" hangingPunct="1">
-                            <a:defRPr sz="1800" b="1" kern="1200">
-                              <a:solidFill>
-                                <a:schemeClr val="lt1"/>
-                              </a:solidFill>
-                              <a:latin typeface="+mn-lt"/>
-                            </a:defRPr>
-                          </a:lvl2pPr>
-                          <a:lvl3pPr marL="914400" algn="l" defTabSz="914400" rtl="0" eaLnBrk="1" latinLnBrk="0" hangingPunct="1">
-                            <a:defRPr sz="1800" b="1" kern="1200">
-                              <a:solidFill>
-                                <a:schemeClr val="lt1"/>
-                              </a:solidFill>
-                              <a:latin typeface="+mn-lt"/>
-                            </a:defRPr>
-                          </a:lvl3pPr>
-                          <a:lvl4pPr marL="1371600" algn="l" defTabSz="914400" rtl="0" eaLnBrk="1" latinLnBrk="0" hangingPunct="1">
-                            <a:defRPr sz="1800" b="1" kern="1200">
-                              <a:solidFill>
-                                <a:schemeClr val="lt1"/>
-                              </a:solidFill>
-                              <a:latin typeface="+mn-lt"/>
-                            </a:defRPr>
-                          </a:lvl4pPr>
-                          <a:lvl5pPr marL="1828800" algn="l" defTabSz="914400" rtl="0" eaLnBrk="1" latinLnBrk="0" hangingPunct="1">
-                            <a:defRPr sz="1800" b="1" kern="1200">
-                              <a:solidFill>
-                                <a:schemeClr val="lt1"/>
-                              </a:solidFill>
-                              <a:latin typeface="+mn-lt"/>
-                            </a:defRPr>
-                          </a:lvl5pPr>
-                          <a:lvl6pPr marL="2286000" algn="l" defTabSz="914400" rtl="0" eaLnBrk="1" latinLnBrk="0" hangingPunct="1">
-                            <a:defRPr sz="1800" b="1" kern="1200">
-                              <a:solidFill>
-                                <a:schemeClr val="lt1"/>
-                              </a:solidFill>
-                              <a:latin typeface="+mn-lt"/>
-                            </a:defRPr>
-                          </a:lvl6pPr>
-                          <a:lvl7pPr marL="2743200" algn="l" defTabSz="914400" rtl="0" eaLnBrk="1" latinLnBrk="0" hangingPunct="1">
-                            <a:defRPr sz="1800" b="1" kern="1200">
-                              <a:solidFill>
-                                <a:schemeClr val="lt1"/>
-                              </a:solidFill>
-                              <a:latin typeface="+mn-lt"/>
-                            </a:defRPr>
-                          </a:lvl7pPr>
-                          <a:lvl8pPr marL="3200400" algn="l" defTabSz="914400" rtl="0" eaLnBrk="1" latinLnBrk="0" hangingPunct="1">
-                            <a:defRPr sz="1800" b="1" kern="1200">
-                              <a:solidFill>
-                                <a:schemeClr val="lt1"/>
-                              </a:solidFill>
-                              <a:latin typeface="+mn-lt"/>
-                            </a:defRPr>
-                          </a:lvl8pPr>
-                          <a:lvl9pPr marL="3657600" algn="l" defTabSz="914400" rtl="0" eaLnBrk="1" latinLnBrk="0" hangingPunct="1">
-                            <a:defRPr sz="1800" b="1" kern="1200">
-                              <a:solidFill>
-                                <a:schemeClr val="lt1"/>
-                              </a:solidFill>
-                              <a:latin typeface="+mn-lt"/>
-                            </a:defRPr>
-                          </a:lvl9pPr>
-                        </a:lstStyle>
-                        <a:p>
-                          <a:pPr algn="ctr">
-                            <a:buNone/>
-                          </a:pPr>
-                          <a:r>
-                            <a:rPr lang="en-US" sz="1200" dirty="0">
-                              <a:solidFill>
-                                <a:schemeClr val="tx1"/>
-                              </a:solidFill>
-                              <a:latin typeface="Times New Roman" panose="02020603050405020304" charset="0"/>
-                              <a:ea typeface="+mn-ea"/>
-                              <a:cs typeface="Times New Roman" panose="02020603050405020304" charset="0"/>
-                              <a:sym typeface="+mn-ea"/>
-                            </a:rPr>
-                            <a:t>Backbone</a:t>
-                          </a:r>
-                        </a:p>
-                      </a:txBody>
-                      <a:tcPr anchor="ctr">
-                        <a:lnL>
-                          <a:noFill/>
-                        </a:lnL>
-                        <a:lnR>
-                          <a:noFill/>
-                        </a:lnR>
-                        <a:lnT>
-                          <a:noFill/>
-                        </a:lnT>
-                        <a:lnB w="12700" cap="flat" cmpd="sng" algn="ctr">
-                          <a:solidFill>
-                            <a:schemeClr val="tx1"/>
-                          </a:solidFill>
-                          <a:prstDash val="solid"/>
-                          <a:round/>
-                          <a:headEnd type="none" w="med" len="med"/>
-                          <a:tailEnd type="none" w="med" len="med"/>
-                        </a:lnB>
-                        <a:lnTlToBr>
-                          <a:noFill/>
-                        </a:lnTlToBr>
-                        <a:lnBlToTr>
-                          <a:noFill/>
-                        </a:lnBlToTr>
-                        <a:noFill/>
-                      </a:tcPr>
-                    </a:tc>
-                    <a:tc>
-                      <a:txBody>
-                        <a:bodyPr/>
-                        <a:lstStyle>
-                          <a:defPPr>
-                            <a:defRPr lang="en-US" b="1">
-                              <a:solidFill>
-                                <a:schemeClr val="lt1"/>
-                              </a:solidFill>
-                            </a:defRPr>
-                          </a:defPPr>
-                          <a:lvl1pPr marL="0" algn="l" defTabSz="914400" rtl="0" eaLnBrk="1" latinLnBrk="0" hangingPunct="1">
-                            <a:defRPr sz="1800" b="1" kern="1200">
-                              <a:solidFill>
-                                <a:schemeClr val="lt1"/>
-                              </a:solidFill>
-                              <a:latin typeface="+mn-lt"/>
-                            </a:defRPr>
-                          </a:lvl1pPr>
-                          <a:lvl2pPr marL="457200" algn="l" defTabSz="914400" rtl="0" eaLnBrk="1" latinLnBrk="0" hangingPunct="1">
-                            <a:defRPr sz="1800" b="1" kern="1200">
-                              <a:solidFill>
-                                <a:schemeClr val="lt1"/>
-                              </a:solidFill>
-                              <a:latin typeface="+mn-lt"/>
-                            </a:defRPr>
-                          </a:lvl2pPr>
-                          <a:lvl3pPr marL="914400" algn="l" defTabSz="914400" rtl="0" eaLnBrk="1" latinLnBrk="0" hangingPunct="1">
-                            <a:defRPr sz="1800" b="1" kern="1200">
-                              <a:solidFill>
-                                <a:schemeClr val="lt1"/>
-                              </a:solidFill>
-                              <a:latin typeface="+mn-lt"/>
-                            </a:defRPr>
-                          </a:lvl3pPr>
-                          <a:lvl4pPr marL="1371600" algn="l" defTabSz="914400" rtl="0" eaLnBrk="1" latinLnBrk="0" hangingPunct="1">
-                            <a:defRPr sz="1800" b="1" kern="1200">
-                              <a:solidFill>
-                                <a:schemeClr val="lt1"/>
-                              </a:solidFill>
-                              <a:latin typeface="+mn-lt"/>
-                            </a:defRPr>
-                          </a:lvl4pPr>
-                          <a:lvl5pPr marL="1828800" algn="l" defTabSz="914400" rtl="0" eaLnBrk="1" latinLnBrk="0" hangingPunct="1">
-                            <a:defRPr sz="1800" b="1" kern="1200">
-                              <a:solidFill>
-                                <a:schemeClr val="lt1"/>
-                              </a:solidFill>
-                              <a:latin typeface="+mn-lt"/>
-                            </a:defRPr>
-                          </a:lvl5pPr>
-                          <a:lvl6pPr marL="2286000" algn="l" defTabSz="914400" rtl="0" eaLnBrk="1" latinLnBrk="0" hangingPunct="1">
-                            <a:defRPr sz="1800" b="1" kern="1200">
-                              <a:solidFill>
-                                <a:schemeClr val="lt1"/>
-                              </a:solidFill>
-                              <a:latin typeface="+mn-lt"/>
-                            </a:defRPr>
-                          </a:lvl6pPr>
-                          <a:lvl7pPr marL="2743200" algn="l" defTabSz="914400" rtl="0" eaLnBrk="1" latinLnBrk="0" hangingPunct="1">
-                            <a:defRPr sz="1800" b="1" kern="1200">
-                              <a:solidFill>
-                                <a:schemeClr val="lt1"/>
-                              </a:solidFill>
-                              <a:latin typeface="+mn-lt"/>
-                            </a:defRPr>
-                          </a:lvl7pPr>
-                          <a:lvl8pPr marL="3200400" algn="l" defTabSz="914400" rtl="0" eaLnBrk="1" latinLnBrk="0" hangingPunct="1">
-                            <a:defRPr sz="1800" b="1" kern="1200">
-                              <a:solidFill>
-                                <a:schemeClr val="lt1"/>
-                              </a:solidFill>
-                              <a:latin typeface="+mn-lt"/>
-                            </a:defRPr>
-                          </a:lvl8pPr>
-                          <a:lvl9pPr marL="3657600" algn="l" defTabSz="914400" rtl="0" eaLnBrk="1" latinLnBrk="0" hangingPunct="1">
-                            <a:defRPr sz="1800" b="1" kern="1200">
-                              <a:solidFill>
-                                <a:schemeClr val="lt1"/>
-                              </a:solidFill>
-                              <a:latin typeface="+mn-lt"/>
-                            </a:defRPr>
-                          </a:lvl9pPr>
-                        </a:lstStyle>
-                        <a:p>
-                          <a:pPr algn="ctr">
-                            <a:buNone/>
-                          </a:pPr>
-                          <a14:m>
-                            <m:oMathPara xmlns:m="http://schemas.openxmlformats.org/officeDocument/2006/math">
-                              <m:oMathParaPr>
-                                <m:jc m:val="centerGroup"/>
-                              </m:oMathParaPr>
-                              <m:oMath xmlns:m="http://schemas.openxmlformats.org/officeDocument/2006/math">
-                                <m:sSub>
-                                  <m:sSubPr>
-                                    <m:ctrlPr>
-                                      <a:rPr lang="pt-BR" sz="1200" i="1" smtClean="0">
-                                        <a:solidFill>
-                                          <a:schemeClr val="tx1"/>
-                                        </a:solidFill>
-                                        <a:latin typeface="Cambria Math" panose="02040503050406030204" pitchFamily="18" charset="0"/>
-                                        <a:ea typeface="+mn-ea"/>
-                                        <a:cs typeface="Times New Roman" panose="02020603050405020304" charset="0"/>
-                                        <a:sym typeface="+mn-ea"/>
-                                      </a:rPr>
-                                    </m:ctrlPr>
-                                  </m:sSubPr>
-                                  <m:e>
-                                    <m:r>
-                                      <a:rPr lang="en-US" sz="1200" b="1" i="1" smtClean="0">
-                                        <a:solidFill>
-                                          <a:schemeClr val="tx1"/>
-                                        </a:solidFill>
-                                        <a:latin typeface="Cambria Math" panose="02040503050406030204" pitchFamily="18" charset="0"/>
-                                        <a:ea typeface="+mn-ea"/>
-                                        <a:cs typeface="Times New Roman" panose="02020603050405020304" charset="0"/>
-                                        <a:sym typeface="+mn-ea"/>
-                                      </a:rPr>
-                                      <m:t>𝒎𝑨𝑷</m:t>
-                                    </m:r>
-                                  </m:e>
-                                  <m:sub>
-                                    <m:r>
-                                      <a:rPr lang="en-US" sz="1200" b="1" i="1" smtClean="0">
-                                        <a:solidFill>
-                                          <a:schemeClr val="tx1"/>
-                                        </a:solidFill>
-                                        <a:latin typeface="Cambria Math" panose="02040503050406030204" pitchFamily="18" charset="0"/>
-                                        <a:ea typeface="+mn-ea"/>
-                                        <a:cs typeface="Times New Roman" panose="02020603050405020304" charset="0"/>
-                                        <a:sym typeface="+mn-ea"/>
-                                      </a:rPr>
-                                      <m:t>𝟓𝟎</m:t>
-                                    </m:r>
-                                    <m:r>
-                                      <a:rPr lang="en-US" sz="1200" b="1" i="1" smtClean="0">
-                                        <a:solidFill>
-                                          <a:schemeClr val="tx1"/>
-                                        </a:solidFill>
-                                        <a:latin typeface="Cambria Math" panose="02040503050406030204" pitchFamily="18" charset="0"/>
-                                        <a:ea typeface="+mn-ea"/>
-                                        <a:cs typeface="Times New Roman" panose="02020603050405020304" charset="0"/>
-                                        <a:sym typeface="+mn-ea"/>
-                                      </a:rPr>
-                                      <m:t>:</m:t>
-                                    </m:r>
-                                    <m:r>
-                                      <a:rPr lang="en-US" sz="1200" b="1" i="1" smtClean="0">
-                                        <a:solidFill>
-                                          <a:schemeClr val="tx1"/>
-                                        </a:solidFill>
-                                        <a:latin typeface="Cambria Math" panose="02040503050406030204" pitchFamily="18" charset="0"/>
-                                        <a:ea typeface="+mn-ea"/>
-                                        <a:cs typeface="Times New Roman" panose="02020603050405020304" charset="0"/>
-                                        <a:sym typeface="+mn-ea"/>
-                                      </a:rPr>
-                                      <m:t>𝟗𝟓</m:t>
-                                    </m:r>
-                                  </m:sub>
-                                </m:sSub>
-                              </m:oMath>
-                            </m:oMathPara>
-                          </a14:m>
-                          <a:endParaRPr lang="en-US" sz="1200" dirty="0">
-                            <a:solidFill>
-                              <a:schemeClr val="tx1"/>
-                            </a:solidFill>
-                            <a:latin typeface="Times New Roman" panose="02020603050405020304" charset="0"/>
-                            <a:ea typeface="+mn-ea"/>
-                            <a:cs typeface="Times New Roman" panose="02020603050405020304" charset="0"/>
-                            <a:sym typeface="+mn-ea"/>
-                          </a:endParaRPr>
-                        </a:p>
-                      </a:txBody>
-                      <a:tcPr anchor="ctr">
-                        <a:lnL>
-                          <a:noFill/>
-                        </a:lnL>
-                        <a:lnR>
-                          <a:noFill/>
-                        </a:lnR>
-                        <a:lnT>
-                          <a:noFill/>
-                        </a:lnT>
-                        <a:lnB w="12700" cap="flat" cmpd="sng" algn="ctr">
-                          <a:solidFill>
-                            <a:schemeClr val="tx1"/>
-                          </a:solidFill>
-                          <a:prstDash val="solid"/>
-                          <a:round/>
-                          <a:headEnd type="none" w="med" len="med"/>
-                          <a:tailEnd type="none" w="med" len="med"/>
-                        </a:lnB>
-                        <a:lnTlToBr>
-                          <a:noFill/>
-                        </a:lnTlToBr>
-                        <a:lnBlToTr>
-                          <a:noFill/>
-                        </a:lnBlToTr>
-                        <a:noFill/>
-                      </a:tcPr>
-                    </a:tc>
-                    <a:tc>
-                      <a:txBody>
-                        <a:bodyPr/>
-                        <a:lstStyle>
-                          <a:defPPr>
-                            <a:defRPr lang="en-US" b="1">
-                              <a:solidFill>
-                                <a:schemeClr val="lt1"/>
-                              </a:solidFill>
-                            </a:defRPr>
-                          </a:defPPr>
-                          <a:lvl1pPr marL="0" algn="l" defTabSz="914400" rtl="0" eaLnBrk="1" latinLnBrk="0" hangingPunct="1">
-                            <a:defRPr sz="1800" b="1" kern="1200">
-                              <a:solidFill>
-                                <a:schemeClr val="lt1"/>
-                              </a:solidFill>
-                              <a:latin typeface="+mn-lt"/>
-                            </a:defRPr>
-                          </a:lvl1pPr>
-                          <a:lvl2pPr marL="457200" algn="l" defTabSz="914400" rtl="0" eaLnBrk="1" latinLnBrk="0" hangingPunct="1">
-                            <a:defRPr sz="1800" b="1" kern="1200">
-                              <a:solidFill>
-                                <a:schemeClr val="lt1"/>
-                              </a:solidFill>
-                              <a:latin typeface="+mn-lt"/>
-                            </a:defRPr>
-                          </a:lvl2pPr>
-                          <a:lvl3pPr marL="914400" algn="l" defTabSz="914400" rtl="0" eaLnBrk="1" latinLnBrk="0" hangingPunct="1">
-                            <a:defRPr sz="1800" b="1" kern="1200">
-                              <a:solidFill>
-                                <a:schemeClr val="lt1"/>
-                              </a:solidFill>
-                              <a:latin typeface="+mn-lt"/>
-                            </a:defRPr>
-                          </a:lvl3pPr>
-                          <a:lvl4pPr marL="1371600" algn="l" defTabSz="914400" rtl="0" eaLnBrk="1" latinLnBrk="0" hangingPunct="1">
-                            <a:defRPr sz="1800" b="1" kern="1200">
-                              <a:solidFill>
-                                <a:schemeClr val="lt1"/>
-                              </a:solidFill>
-                              <a:latin typeface="+mn-lt"/>
-                            </a:defRPr>
-                          </a:lvl4pPr>
-                          <a:lvl5pPr marL="1828800" algn="l" defTabSz="914400" rtl="0" eaLnBrk="1" latinLnBrk="0" hangingPunct="1">
-                            <a:defRPr sz="1800" b="1" kern="1200">
-                              <a:solidFill>
-                                <a:schemeClr val="lt1"/>
-                              </a:solidFill>
-                              <a:latin typeface="+mn-lt"/>
-                            </a:defRPr>
-                          </a:lvl5pPr>
-                          <a:lvl6pPr marL="2286000" algn="l" defTabSz="914400" rtl="0" eaLnBrk="1" latinLnBrk="0" hangingPunct="1">
-                            <a:defRPr sz="1800" b="1" kern="1200">
-                              <a:solidFill>
-                                <a:schemeClr val="lt1"/>
-                              </a:solidFill>
-                              <a:latin typeface="+mn-lt"/>
-                            </a:defRPr>
-                          </a:lvl6pPr>
-                          <a:lvl7pPr marL="2743200" algn="l" defTabSz="914400" rtl="0" eaLnBrk="1" latinLnBrk="0" hangingPunct="1">
-                            <a:defRPr sz="1800" b="1" kern="1200">
-                              <a:solidFill>
-                                <a:schemeClr val="lt1"/>
-                              </a:solidFill>
-                              <a:latin typeface="+mn-lt"/>
-                            </a:defRPr>
-                          </a:lvl7pPr>
-                          <a:lvl8pPr marL="3200400" algn="l" defTabSz="914400" rtl="0" eaLnBrk="1" latinLnBrk="0" hangingPunct="1">
-                            <a:defRPr sz="1800" b="1" kern="1200">
-                              <a:solidFill>
-                                <a:schemeClr val="lt1"/>
-                              </a:solidFill>
-                              <a:latin typeface="+mn-lt"/>
-                            </a:defRPr>
-                          </a:lvl8pPr>
-                          <a:lvl9pPr marL="3657600" algn="l" defTabSz="914400" rtl="0" eaLnBrk="1" latinLnBrk="0" hangingPunct="1">
-                            <a:defRPr sz="1800" b="1" kern="1200">
-                              <a:solidFill>
-                                <a:schemeClr val="lt1"/>
-                              </a:solidFill>
-                              <a:latin typeface="+mn-lt"/>
-                            </a:defRPr>
-                          </a:lvl9pPr>
-                        </a:lstStyle>
-                        <a:p>
-                          <a:pPr algn="ctr">
-                            <a:buNone/>
-                          </a:pPr>
-                          <a14:m>
-                            <m:oMathPara xmlns:m="http://schemas.openxmlformats.org/officeDocument/2006/math">
-                              <m:oMathParaPr>
-                                <m:jc m:val="centerGroup"/>
-                              </m:oMathParaPr>
-                              <m:oMath xmlns:m="http://schemas.openxmlformats.org/officeDocument/2006/math">
-                                <m:sSub>
-                                  <m:sSubPr>
-                                    <m:ctrlPr>
-                                      <a:rPr lang="pt-BR" sz="1200" i="1" smtClean="0">
-                                        <a:solidFill>
-                                          <a:schemeClr val="tx1"/>
-                                        </a:solidFill>
-                                        <a:latin typeface="Cambria Math" panose="02040503050406030204" pitchFamily="18" charset="0"/>
-                                        <a:ea typeface="+mn-ea"/>
-                                        <a:cs typeface="Times New Roman" panose="02020603050405020304" charset="0"/>
-                                        <a:sym typeface="+mn-ea"/>
-                                      </a:rPr>
-                                    </m:ctrlPr>
-                                  </m:sSubPr>
-                                  <m:e>
-                                    <m:r>
-                                      <a:rPr lang="en-US" sz="1200" b="1" i="1" smtClean="0">
-                                        <a:solidFill>
-                                          <a:schemeClr val="tx1"/>
-                                        </a:solidFill>
-                                        <a:latin typeface="Cambria Math" panose="02040503050406030204" pitchFamily="18" charset="0"/>
-                                        <a:ea typeface="+mn-ea"/>
-                                        <a:cs typeface="Times New Roman" panose="02020603050405020304" charset="0"/>
-                                        <a:sym typeface="+mn-ea"/>
-                                      </a:rPr>
-                                      <m:t>𝒎𝑨𝑷</m:t>
-                                    </m:r>
-                                  </m:e>
-                                  <m:sub>
-                                    <m:r>
-                                      <a:rPr lang="en-US" sz="1200" b="1" i="1" smtClean="0">
-                                        <a:solidFill>
-                                          <a:schemeClr val="tx1"/>
-                                        </a:solidFill>
-                                        <a:latin typeface="Cambria Math" panose="02040503050406030204" pitchFamily="18" charset="0"/>
-                                        <a:ea typeface="+mn-ea"/>
-                                        <a:cs typeface="Times New Roman" panose="02020603050405020304" charset="0"/>
-                                        <a:sym typeface="+mn-ea"/>
-                                      </a:rPr>
-                                      <m:t>𝟓𝟎</m:t>
-                                    </m:r>
-                                  </m:sub>
-                                </m:sSub>
-                              </m:oMath>
-                            </m:oMathPara>
-                          </a14:m>
-                          <a:endParaRPr lang="en-US" sz="1200" dirty="0">
-                            <a:solidFill>
-                              <a:schemeClr val="tx1"/>
-                            </a:solidFill>
-                            <a:latin typeface="Times New Roman" panose="02020603050405020304" charset="0"/>
-                            <a:ea typeface="+mn-ea"/>
-                            <a:cs typeface="Times New Roman" panose="02020603050405020304" charset="0"/>
-                            <a:sym typeface="+mn-ea"/>
-                          </a:endParaRPr>
-                        </a:p>
-                      </a:txBody>
-                      <a:tcPr anchor="ctr">
-                        <a:lnL>
-                          <a:noFill/>
-                        </a:lnL>
-                        <a:lnR>
-                          <a:noFill/>
-                        </a:lnR>
-                        <a:lnT>
-                          <a:noFill/>
-                        </a:lnT>
-                        <a:lnB w="12700" cap="flat" cmpd="sng" algn="ctr">
-                          <a:solidFill>
-                            <a:schemeClr val="tx1"/>
-                          </a:solidFill>
-                          <a:prstDash val="solid"/>
-                          <a:round/>
-                          <a:headEnd type="none" w="med" len="med"/>
-                          <a:tailEnd type="none" w="med" len="med"/>
-                        </a:lnB>
-                        <a:lnTlToBr>
-                          <a:noFill/>
-                        </a:lnTlToBr>
-                        <a:lnBlToTr>
-                          <a:noFill/>
-                        </a:lnBlToTr>
-                        <a:noFill/>
-                      </a:tcPr>
-                    </a:tc>
-                    <a:tc>
-                      <a:txBody>
-                        <a:bodyPr/>
-                        <a:lstStyle>
-                          <a:defPPr>
-                            <a:defRPr lang="en-US" b="1">
-                              <a:solidFill>
-                                <a:schemeClr val="lt1"/>
-                              </a:solidFill>
-                            </a:defRPr>
-                          </a:defPPr>
-                          <a:lvl1pPr marL="0" algn="l" defTabSz="914400" rtl="0" eaLnBrk="1" latinLnBrk="0" hangingPunct="1">
-                            <a:defRPr sz="1800" b="1" kern="1200">
-                              <a:solidFill>
-                                <a:schemeClr val="lt1"/>
-                              </a:solidFill>
-                              <a:latin typeface="+mn-lt"/>
-                            </a:defRPr>
-                          </a:lvl1pPr>
-                          <a:lvl2pPr marL="457200" algn="l" defTabSz="914400" rtl="0" eaLnBrk="1" latinLnBrk="0" hangingPunct="1">
-                            <a:defRPr sz="1800" b="1" kern="1200">
-                              <a:solidFill>
-                                <a:schemeClr val="lt1"/>
-                              </a:solidFill>
-                              <a:latin typeface="+mn-lt"/>
-                            </a:defRPr>
-                          </a:lvl2pPr>
-                          <a:lvl3pPr marL="914400" algn="l" defTabSz="914400" rtl="0" eaLnBrk="1" latinLnBrk="0" hangingPunct="1">
-                            <a:defRPr sz="1800" b="1" kern="1200">
-                              <a:solidFill>
-                                <a:schemeClr val="lt1"/>
-                              </a:solidFill>
-                              <a:latin typeface="+mn-lt"/>
-                            </a:defRPr>
-                          </a:lvl3pPr>
-                          <a:lvl4pPr marL="1371600" algn="l" defTabSz="914400" rtl="0" eaLnBrk="1" latinLnBrk="0" hangingPunct="1">
-                            <a:defRPr sz="1800" b="1" kern="1200">
-                              <a:solidFill>
-                                <a:schemeClr val="lt1"/>
-                              </a:solidFill>
-                              <a:latin typeface="+mn-lt"/>
-                            </a:defRPr>
-                          </a:lvl4pPr>
-                          <a:lvl5pPr marL="1828800" algn="l" defTabSz="914400" rtl="0" eaLnBrk="1" latinLnBrk="0" hangingPunct="1">
-                            <a:defRPr sz="1800" b="1" kern="1200">
-                              <a:solidFill>
-                                <a:schemeClr val="lt1"/>
-                              </a:solidFill>
-                              <a:latin typeface="+mn-lt"/>
-                            </a:defRPr>
-                          </a:lvl5pPr>
-                          <a:lvl6pPr marL="2286000" algn="l" defTabSz="914400" rtl="0" eaLnBrk="1" latinLnBrk="0" hangingPunct="1">
-                            <a:defRPr sz="1800" b="1" kern="1200">
-                              <a:solidFill>
-                                <a:schemeClr val="lt1"/>
-                              </a:solidFill>
-                              <a:latin typeface="+mn-lt"/>
-                            </a:defRPr>
-                          </a:lvl6pPr>
-                          <a:lvl7pPr marL="2743200" algn="l" defTabSz="914400" rtl="0" eaLnBrk="1" latinLnBrk="0" hangingPunct="1">
-                            <a:defRPr sz="1800" b="1" kern="1200">
-                              <a:solidFill>
-                                <a:schemeClr val="lt1"/>
-                              </a:solidFill>
-                              <a:latin typeface="+mn-lt"/>
-                            </a:defRPr>
-                          </a:lvl7pPr>
-                          <a:lvl8pPr marL="3200400" algn="l" defTabSz="914400" rtl="0" eaLnBrk="1" latinLnBrk="0" hangingPunct="1">
-                            <a:defRPr sz="1800" b="1" kern="1200">
-                              <a:solidFill>
-                                <a:schemeClr val="lt1"/>
-                              </a:solidFill>
-                              <a:latin typeface="+mn-lt"/>
-                            </a:defRPr>
-                          </a:lvl8pPr>
-                          <a:lvl9pPr marL="3657600" algn="l" defTabSz="914400" rtl="0" eaLnBrk="1" latinLnBrk="0" hangingPunct="1">
-                            <a:defRPr sz="1800" b="1" kern="1200">
-                              <a:solidFill>
-                                <a:schemeClr val="lt1"/>
-                              </a:solidFill>
-                              <a:latin typeface="+mn-lt"/>
-                            </a:defRPr>
-                          </a:lvl9pPr>
-                        </a:lstStyle>
-                        <a:p>
-                          <a:pPr algn="ctr">
-                            <a:buNone/>
-                          </a:pPr>
-                          <a14:m>
-                            <m:oMathPara xmlns:m="http://schemas.openxmlformats.org/officeDocument/2006/math">
-                              <m:oMathParaPr>
-                                <m:jc m:val="centerGroup"/>
-                              </m:oMathParaPr>
-                              <m:oMath xmlns:m="http://schemas.openxmlformats.org/officeDocument/2006/math">
-                                <m:sSub>
-                                  <m:sSubPr>
-                                    <m:ctrlPr>
-                                      <a:rPr lang="pt-BR" sz="1200" i="1" smtClean="0">
-                                        <a:solidFill>
-                                          <a:schemeClr val="tx1"/>
-                                        </a:solidFill>
-                                        <a:latin typeface="Cambria Math" panose="02040503050406030204" pitchFamily="18" charset="0"/>
-                                        <a:ea typeface="+mn-ea"/>
-                                        <a:cs typeface="Times New Roman" panose="02020603050405020304" charset="0"/>
-                                        <a:sym typeface="+mn-ea"/>
-                                      </a:rPr>
-                                    </m:ctrlPr>
-                                  </m:sSubPr>
-                                  <m:e>
-                                    <m:r>
-                                      <a:rPr lang="en-US" sz="1200" b="1" i="1" smtClean="0">
-                                        <a:solidFill>
-                                          <a:schemeClr val="tx1"/>
-                                        </a:solidFill>
-                                        <a:latin typeface="Cambria Math" panose="02040503050406030204" pitchFamily="18" charset="0"/>
-                                        <a:ea typeface="+mn-ea"/>
-                                        <a:cs typeface="Times New Roman" panose="02020603050405020304" charset="0"/>
-                                        <a:sym typeface="+mn-ea"/>
-                                      </a:rPr>
-                                      <m:t>𝒎𝑨𝑷</m:t>
-                                    </m:r>
-                                  </m:e>
-                                  <m:sub>
-                                    <m:r>
-                                      <a:rPr lang="en-US" sz="1200" b="1" i="1" smtClean="0">
-                                        <a:solidFill>
-                                          <a:schemeClr val="tx1"/>
-                                        </a:solidFill>
-                                        <a:latin typeface="Cambria Math" panose="02040503050406030204" pitchFamily="18" charset="0"/>
-                                        <a:ea typeface="+mn-ea"/>
-                                        <a:cs typeface="Times New Roman" panose="02020603050405020304" charset="0"/>
-                                        <a:sym typeface="+mn-ea"/>
-                                      </a:rPr>
-                                      <m:t>𝟕𝟎</m:t>
-                                    </m:r>
-                                  </m:sub>
-                                </m:sSub>
-                              </m:oMath>
-                            </m:oMathPara>
-                          </a14:m>
-                          <a:endParaRPr lang="en-US" sz="1200" dirty="0">
-                            <a:solidFill>
-                              <a:schemeClr val="tx1"/>
-                            </a:solidFill>
-                            <a:latin typeface="Times New Roman" panose="02020603050405020304" charset="0"/>
-                            <a:ea typeface="+mn-ea"/>
-                            <a:cs typeface="Times New Roman" panose="02020603050405020304" charset="0"/>
-                            <a:sym typeface="+mn-ea"/>
-                          </a:endParaRPr>
-                        </a:p>
-                      </a:txBody>
-                      <a:tcPr anchor="ctr">
-                        <a:lnL>
-                          <a:noFill/>
-                        </a:lnL>
-                        <a:lnR>
-                          <a:noFill/>
-                        </a:lnR>
-                        <a:lnT>
-                          <a:noFill/>
-                        </a:lnT>
-                        <a:lnB w="12700" cap="flat" cmpd="sng" algn="ctr">
-                          <a:solidFill>
-                            <a:schemeClr val="tx1"/>
-                          </a:solidFill>
-                          <a:prstDash val="solid"/>
-                          <a:round/>
-                          <a:headEnd type="none" w="med" len="med"/>
-                          <a:tailEnd type="none" w="med" len="med"/>
-                        </a:lnB>
-                        <a:lnTlToBr>
-                          <a:noFill/>
-                        </a:lnTlToBr>
-                        <a:lnBlToTr>
-                          <a:noFill/>
-                        </a:lnBlToTr>
-                        <a:noFill/>
-                      </a:tcPr>
-                    </a:tc>
-                    <a:tc>
-                      <a:txBody>
-                        <a:bodyPr/>
-                        <a:lstStyle>
-                          <a:defPPr>
-                            <a:defRPr lang="en-US" b="1">
-                              <a:solidFill>
-                                <a:schemeClr val="lt1"/>
-                              </a:solidFill>
-                            </a:defRPr>
-                          </a:defPPr>
-                          <a:lvl1pPr marL="0" algn="l" defTabSz="914400" rtl="0" eaLnBrk="1" latinLnBrk="0" hangingPunct="1">
-                            <a:defRPr sz="1800" b="1" kern="1200">
-                              <a:solidFill>
-                                <a:schemeClr val="lt1"/>
-                              </a:solidFill>
-                              <a:latin typeface="+mn-lt"/>
-                            </a:defRPr>
-                          </a:lvl1pPr>
-                          <a:lvl2pPr marL="457200" algn="l" defTabSz="914400" rtl="0" eaLnBrk="1" latinLnBrk="0" hangingPunct="1">
-                            <a:defRPr sz="1800" b="1" kern="1200">
-                              <a:solidFill>
-                                <a:schemeClr val="lt1"/>
-                              </a:solidFill>
-                              <a:latin typeface="+mn-lt"/>
-                            </a:defRPr>
-                          </a:lvl2pPr>
-                          <a:lvl3pPr marL="914400" algn="l" defTabSz="914400" rtl="0" eaLnBrk="1" latinLnBrk="0" hangingPunct="1">
-                            <a:defRPr sz="1800" b="1" kern="1200">
-                              <a:solidFill>
-                                <a:schemeClr val="lt1"/>
-                              </a:solidFill>
-                              <a:latin typeface="+mn-lt"/>
-                            </a:defRPr>
-                          </a:lvl3pPr>
-                          <a:lvl4pPr marL="1371600" algn="l" defTabSz="914400" rtl="0" eaLnBrk="1" latinLnBrk="0" hangingPunct="1">
-                            <a:defRPr sz="1800" b="1" kern="1200">
-                              <a:solidFill>
-                                <a:schemeClr val="lt1"/>
-                              </a:solidFill>
-                              <a:latin typeface="+mn-lt"/>
-                            </a:defRPr>
-                          </a:lvl4pPr>
-                          <a:lvl5pPr marL="1828800" algn="l" defTabSz="914400" rtl="0" eaLnBrk="1" latinLnBrk="0" hangingPunct="1">
-                            <a:defRPr sz="1800" b="1" kern="1200">
-                              <a:solidFill>
-                                <a:schemeClr val="lt1"/>
-                              </a:solidFill>
-                              <a:latin typeface="+mn-lt"/>
-                            </a:defRPr>
-                          </a:lvl5pPr>
-                          <a:lvl6pPr marL="2286000" algn="l" defTabSz="914400" rtl="0" eaLnBrk="1" latinLnBrk="0" hangingPunct="1">
-                            <a:defRPr sz="1800" b="1" kern="1200">
-                              <a:solidFill>
-                                <a:schemeClr val="lt1"/>
-                              </a:solidFill>
-                              <a:latin typeface="+mn-lt"/>
-                            </a:defRPr>
-                          </a:lvl6pPr>
-                          <a:lvl7pPr marL="2743200" algn="l" defTabSz="914400" rtl="0" eaLnBrk="1" latinLnBrk="0" hangingPunct="1">
-                            <a:defRPr sz="1800" b="1" kern="1200">
-                              <a:solidFill>
-                                <a:schemeClr val="lt1"/>
-                              </a:solidFill>
-                              <a:latin typeface="+mn-lt"/>
-                            </a:defRPr>
-                          </a:lvl7pPr>
-                          <a:lvl8pPr marL="3200400" algn="l" defTabSz="914400" rtl="0" eaLnBrk="1" latinLnBrk="0" hangingPunct="1">
-                            <a:defRPr sz="1800" b="1" kern="1200">
-                              <a:solidFill>
-                                <a:schemeClr val="lt1"/>
-                              </a:solidFill>
-                              <a:latin typeface="+mn-lt"/>
-                            </a:defRPr>
-                          </a:lvl8pPr>
-                          <a:lvl9pPr marL="3657600" algn="l" defTabSz="914400" rtl="0" eaLnBrk="1" latinLnBrk="0" hangingPunct="1">
-                            <a:defRPr sz="1800" b="1" kern="1200">
-                              <a:solidFill>
-                                <a:schemeClr val="lt1"/>
-                              </a:solidFill>
-                              <a:latin typeface="+mn-lt"/>
-                            </a:defRPr>
-                          </a:lvl9pPr>
-                        </a:lstStyle>
-                        <a:p>
-                          <a:pPr algn="ctr">
-                            <a:buNone/>
-                          </a:pPr>
-                          <a14:m>
-                            <m:oMathPara xmlns:m="http://schemas.openxmlformats.org/officeDocument/2006/math">
-                              <m:oMathParaPr>
-                                <m:jc m:val="centerGroup"/>
-                              </m:oMathParaPr>
-                              <m:oMath xmlns:m="http://schemas.openxmlformats.org/officeDocument/2006/math">
-                                <m:sSub>
-                                  <m:sSubPr>
-                                    <m:ctrlPr>
-                                      <a:rPr lang="pt-BR" sz="1200" i="1" smtClean="0">
-                                        <a:solidFill>
-                                          <a:schemeClr val="tx1"/>
-                                        </a:solidFill>
-                                        <a:latin typeface="Cambria Math" panose="02040503050406030204" pitchFamily="18" charset="0"/>
-                                        <a:ea typeface="+mn-ea"/>
-                                        <a:cs typeface="Times New Roman" panose="02020603050405020304" charset="0"/>
-                                        <a:sym typeface="+mn-ea"/>
-                                      </a:rPr>
-                                    </m:ctrlPr>
-                                  </m:sSubPr>
-                                  <m:e>
-                                    <m:r>
-                                      <a:rPr lang="en-US" sz="1200" b="1" i="1" smtClean="0">
-                                        <a:solidFill>
-                                          <a:schemeClr val="tx1"/>
-                                        </a:solidFill>
-                                        <a:latin typeface="Cambria Math" panose="02040503050406030204" pitchFamily="18" charset="0"/>
-                                        <a:ea typeface="+mn-ea"/>
-                                        <a:cs typeface="Times New Roman" panose="02020603050405020304" charset="0"/>
-                                        <a:sym typeface="+mn-ea"/>
-                                      </a:rPr>
-                                      <m:t>𝒎𝑨𝑷</m:t>
-                                    </m:r>
-                                  </m:e>
-                                  <m:sub>
-                                    <m:r>
-                                      <a:rPr lang="en-US" sz="1200" b="1" i="1" smtClean="0">
-                                        <a:solidFill>
-                                          <a:schemeClr val="tx1"/>
-                                        </a:solidFill>
-                                        <a:latin typeface="Cambria Math" panose="02040503050406030204" pitchFamily="18" charset="0"/>
-                                        <a:ea typeface="+mn-ea"/>
-                                        <a:cs typeface="Times New Roman" panose="02020603050405020304" charset="0"/>
-                                        <a:sym typeface="+mn-ea"/>
-                                      </a:rPr>
-                                      <m:t>𝟗𝟓</m:t>
-                                    </m:r>
-                                  </m:sub>
-                                </m:sSub>
-                              </m:oMath>
-                            </m:oMathPara>
-                          </a14:m>
-                          <a:endParaRPr lang="en-US" sz="1400" dirty="0">
-                            <a:solidFill>
-                              <a:schemeClr val="tx1"/>
-                            </a:solidFill>
-                            <a:latin typeface="Times New Roman" panose="02020603050405020304" charset="0"/>
-                            <a:ea typeface="+mn-ea"/>
-                            <a:cs typeface="Times New Roman" panose="02020603050405020304" charset="0"/>
-                          </a:endParaRPr>
-                        </a:p>
-                      </a:txBody>
-                      <a:tcPr anchor="ctr">
-                        <a:lnL>
-                          <a:noFill/>
-                        </a:lnL>
-                        <a:lnR>
-                          <a:noFill/>
-                        </a:lnR>
-                        <a:lnT>
-                          <a:noFill/>
-                        </a:lnT>
-                        <a:lnB w="12700" cap="flat" cmpd="sng" algn="ctr">
-                          <a:solidFill>
-                            <a:schemeClr val="tx1"/>
-                          </a:solidFill>
-                          <a:prstDash val="solid"/>
-                          <a:round/>
-                          <a:headEnd type="none" w="med" len="med"/>
-                          <a:tailEnd type="none" w="med" len="med"/>
-                        </a:lnB>
-                        <a:lnTlToBr>
-                          <a:noFill/>
-                        </a:lnTlToBr>
-                        <a:lnBlToTr>
-                          <a:noFill/>
-                        </a:lnBlToTr>
-                        <a:noFill/>
-                      </a:tcPr>
-                    </a:tc>
-                    <a:tc>
-                      <a:txBody>
-                        <a:bodyPr/>
-                        <a:lstStyle/>
-                        <a:p>
-                          <a:pPr algn="ctr">
-                            <a:buNone/>
-                          </a:pPr>
-                          <a:r>
-                            <a:rPr lang="en-US" sz="1400" dirty="0">
-                              <a:solidFill>
-                                <a:schemeClr val="tx1"/>
-                              </a:solidFill>
-                              <a:latin typeface="Times New Roman" panose="02020603050405020304" charset="0"/>
-                              <a:ea typeface="+mn-ea"/>
-                              <a:cs typeface="Times New Roman" panose="02020603050405020304" charset="0"/>
-                            </a:rPr>
-                            <a:t>FPS</a:t>
-                          </a:r>
-                        </a:p>
-                      </a:txBody>
-                      <a:tcPr anchor="ctr">
-                        <a:lnL>
-                          <a:noFill/>
-                        </a:lnL>
-                        <a:lnR>
-                          <a:noFill/>
-                        </a:lnR>
-                        <a:lnT>
-                          <a:noFill/>
-                        </a:lnT>
-                        <a:lnB w="12700" cap="flat" cmpd="sng" algn="ctr">
-                          <a:solidFill>
-                            <a:schemeClr val="tx1"/>
-                          </a:solidFill>
-                          <a:prstDash val="solid"/>
-                          <a:round/>
-                          <a:headEnd type="none" w="med" len="med"/>
-                          <a:tailEnd type="none" w="med" len="med"/>
-                        </a:lnB>
-                        <a:lnTlToBr>
-                          <a:noFill/>
-                        </a:lnTlToBr>
-                        <a:lnBlToTr>
-                          <a:noFill/>
-                        </a:lnBlToTr>
-                        <a:noFill/>
-                      </a:tcPr>
-                    </a:tc>
-                    <a:extLst>
-                      <a:ext uri="{0D108BD9-81ED-4DB2-BD59-A6C34878D82A}">
-                        <a16:rowId xmlns:a16="http://schemas.microsoft.com/office/drawing/2014/main" val="10000"/>
-                      </a:ext>
-                    </a:extLst>
-                  </a:tr>
-                  <a:tr h="398780">
-                    <a:tc>
-                      <a:txBody>
-                        <a:bodyPr/>
-                        <a:lstStyle>
-                          <a:defPPr>
-                            <a:defRPr lang="en-US">
-                              <a:solidFill>
-                                <a:schemeClr val="dk1"/>
-                              </a:solidFill>
-                            </a:defRPr>
-                          </a:defPPr>
-                          <a:lvl1pPr marL="0" algn="l" defTabSz="914400" rtl="0" eaLnBrk="1" latinLnBrk="0" hangingPunct="1">
-                            <a:defRPr sz="1800" kern="1200">
-                              <a:solidFill>
-                                <a:schemeClr val="dk1"/>
-                              </a:solidFill>
-                              <a:latin typeface="+mn-lt"/>
-                            </a:defRPr>
-                          </a:lvl1pPr>
-                          <a:lvl2pPr marL="457200" algn="l" defTabSz="914400" rtl="0" eaLnBrk="1" latinLnBrk="0" hangingPunct="1">
-                            <a:defRPr sz="1800" kern="1200">
-                              <a:solidFill>
-                                <a:schemeClr val="dk1"/>
-                              </a:solidFill>
-                              <a:latin typeface="+mn-lt"/>
-                            </a:defRPr>
-                          </a:lvl2pPr>
-                          <a:lvl3pPr marL="914400" algn="l" defTabSz="914400" rtl="0" eaLnBrk="1" latinLnBrk="0" hangingPunct="1">
-                            <a:defRPr sz="1800" kern="1200">
-                              <a:solidFill>
-                                <a:schemeClr val="dk1"/>
-                              </a:solidFill>
-                              <a:latin typeface="+mn-lt"/>
-                            </a:defRPr>
-                          </a:lvl3pPr>
-                          <a:lvl4pPr marL="1371600" algn="l" defTabSz="914400" rtl="0" eaLnBrk="1" latinLnBrk="0" hangingPunct="1">
-                            <a:defRPr sz="1800" kern="1200">
-                              <a:solidFill>
-                                <a:schemeClr val="dk1"/>
-                              </a:solidFill>
-                              <a:latin typeface="+mn-lt"/>
-                            </a:defRPr>
-                          </a:lvl4pPr>
-                          <a:lvl5pPr marL="1828800" algn="l" defTabSz="914400" rtl="0" eaLnBrk="1" latinLnBrk="0" hangingPunct="1">
-                            <a:defRPr sz="1800" kern="1200">
-                              <a:solidFill>
-                                <a:schemeClr val="dk1"/>
-                              </a:solidFill>
-                              <a:latin typeface="+mn-lt"/>
-                            </a:defRPr>
-                          </a:lvl5pPr>
-                          <a:lvl6pPr marL="2286000" algn="l" defTabSz="914400" rtl="0" eaLnBrk="1" latinLnBrk="0" hangingPunct="1">
-                            <a:defRPr sz="1800" kern="1200">
-                              <a:solidFill>
-                                <a:schemeClr val="dk1"/>
-                              </a:solidFill>
-                              <a:latin typeface="+mn-lt"/>
-                            </a:defRPr>
-                          </a:lvl6pPr>
-                          <a:lvl7pPr marL="2743200" algn="l" defTabSz="914400" rtl="0" eaLnBrk="1" latinLnBrk="0" hangingPunct="1">
-                            <a:defRPr sz="1800" kern="1200">
-                              <a:solidFill>
-                                <a:schemeClr val="dk1"/>
-                              </a:solidFill>
-                              <a:latin typeface="+mn-lt"/>
-                            </a:defRPr>
-                          </a:lvl7pPr>
-                          <a:lvl8pPr marL="3200400" algn="l" defTabSz="914400" rtl="0" eaLnBrk="1" latinLnBrk="0" hangingPunct="1">
-                            <a:defRPr sz="1800" kern="1200">
-                              <a:solidFill>
-                                <a:schemeClr val="dk1"/>
-                              </a:solidFill>
-                              <a:latin typeface="+mn-lt"/>
-                            </a:defRPr>
-                          </a:lvl8pPr>
-                          <a:lvl9pPr marL="3657600" algn="l" defTabSz="914400" rtl="0" eaLnBrk="1" latinLnBrk="0" hangingPunct="1">
-                            <a:defRPr sz="1800" kern="1200">
-                              <a:solidFill>
-                                <a:schemeClr val="dk1"/>
-                              </a:solidFill>
-                              <a:latin typeface="+mn-lt"/>
-                            </a:defRPr>
-                          </a:lvl9pPr>
-                        </a:lstStyle>
-                        <a:p>
-                          <a:pPr algn="ctr">
-                            <a:buNone/>
-                          </a:pPr>
-                          <a:r>
-                            <a:rPr lang="en-US" sz="1400" dirty="0">
-                              <a:latin typeface="Times New Roman" panose="02020603050405020304" charset="0"/>
-                              <a:ea typeface="+mn-ea"/>
-                              <a:cs typeface="Times New Roman" panose="02020603050405020304" charset="0"/>
-                            </a:rPr>
-                            <a:t>YOLACT</a:t>
-                          </a:r>
-                        </a:p>
-                      </a:txBody>
-                      <a:tcPr anchor="ctr">
-                        <a:lnL>
-                          <a:noFill/>
-                        </a:lnL>
-                        <a:lnR>
-                          <a:noFill/>
-                        </a:lnR>
-                        <a:lnT w="12700">
-                          <a:solidFill>
-                            <a:schemeClr val="tx1"/>
-                          </a:solidFill>
-                          <a:prstDash val="solid"/>
-                        </a:lnT>
-                        <a:lnB w="12700">
-                          <a:solidFill>
-                            <a:schemeClr val="tx1"/>
-                          </a:solidFill>
-                          <a:prstDash val="solid"/>
-                        </a:lnB>
-                        <a:lnTlToBr>
-                          <a:noFill/>
-                        </a:lnTlToBr>
-                        <a:lnBlToTr>
-                          <a:noFill/>
-                        </a:lnBlToTr>
-                        <a:noFill/>
-                      </a:tcPr>
-                    </a:tc>
-                    <a:tc>
-                      <a:txBody>
-                        <a:bodyPr/>
-                        <a:lstStyle>
-                          <a:defPPr>
-                            <a:defRPr lang="en-US">
-                              <a:solidFill>
-                                <a:schemeClr val="dk1"/>
-                              </a:solidFill>
-                            </a:defRPr>
-                          </a:defPPr>
-                          <a:lvl1pPr marL="0" algn="l" defTabSz="914400" rtl="0" eaLnBrk="1" latinLnBrk="0" hangingPunct="1">
-                            <a:defRPr sz="1800" kern="1200">
-                              <a:solidFill>
-                                <a:schemeClr val="dk1"/>
-                              </a:solidFill>
-                              <a:latin typeface="+mn-lt"/>
-                            </a:defRPr>
-                          </a:lvl1pPr>
-                          <a:lvl2pPr marL="457200" algn="l" defTabSz="914400" rtl="0" eaLnBrk="1" latinLnBrk="0" hangingPunct="1">
-                            <a:defRPr sz="1800" kern="1200">
-                              <a:solidFill>
-                                <a:schemeClr val="dk1"/>
-                              </a:solidFill>
-                              <a:latin typeface="+mn-lt"/>
-                            </a:defRPr>
-                          </a:lvl2pPr>
-                          <a:lvl3pPr marL="914400" algn="l" defTabSz="914400" rtl="0" eaLnBrk="1" latinLnBrk="0" hangingPunct="1">
-                            <a:defRPr sz="1800" kern="1200">
-                              <a:solidFill>
-                                <a:schemeClr val="dk1"/>
-                              </a:solidFill>
-                              <a:latin typeface="+mn-lt"/>
-                            </a:defRPr>
-                          </a:lvl3pPr>
-                          <a:lvl4pPr marL="1371600" algn="l" defTabSz="914400" rtl="0" eaLnBrk="1" latinLnBrk="0" hangingPunct="1">
-                            <a:defRPr sz="1800" kern="1200">
-                              <a:solidFill>
-                                <a:schemeClr val="dk1"/>
-                              </a:solidFill>
-                              <a:latin typeface="+mn-lt"/>
-                            </a:defRPr>
-                          </a:lvl4pPr>
-                          <a:lvl5pPr marL="1828800" algn="l" defTabSz="914400" rtl="0" eaLnBrk="1" latinLnBrk="0" hangingPunct="1">
-                            <a:defRPr sz="1800" kern="1200">
-                              <a:solidFill>
-                                <a:schemeClr val="dk1"/>
-                              </a:solidFill>
-                              <a:latin typeface="+mn-lt"/>
-                            </a:defRPr>
-                          </a:lvl5pPr>
-                          <a:lvl6pPr marL="2286000" algn="l" defTabSz="914400" rtl="0" eaLnBrk="1" latinLnBrk="0" hangingPunct="1">
-                            <a:defRPr sz="1800" kern="1200">
-                              <a:solidFill>
-                                <a:schemeClr val="dk1"/>
-                              </a:solidFill>
-                              <a:latin typeface="+mn-lt"/>
-                            </a:defRPr>
-                          </a:lvl6pPr>
-                          <a:lvl7pPr marL="2743200" algn="l" defTabSz="914400" rtl="0" eaLnBrk="1" latinLnBrk="0" hangingPunct="1">
-                            <a:defRPr sz="1800" kern="1200">
-                              <a:solidFill>
-                                <a:schemeClr val="dk1"/>
-                              </a:solidFill>
-                              <a:latin typeface="+mn-lt"/>
-                            </a:defRPr>
-                          </a:lvl7pPr>
-                          <a:lvl8pPr marL="3200400" algn="l" defTabSz="914400" rtl="0" eaLnBrk="1" latinLnBrk="0" hangingPunct="1">
-                            <a:defRPr sz="1800" kern="1200">
-                              <a:solidFill>
-                                <a:schemeClr val="dk1"/>
-                              </a:solidFill>
-                              <a:latin typeface="+mn-lt"/>
-                            </a:defRPr>
-                          </a:lvl8pPr>
-                          <a:lvl9pPr marL="3657600" algn="l" defTabSz="914400" rtl="0" eaLnBrk="1" latinLnBrk="0" hangingPunct="1">
-                            <a:defRPr sz="1800" kern="1200">
-                              <a:solidFill>
-                                <a:schemeClr val="dk1"/>
-                              </a:solidFill>
-                              <a:latin typeface="+mn-lt"/>
-                            </a:defRPr>
-                          </a:lvl9pPr>
-                        </a:lstStyle>
-                        <a:p>
-                          <a:pPr algn="ctr">
-                            <a:buNone/>
-                          </a:pPr>
-                          <a:r>
-                            <a:rPr lang="en-US" sz="1400" b="0" dirty="0">
-                              <a:latin typeface="Times New Roman" panose="02020603050405020304" charset="0"/>
-                              <a:ea typeface="+mn-ea"/>
-                              <a:cs typeface="Times New Roman" panose="02020603050405020304" charset="0"/>
-                            </a:rPr>
-                            <a:t>ResNet-50</a:t>
-                          </a:r>
-                        </a:p>
-                      </a:txBody>
-                      <a:tcPr anchor="ctr">
-                        <a:lnL>
-                          <a:noFill/>
-                        </a:lnL>
-                        <a:lnR>
-                          <a:noFill/>
-                        </a:lnR>
-                        <a:lnT w="12700">
-                          <a:solidFill>
-                            <a:schemeClr val="tx1"/>
-                          </a:solidFill>
-                          <a:prstDash val="solid"/>
-                        </a:lnT>
-                        <a:lnB w="12700" cap="flat" cmpd="sng" algn="ctr">
-                          <a:solidFill>
-                            <a:schemeClr val="tx1"/>
-                          </a:solidFill>
-                          <a:prstDash val="solid"/>
-                          <a:round/>
-                          <a:headEnd type="none" w="med" len="med"/>
-                          <a:tailEnd type="none" w="med" len="med"/>
-                        </a:lnB>
-                        <a:lnTlToBr>
-                          <a:noFill/>
-                        </a:lnTlToBr>
-                        <a:lnBlToTr>
-                          <a:noFill/>
-                        </a:lnBlToTr>
-                        <a:noFill/>
-                      </a:tcPr>
-                    </a:tc>
-                    <a:tc>
-                      <a:txBody>
-                        <a:bodyPr/>
-                        <a:lstStyle>
-                          <a:defPPr>
-                            <a:defRPr lang="en-US">
-                              <a:solidFill>
-                                <a:schemeClr val="dk1"/>
-                              </a:solidFill>
-                            </a:defRPr>
-                          </a:defPPr>
-                          <a:lvl1pPr marL="0" algn="l" defTabSz="914400" rtl="0" eaLnBrk="1" latinLnBrk="0" hangingPunct="1">
-                            <a:defRPr sz="1800" kern="1200">
-                              <a:solidFill>
-                                <a:schemeClr val="dk1"/>
-                              </a:solidFill>
-                              <a:latin typeface="+mn-lt"/>
-                            </a:defRPr>
-                          </a:lvl1pPr>
-                          <a:lvl2pPr marL="457200" algn="l" defTabSz="914400" rtl="0" eaLnBrk="1" latinLnBrk="0" hangingPunct="1">
-                            <a:defRPr sz="1800" kern="1200">
-                              <a:solidFill>
-                                <a:schemeClr val="dk1"/>
-                              </a:solidFill>
-                              <a:latin typeface="+mn-lt"/>
-                            </a:defRPr>
-                          </a:lvl2pPr>
-                          <a:lvl3pPr marL="914400" algn="l" defTabSz="914400" rtl="0" eaLnBrk="1" latinLnBrk="0" hangingPunct="1">
-                            <a:defRPr sz="1800" kern="1200">
-                              <a:solidFill>
-                                <a:schemeClr val="dk1"/>
-                              </a:solidFill>
-                              <a:latin typeface="+mn-lt"/>
-                            </a:defRPr>
-                          </a:lvl3pPr>
-                          <a:lvl4pPr marL="1371600" algn="l" defTabSz="914400" rtl="0" eaLnBrk="1" latinLnBrk="0" hangingPunct="1">
-                            <a:defRPr sz="1800" kern="1200">
-                              <a:solidFill>
-                                <a:schemeClr val="dk1"/>
-                              </a:solidFill>
-                              <a:latin typeface="+mn-lt"/>
-                            </a:defRPr>
-                          </a:lvl4pPr>
-                          <a:lvl5pPr marL="1828800" algn="l" defTabSz="914400" rtl="0" eaLnBrk="1" latinLnBrk="0" hangingPunct="1">
-                            <a:defRPr sz="1800" kern="1200">
-                              <a:solidFill>
-                                <a:schemeClr val="dk1"/>
-                              </a:solidFill>
-                              <a:latin typeface="+mn-lt"/>
-                            </a:defRPr>
-                          </a:lvl5pPr>
-                          <a:lvl6pPr marL="2286000" algn="l" defTabSz="914400" rtl="0" eaLnBrk="1" latinLnBrk="0" hangingPunct="1">
-                            <a:defRPr sz="1800" kern="1200">
-                              <a:solidFill>
-                                <a:schemeClr val="dk1"/>
-                              </a:solidFill>
-                              <a:latin typeface="+mn-lt"/>
-                            </a:defRPr>
-                          </a:lvl6pPr>
-                          <a:lvl7pPr marL="2743200" algn="l" defTabSz="914400" rtl="0" eaLnBrk="1" latinLnBrk="0" hangingPunct="1">
-                            <a:defRPr sz="1800" kern="1200">
-                              <a:solidFill>
-                                <a:schemeClr val="dk1"/>
-                              </a:solidFill>
-                              <a:latin typeface="+mn-lt"/>
-                            </a:defRPr>
-                          </a:lvl7pPr>
-                          <a:lvl8pPr marL="3200400" algn="l" defTabSz="914400" rtl="0" eaLnBrk="1" latinLnBrk="0" hangingPunct="1">
-                            <a:defRPr sz="1800" kern="1200">
-                              <a:solidFill>
-                                <a:schemeClr val="dk1"/>
-                              </a:solidFill>
-                              <a:latin typeface="+mn-lt"/>
-                            </a:defRPr>
-                          </a:lvl8pPr>
-                          <a:lvl9pPr marL="3657600" algn="l" defTabSz="914400" rtl="0" eaLnBrk="1" latinLnBrk="0" hangingPunct="1">
-                            <a:defRPr sz="1800" kern="1200">
-                              <a:solidFill>
-                                <a:schemeClr val="dk1"/>
-                              </a:solidFill>
-                              <a:latin typeface="+mn-lt"/>
-                            </a:defRPr>
-                          </a:lvl9pPr>
-                        </a:lstStyle>
-                        <a:p>
-                          <a:pPr algn="ctr">
-                            <a:buNone/>
-                          </a:pPr>
-                          <a:r>
-                            <a:rPr lang="en-US" sz="1400" b="0" dirty="0">
-                              <a:latin typeface="Times New Roman" panose="02020603050405020304" charset="0"/>
-                              <a:ea typeface="+mn-ea"/>
-                              <a:cs typeface="Times New Roman" panose="02020603050405020304" charset="0"/>
-                            </a:rPr>
-                            <a:t>0.438</a:t>
-                          </a:r>
-                        </a:p>
-                      </a:txBody>
-                      <a:tcPr anchor="ctr">
-                        <a:lnL>
-                          <a:noFill/>
-                        </a:lnL>
-                        <a:lnR>
-                          <a:noFill/>
-                        </a:lnR>
-                        <a:lnT w="12700">
-                          <a:solidFill>
-                            <a:schemeClr val="tx1"/>
-                          </a:solidFill>
-                          <a:prstDash val="solid"/>
-                        </a:lnT>
-                        <a:lnB w="12700" cap="flat" cmpd="sng" algn="ctr">
-                          <a:solidFill>
-                            <a:schemeClr val="tx1"/>
-                          </a:solidFill>
-                          <a:prstDash val="solid"/>
-                          <a:round/>
-                          <a:headEnd type="none" w="med" len="med"/>
-                          <a:tailEnd type="none" w="med" len="med"/>
-                        </a:lnB>
-                        <a:lnTlToBr>
-                          <a:noFill/>
-                        </a:lnTlToBr>
-                        <a:lnBlToTr>
-                          <a:noFill/>
-                        </a:lnBlToTr>
-                        <a:noFill/>
-                      </a:tcPr>
-                    </a:tc>
-                    <a:tc>
-                      <a:txBody>
-                        <a:bodyPr/>
-                        <a:lstStyle>
-                          <a:defPPr>
-                            <a:defRPr lang="en-US">
-                              <a:solidFill>
-                                <a:schemeClr val="dk1"/>
-                              </a:solidFill>
-                            </a:defRPr>
-                          </a:defPPr>
-                          <a:lvl1pPr marL="0" algn="l" defTabSz="914400" rtl="0" eaLnBrk="1" latinLnBrk="0" hangingPunct="1">
-                            <a:defRPr sz="1800" kern="1200">
-                              <a:solidFill>
-                                <a:schemeClr val="dk1"/>
-                              </a:solidFill>
-                              <a:latin typeface="+mn-lt"/>
-                            </a:defRPr>
-                          </a:lvl1pPr>
-                          <a:lvl2pPr marL="457200" algn="l" defTabSz="914400" rtl="0" eaLnBrk="1" latinLnBrk="0" hangingPunct="1">
-                            <a:defRPr sz="1800" kern="1200">
-                              <a:solidFill>
-                                <a:schemeClr val="dk1"/>
-                              </a:solidFill>
-                              <a:latin typeface="+mn-lt"/>
-                            </a:defRPr>
-                          </a:lvl2pPr>
-                          <a:lvl3pPr marL="914400" algn="l" defTabSz="914400" rtl="0" eaLnBrk="1" latinLnBrk="0" hangingPunct="1">
-                            <a:defRPr sz="1800" kern="1200">
-                              <a:solidFill>
-                                <a:schemeClr val="dk1"/>
-                              </a:solidFill>
-                              <a:latin typeface="+mn-lt"/>
-                            </a:defRPr>
-                          </a:lvl3pPr>
-                          <a:lvl4pPr marL="1371600" algn="l" defTabSz="914400" rtl="0" eaLnBrk="1" latinLnBrk="0" hangingPunct="1">
-                            <a:defRPr sz="1800" kern="1200">
-                              <a:solidFill>
-                                <a:schemeClr val="dk1"/>
-                              </a:solidFill>
-                              <a:latin typeface="+mn-lt"/>
-                            </a:defRPr>
-                          </a:lvl4pPr>
-                          <a:lvl5pPr marL="1828800" algn="l" defTabSz="914400" rtl="0" eaLnBrk="1" latinLnBrk="0" hangingPunct="1">
-                            <a:defRPr sz="1800" kern="1200">
-                              <a:solidFill>
-                                <a:schemeClr val="dk1"/>
-                              </a:solidFill>
-                              <a:latin typeface="+mn-lt"/>
-                            </a:defRPr>
-                          </a:lvl5pPr>
-                          <a:lvl6pPr marL="2286000" algn="l" defTabSz="914400" rtl="0" eaLnBrk="1" latinLnBrk="0" hangingPunct="1">
-                            <a:defRPr sz="1800" kern="1200">
-                              <a:solidFill>
-                                <a:schemeClr val="dk1"/>
-                              </a:solidFill>
-                              <a:latin typeface="+mn-lt"/>
-                            </a:defRPr>
-                          </a:lvl6pPr>
-                          <a:lvl7pPr marL="2743200" algn="l" defTabSz="914400" rtl="0" eaLnBrk="1" latinLnBrk="0" hangingPunct="1">
-                            <a:defRPr sz="1800" kern="1200">
-                              <a:solidFill>
-                                <a:schemeClr val="dk1"/>
-                              </a:solidFill>
-                              <a:latin typeface="+mn-lt"/>
-                            </a:defRPr>
-                          </a:lvl7pPr>
-                          <a:lvl8pPr marL="3200400" algn="l" defTabSz="914400" rtl="0" eaLnBrk="1" latinLnBrk="0" hangingPunct="1">
-                            <a:defRPr sz="1800" kern="1200">
-                              <a:solidFill>
-                                <a:schemeClr val="dk1"/>
-                              </a:solidFill>
-                              <a:latin typeface="+mn-lt"/>
-                            </a:defRPr>
-                          </a:lvl8pPr>
-                          <a:lvl9pPr marL="3657600" algn="l" defTabSz="914400" rtl="0" eaLnBrk="1" latinLnBrk="0" hangingPunct="1">
-                            <a:defRPr sz="1800" kern="1200">
-                              <a:solidFill>
-                                <a:schemeClr val="dk1"/>
-                              </a:solidFill>
-                              <a:latin typeface="+mn-lt"/>
-                            </a:defRPr>
-                          </a:lvl9pPr>
-                        </a:lstStyle>
-                        <a:p>
-                          <a:pPr algn="ctr">
-                            <a:buNone/>
-                          </a:pPr>
-                          <a:r>
-                            <a:rPr lang="en-US" sz="1400" b="1" dirty="0">
-                              <a:latin typeface="Times New Roman" panose="02020603050405020304" charset="0"/>
-                              <a:ea typeface="+mn-ea"/>
-                              <a:cs typeface="Times New Roman" panose="02020603050405020304" charset="0"/>
-                            </a:rPr>
-                            <a:t>0.711</a:t>
-                          </a:r>
-                        </a:p>
-                      </a:txBody>
-                      <a:tcPr anchor="ctr">
-                        <a:lnL>
-                          <a:noFill/>
-                        </a:lnL>
-                        <a:lnR>
-                          <a:noFill/>
-                        </a:lnR>
-                        <a:lnT w="12700">
-                          <a:solidFill>
-                            <a:schemeClr val="tx1"/>
-                          </a:solidFill>
-                          <a:prstDash val="solid"/>
-                        </a:lnT>
-                        <a:lnB w="12700" cap="flat" cmpd="sng" algn="ctr">
-                          <a:solidFill>
-                            <a:schemeClr val="tx1"/>
-                          </a:solidFill>
-                          <a:prstDash val="solid"/>
-                          <a:round/>
-                          <a:headEnd type="none" w="med" len="med"/>
-                          <a:tailEnd type="none" w="med" len="med"/>
-                        </a:lnB>
-                        <a:lnTlToBr>
-                          <a:noFill/>
-                        </a:lnTlToBr>
-                        <a:lnBlToTr>
-                          <a:noFill/>
-                        </a:lnBlToTr>
-                        <a:noFill/>
-                      </a:tcPr>
-                    </a:tc>
-                    <a:tc>
-                      <a:txBody>
-                        <a:bodyPr/>
-                        <a:lstStyle>
-                          <a:defPPr>
-                            <a:defRPr lang="en-US">
-                              <a:solidFill>
-                                <a:schemeClr val="dk1"/>
-                              </a:solidFill>
-                            </a:defRPr>
-                          </a:defPPr>
-                          <a:lvl1pPr marL="0" algn="l" defTabSz="914400" rtl="0" eaLnBrk="1" latinLnBrk="0" hangingPunct="1">
-                            <a:defRPr sz="1800" kern="1200">
-                              <a:solidFill>
-                                <a:schemeClr val="dk1"/>
-                              </a:solidFill>
-                              <a:latin typeface="+mn-lt"/>
-                            </a:defRPr>
-                          </a:lvl1pPr>
-                          <a:lvl2pPr marL="457200" algn="l" defTabSz="914400" rtl="0" eaLnBrk="1" latinLnBrk="0" hangingPunct="1">
-                            <a:defRPr sz="1800" kern="1200">
-                              <a:solidFill>
-                                <a:schemeClr val="dk1"/>
-                              </a:solidFill>
-                              <a:latin typeface="+mn-lt"/>
-                            </a:defRPr>
-                          </a:lvl2pPr>
-                          <a:lvl3pPr marL="914400" algn="l" defTabSz="914400" rtl="0" eaLnBrk="1" latinLnBrk="0" hangingPunct="1">
-                            <a:defRPr sz="1800" kern="1200">
-                              <a:solidFill>
-                                <a:schemeClr val="dk1"/>
-                              </a:solidFill>
-                              <a:latin typeface="+mn-lt"/>
-                            </a:defRPr>
-                          </a:lvl3pPr>
-                          <a:lvl4pPr marL="1371600" algn="l" defTabSz="914400" rtl="0" eaLnBrk="1" latinLnBrk="0" hangingPunct="1">
-                            <a:defRPr sz="1800" kern="1200">
-                              <a:solidFill>
-                                <a:schemeClr val="dk1"/>
-                              </a:solidFill>
-                              <a:latin typeface="+mn-lt"/>
-                            </a:defRPr>
-                          </a:lvl4pPr>
-                          <a:lvl5pPr marL="1828800" algn="l" defTabSz="914400" rtl="0" eaLnBrk="1" latinLnBrk="0" hangingPunct="1">
-                            <a:defRPr sz="1800" kern="1200">
-                              <a:solidFill>
-                                <a:schemeClr val="dk1"/>
-                              </a:solidFill>
-                              <a:latin typeface="+mn-lt"/>
-                            </a:defRPr>
-                          </a:lvl5pPr>
-                          <a:lvl6pPr marL="2286000" algn="l" defTabSz="914400" rtl="0" eaLnBrk="1" latinLnBrk="0" hangingPunct="1">
-                            <a:defRPr sz="1800" kern="1200">
-                              <a:solidFill>
-                                <a:schemeClr val="dk1"/>
-                              </a:solidFill>
-                              <a:latin typeface="+mn-lt"/>
-                            </a:defRPr>
-                          </a:lvl6pPr>
-                          <a:lvl7pPr marL="2743200" algn="l" defTabSz="914400" rtl="0" eaLnBrk="1" latinLnBrk="0" hangingPunct="1">
-                            <a:defRPr sz="1800" kern="1200">
-                              <a:solidFill>
-                                <a:schemeClr val="dk1"/>
-                              </a:solidFill>
-                              <a:latin typeface="+mn-lt"/>
-                            </a:defRPr>
-                          </a:lvl7pPr>
-                          <a:lvl8pPr marL="3200400" algn="l" defTabSz="914400" rtl="0" eaLnBrk="1" latinLnBrk="0" hangingPunct="1">
-                            <a:defRPr sz="1800" kern="1200">
-                              <a:solidFill>
-                                <a:schemeClr val="dk1"/>
-                              </a:solidFill>
-                              <a:latin typeface="+mn-lt"/>
-                            </a:defRPr>
-                          </a:lvl8pPr>
-                          <a:lvl9pPr marL="3657600" algn="l" defTabSz="914400" rtl="0" eaLnBrk="1" latinLnBrk="0" hangingPunct="1">
-                            <a:defRPr sz="1800" kern="1200">
-                              <a:solidFill>
-                                <a:schemeClr val="dk1"/>
-                              </a:solidFill>
-                              <a:latin typeface="+mn-lt"/>
-                            </a:defRPr>
-                          </a:lvl9pPr>
-                        </a:lstStyle>
-                        <a:p>
-                          <a:pPr algn="ctr">
-                            <a:buNone/>
-                          </a:pPr>
-                          <a:r>
-                            <a:rPr lang="en-US" sz="1400" b="0" dirty="0">
-                              <a:latin typeface="Times New Roman" panose="02020603050405020304" charset="0"/>
-                              <a:ea typeface="+mn-ea"/>
-                              <a:cs typeface="Times New Roman" panose="02020603050405020304" charset="0"/>
-                            </a:rPr>
-                            <a:t>0.499</a:t>
-                          </a:r>
-                        </a:p>
-                      </a:txBody>
-                      <a:tcPr anchor="ctr">
-                        <a:lnL>
-                          <a:noFill/>
-                        </a:lnL>
-                        <a:lnR>
-                          <a:noFill/>
-                        </a:lnR>
-                        <a:lnT w="12700">
-                          <a:solidFill>
-                            <a:schemeClr val="tx1"/>
-                          </a:solidFill>
-                          <a:prstDash val="solid"/>
-                        </a:lnT>
-                        <a:lnB w="12700" cap="flat" cmpd="sng" algn="ctr">
-                          <a:solidFill>
-                            <a:schemeClr val="tx1"/>
-                          </a:solidFill>
-                          <a:prstDash val="solid"/>
-                          <a:round/>
-                          <a:headEnd type="none" w="med" len="med"/>
-                          <a:tailEnd type="none" w="med" len="med"/>
-                        </a:lnB>
-                        <a:lnTlToBr>
-                          <a:noFill/>
-                        </a:lnTlToBr>
-                        <a:lnBlToTr>
-                          <a:noFill/>
-                        </a:lnBlToTr>
-                        <a:noFill/>
-                      </a:tcPr>
-                    </a:tc>
-                    <a:tc>
-                      <a:txBody>
-                        <a:bodyPr/>
-                        <a:lstStyle>
-                          <a:defPPr>
-                            <a:defRPr lang="en-US">
-                              <a:solidFill>
-                                <a:schemeClr val="dk1"/>
-                              </a:solidFill>
-                            </a:defRPr>
-                          </a:defPPr>
-                          <a:lvl1pPr marL="0" algn="l" defTabSz="914400" rtl="0" eaLnBrk="1" latinLnBrk="0" hangingPunct="1">
-                            <a:defRPr sz="1800" kern="1200">
-                              <a:solidFill>
-                                <a:schemeClr val="dk1"/>
-                              </a:solidFill>
-                              <a:latin typeface="+mn-lt"/>
-                            </a:defRPr>
-                          </a:lvl1pPr>
-                          <a:lvl2pPr marL="457200" algn="l" defTabSz="914400" rtl="0" eaLnBrk="1" latinLnBrk="0" hangingPunct="1">
-                            <a:defRPr sz="1800" kern="1200">
-                              <a:solidFill>
-                                <a:schemeClr val="dk1"/>
-                              </a:solidFill>
-                              <a:latin typeface="+mn-lt"/>
-                            </a:defRPr>
-                          </a:lvl2pPr>
-                          <a:lvl3pPr marL="914400" algn="l" defTabSz="914400" rtl="0" eaLnBrk="1" latinLnBrk="0" hangingPunct="1">
-                            <a:defRPr sz="1800" kern="1200">
-                              <a:solidFill>
-                                <a:schemeClr val="dk1"/>
-                              </a:solidFill>
-                              <a:latin typeface="+mn-lt"/>
-                            </a:defRPr>
-                          </a:lvl3pPr>
-                          <a:lvl4pPr marL="1371600" algn="l" defTabSz="914400" rtl="0" eaLnBrk="1" latinLnBrk="0" hangingPunct="1">
-                            <a:defRPr sz="1800" kern="1200">
-                              <a:solidFill>
-                                <a:schemeClr val="dk1"/>
-                              </a:solidFill>
-                              <a:latin typeface="+mn-lt"/>
-                            </a:defRPr>
-                          </a:lvl4pPr>
-                          <a:lvl5pPr marL="1828800" algn="l" defTabSz="914400" rtl="0" eaLnBrk="1" latinLnBrk="0" hangingPunct="1">
-                            <a:defRPr sz="1800" kern="1200">
-                              <a:solidFill>
-                                <a:schemeClr val="dk1"/>
-                              </a:solidFill>
-                              <a:latin typeface="+mn-lt"/>
-                            </a:defRPr>
-                          </a:lvl5pPr>
-                          <a:lvl6pPr marL="2286000" algn="l" defTabSz="914400" rtl="0" eaLnBrk="1" latinLnBrk="0" hangingPunct="1">
-                            <a:defRPr sz="1800" kern="1200">
-                              <a:solidFill>
-                                <a:schemeClr val="dk1"/>
-                              </a:solidFill>
-                              <a:latin typeface="+mn-lt"/>
-                            </a:defRPr>
-                          </a:lvl6pPr>
-                          <a:lvl7pPr marL="2743200" algn="l" defTabSz="914400" rtl="0" eaLnBrk="1" latinLnBrk="0" hangingPunct="1">
-                            <a:defRPr sz="1800" kern="1200">
-                              <a:solidFill>
-                                <a:schemeClr val="dk1"/>
-                              </a:solidFill>
-                              <a:latin typeface="+mn-lt"/>
-                            </a:defRPr>
-                          </a:lvl7pPr>
-                          <a:lvl8pPr marL="3200400" algn="l" defTabSz="914400" rtl="0" eaLnBrk="1" latinLnBrk="0" hangingPunct="1">
-                            <a:defRPr sz="1800" kern="1200">
-                              <a:solidFill>
-                                <a:schemeClr val="dk1"/>
-                              </a:solidFill>
-                              <a:latin typeface="+mn-lt"/>
-                            </a:defRPr>
-                          </a:lvl8pPr>
-                          <a:lvl9pPr marL="3657600" algn="l" defTabSz="914400" rtl="0" eaLnBrk="1" latinLnBrk="0" hangingPunct="1">
-                            <a:defRPr sz="1800" kern="1200">
-                              <a:solidFill>
-                                <a:schemeClr val="dk1"/>
-                              </a:solidFill>
-                              <a:latin typeface="+mn-lt"/>
-                            </a:defRPr>
-                          </a:lvl9pPr>
-                        </a:lstStyle>
-                        <a:p>
-                          <a:pPr algn="ctr">
-                            <a:buNone/>
-                          </a:pPr>
-                          <a:r>
-                            <a:rPr lang="en-US" sz="1400" b="0" dirty="0">
-                              <a:latin typeface="Times New Roman" panose="02020603050405020304" charset="0"/>
-                              <a:ea typeface="+mn-ea"/>
-                              <a:cs typeface="Times New Roman" panose="02020603050405020304" charset="0"/>
-                            </a:rPr>
-                            <a:t>0.36</a:t>
-                          </a:r>
-                        </a:p>
-                      </a:txBody>
-                      <a:tcPr anchor="ctr">
-                        <a:lnL>
-                          <a:noFill/>
-                        </a:lnL>
-                        <a:lnR>
-                          <a:noFill/>
-                        </a:lnR>
-                        <a:lnT w="12700">
-                          <a:solidFill>
-                            <a:schemeClr val="tx1"/>
-                          </a:solidFill>
-                          <a:prstDash val="solid"/>
-                        </a:lnT>
-                        <a:lnB w="12700" cap="flat" cmpd="sng" algn="ctr">
-                          <a:solidFill>
-                            <a:schemeClr val="tx1"/>
-                          </a:solidFill>
-                          <a:prstDash val="solid"/>
-                          <a:round/>
-                          <a:headEnd type="none" w="med" len="med"/>
-                          <a:tailEnd type="none" w="med" len="med"/>
-                        </a:lnB>
-                        <a:lnTlToBr>
-                          <a:noFill/>
-                        </a:lnTlToBr>
-                        <a:lnBlToTr>
-                          <a:noFill/>
-                        </a:lnBlToTr>
-                        <a:noFill/>
-                      </a:tcPr>
-                    </a:tc>
-                    <a:tc>
-                      <a:txBody>
-                        <a:bodyPr/>
-                        <a:lstStyle/>
-                        <a:p>
-                          <a:pPr algn="ctr">
-                            <a:buNone/>
-                          </a:pPr>
-                          <a:r>
-                            <a:rPr lang="en-US" sz="1400" b="0" dirty="0">
-                              <a:latin typeface="Times New Roman" panose="02020603050405020304" charset="0"/>
-                              <a:ea typeface="+mn-ea"/>
-                              <a:cs typeface="Times New Roman" panose="02020603050405020304" charset="0"/>
-                            </a:rPr>
-                            <a:t>46.7</a:t>
-                          </a:r>
-                        </a:p>
-                      </a:txBody>
-                      <a:tcPr anchor="ctr">
-                        <a:lnL>
-                          <a:noFill/>
-                        </a:lnL>
-                        <a:lnR>
-                          <a:noFill/>
-                        </a:lnR>
-                        <a:lnT w="12700" cap="flat" cmpd="sng" algn="ctr">
-                          <a:solidFill>
-                            <a:schemeClr val="tx1"/>
-                          </a:solidFill>
-                          <a:prstDash val="solid"/>
-                          <a:round/>
-                          <a:headEnd type="none" w="med" len="med"/>
-                          <a:tailEnd type="none" w="med" len="med"/>
-                        </a:lnT>
-                        <a:lnB w="12700" cap="flat" cmpd="sng" algn="ctr">
-                          <a:solidFill>
-                            <a:schemeClr val="tx1"/>
-                          </a:solidFill>
-                          <a:prstDash val="solid"/>
-                          <a:round/>
-                          <a:headEnd type="none" w="med" len="med"/>
-                          <a:tailEnd type="none" w="med" len="med"/>
-                        </a:lnB>
-                        <a:lnTlToBr>
-                          <a:noFill/>
-                        </a:lnTlToBr>
-                        <a:lnBlToTr>
-                          <a:noFill/>
-                        </a:lnBlToTr>
-                        <a:noFill/>
-                      </a:tcPr>
-                    </a:tc>
-                    <a:extLst>
-                      <a:ext uri="{0D108BD9-81ED-4DB2-BD59-A6C34878D82A}">
-                        <a16:rowId xmlns:a16="http://schemas.microsoft.com/office/drawing/2014/main" val="10001"/>
-                      </a:ext>
-                    </a:extLst>
-                  </a:tr>
-                </a:tbl>
-              </a:graphicData>
-            </a:graphic>
-          </p:graphicFrame>
-        </mc:Choice>
-        <mc:Fallback xmlns="">
-          <p:graphicFrame>
-            <p:nvGraphicFramePr>
-              <p:cNvPr id="15" name="Table 14">
-                <a:extLst>
-                  <a:ext uri="{FF2B5EF4-FFF2-40B4-BE49-F238E27FC236}">
-                    <a16:creationId xmlns:a16="http://schemas.microsoft.com/office/drawing/2014/main" id="{1A404DAA-648B-1C2B-F6A1-AB2799CDA910}"/>
-                  </a:ext>
-                </a:extLst>
-              </p:cNvPr>
-              <p:cNvGraphicFramePr>
-                <a:graphicFrameLocks noGrp="1"/>
-              </p:cNvGraphicFramePr>
-              <p:nvPr>
-                <p:extLst>
-                  <p:ext uri="{D42A27DB-BD31-4B8C-83A1-F6EECF244321}">
-                    <p14:modId xmlns:p14="http://schemas.microsoft.com/office/powerpoint/2010/main" val="3972657277"/>
-                  </p:ext>
-                </p:extLst>
-              </p:nvPr>
-            </p:nvGraphicFramePr>
-            <p:xfrm>
-              <a:off x="1287145" y="4229798"/>
-              <a:ext cx="9617710" cy="855980"/>
-            </p:xfrm>
-            <a:graphic>
-              <a:graphicData uri="http://schemas.openxmlformats.org/drawingml/2006/table">
-                <a:tbl>
-                  <a:tblPr firstRow="1" bandRow="1">
-                    <a:tableStyleId>{5C22544A-7EE6-4342-B048-85BDC9FD1C3A}</a:tableStyleId>
-                  </a:tblPr>
-                  <a:tblGrid>
-                    <a:gridCol w="1770380">
-                      <a:extLst>
-                        <a:ext uri="{9D8B030D-6E8A-4147-A177-3AD203B41FA5}">
-                          <a16:colId xmlns:a16="http://schemas.microsoft.com/office/drawing/2014/main" val="20000"/>
-                        </a:ext>
-                      </a:extLst>
-                    </a:gridCol>
-                    <a:gridCol w="1333320">
-                      <a:extLst>
-                        <a:ext uri="{9D8B030D-6E8A-4147-A177-3AD203B41FA5}">
-                          <a16:colId xmlns:a16="http://schemas.microsoft.com/office/drawing/2014/main" val="20001"/>
-                        </a:ext>
-                      </a:extLst>
-                    </a:gridCol>
-                    <a:gridCol w="1328468">
-                      <a:extLst>
-                        <a:ext uri="{9D8B030D-6E8A-4147-A177-3AD203B41FA5}">
-                          <a16:colId xmlns:a16="http://schemas.microsoft.com/office/drawing/2014/main" val="20002"/>
-                        </a:ext>
-                      </a:extLst>
-                    </a:gridCol>
-                    <a:gridCol w="1380227">
-                      <a:extLst>
-                        <a:ext uri="{9D8B030D-6E8A-4147-A177-3AD203B41FA5}">
-                          <a16:colId xmlns:a16="http://schemas.microsoft.com/office/drawing/2014/main" val="20003"/>
-                        </a:ext>
-                      </a:extLst>
-                    </a:gridCol>
-                    <a:gridCol w="1406105">
-                      <a:extLst>
-                        <a:ext uri="{9D8B030D-6E8A-4147-A177-3AD203B41FA5}">
-                          <a16:colId xmlns:a16="http://schemas.microsoft.com/office/drawing/2014/main" val="20004"/>
-                        </a:ext>
-                      </a:extLst>
-                    </a:gridCol>
-                    <a:gridCol w="1199605">
-                      <a:extLst>
-                        <a:ext uri="{9D8B030D-6E8A-4147-A177-3AD203B41FA5}">
-                          <a16:colId xmlns:a16="http://schemas.microsoft.com/office/drawing/2014/main" val="20005"/>
-                        </a:ext>
-                      </a:extLst>
-                    </a:gridCol>
-                    <a:gridCol w="1199605">
-                      <a:extLst>
-                        <a:ext uri="{9D8B030D-6E8A-4147-A177-3AD203B41FA5}">
-                          <a16:colId xmlns:a16="http://schemas.microsoft.com/office/drawing/2014/main" val="1526125993"/>
-                        </a:ext>
-                      </a:extLst>
-                    </a:gridCol>
-                  </a:tblGrid>
-                  <a:tr h="457200">
-                    <a:tc>
-                      <a:txBody>
-                        <a:bodyPr/>
-                        <a:lstStyle>
-                          <a:defPPr>
-                            <a:defRPr lang="en-US" b="1">
-                              <a:solidFill>
-                                <a:schemeClr val="lt1"/>
-                              </a:solidFill>
-                            </a:defRPr>
-                          </a:defPPr>
-                          <a:lvl1pPr marL="0" algn="l" defTabSz="914400" rtl="0" eaLnBrk="1" latinLnBrk="0" hangingPunct="1">
-                            <a:defRPr sz="1800" b="1" kern="1200">
-                              <a:solidFill>
-                                <a:schemeClr val="lt1"/>
-                              </a:solidFill>
-                              <a:latin typeface="+mn-lt"/>
-                            </a:defRPr>
-                          </a:lvl1pPr>
-                          <a:lvl2pPr marL="457200" algn="l" defTabSz="914400" rtl="0" eaLnBrk="1" latinLnBrk="0" hangingPunct="1">
-                            <a:defRPr sz="1800" b="1" kern="1200">
-                              <a:solidFill>
-                                <a:schemeClr val="lt1"/>
-                              </a:solidFill>
-                              <a:latin typeface="+mn-lt"/>
-                            </a:defRPr>
-                          </a:lvl2pPr>
-                          <a:lvl3pPr marL="914400" algn="l" defTabSz="914400" rtl="0" eaLnBrk="1" latinLnBrk="0" hangingPunct="1">
-                            <a:defRPr sz="1800" b="1" kern="1200">
-                              <a:solidFill>
-                                <a:schemeClr val="lt1"/>
-                              </a:solidFill>
-                              <a:latin typeface="+mn-lt"/>
-                            </a:defRPr>
-                          </a:lvl3pPr>
-                          <a:lvl4pPr marL="1371600" algn="l" defTabSz="914400" rtl="0" eaLnBrk="1" latinLnBrk="0" hangingPunct="1">
-                            <a:defRPr sz="1800" b="1" kern="1200">
-                              <a:solidFill>
-                                <a:schemeClr val="lt1"/>
-                              </a:solidFill>
-                              <a:latin typeface="+mn-lt"/>
-                            </a:defRPr>
-                          </a:lvl4pPr>
-                          <a:lvl5pPr marL="1828800" algn="l" defTabSz="914400" rtl="0" eaLnBrk="1" latinLnBrk="0" hangingPunct="1">
-                            <a:defRPr sz="1800" b="1" kern="1200">
-                              <a:solidFill>
-                                <a:schemeClr val="lt1"/>
-                              </a:solidFill>
-                              <a:latin typeface="+mn-lt"/>
-                            </a:defRPr>
-                          </a:lvl5pPr>
-                          <a:lvl6pPr marL="2286000" algn="l" defTabSz="914400" rtl="0" eaLnBrk="1" latinLnBrk="0" hangingPunct="1">
-                            <a:defRPr sz="1800" b="1" kern="1200">
-                              <a:solidFill>
-                                <a:schemeClr val="lt1"/>
-                              </a:solidFill>
-                              <a:latin typeface="+mn-lt"/>
-                            </a:defRPr>
-                          </a:lvl6pPr>
-                          <a:lvl7pPr marL="2743200" algn="l" defTabSz="914400" rtl="0" eaLnBrk="1" latinLnBrk="0" hangingPunct="1">
-                            <a:defRPr sz="1800" b="1" kern="1200">
-                              <a:solidFill>
-                                <a:schemeClr val="lt1"/>
-                              </a:solidFill>
-                              <a:latin typeface="+mn-lt"/>
-                            </a:defRPr>
-                          </a:lvl7pPr>
-                          <a:lvl8pPr marL="3200400" algn="l" defTabSz="914400" rtl="0" eaLnBrk="1" latinLnBrk="0" hangingPunct="1">
-                            <a:defRPr sz="1800" b="1" kern="1200">
-                              <a:solidFill>
-                                <a:schemeClr val="lt1"/>
-                              </a:solidFill>
-                              <a:latin typeface="+mn-lt"/>
-                            </a:defRPr>
-                          </a:lvl8pPr>
-                          <a:lvl9pPr marL="3657600" algn="l" defTabSz="914400" rtl="0" eaLnBrk="1" latinLnBrk="0" hangingPunct="1">
-                            <a:defRPr sz="1800" b="1" kern="1200">
-                              <a:solidFill>
-                                <a:schemeClr val="lt1"/>
-                              </a:solidFill>
-                              <a:latin typeface="+mn-lt"/>
-                            </a:defRPr>
-                          </a:lvl9pPr>
-                        </a:lstStyle>
-                        <a:p>
-                          <a:pPr algn="ctr">
-                            <a:buNone/>
-                          </a:pPr>
-                          <a:r>
-                            <a:rPr lang="en-US" sz="1600" dirty="0">
-                              <a:solidFill>
-                                <a:schemeClr val="tx1"/>
-                              </a:solidFill>
-                              <a:latin typeface="Times New Roman" panose="02020603050405020304" charset="0"/>
-                              <a:ea typeface="+mn-ea"/>
-                              <a:cs typeface="Times New Roman" panose="02020603050405020304" charset="0"/>
-                            </a:rPr>
-                            <a:t>Models</a:t>
-                          </a:r>
-                        </a:p>
-                      </a:txBody>
-                      <a:tcPr anchor="ctr">
-                        <a:lnL>
-                          <a:noFill/>
-                        </a:lnL>
-                        <a:lnR>
-                          <a:noFill/>
-                        </a:lnR>
-                        <a:lnT>
-                          <a:noFill/>
-                        </a:lnT>
-                        <a:lnB w="12700">
-                          <a:solidFill>
-                            <a:schemeClr val="tx1"/>
-                          </a:solidFill>
-                          <a:prstDash val="solid"/>
-                        </a:lnB>
-                        <a:lnTlToBr>
-                          <a:noFill/>
-                        </a:lnTlToBr>
-                        <a:lnBlToTr>
-                          <a:noFill/>
-                        </a:lnBlToTr>
-                        <a:noFill/>
-                      </a:tcPr>
-                    </a:tc>
-                    <a:tc>
-                      <a:txBody>
-                        <a:bodyPr/>
-                        <a:lstStyle>
-                          <a:defPPr>
-                            <a:defRPr lang="en-US" b="1">
-                              <a:solidFill>
-                                <a:schemeClr val="lt1"/>
-                              </a:solidFill>
-                            </a:defRPr>
-                          </a:defPPr>
-                          <a:lvl1pPr marL="0" algn="l" defTabSz="914400" rtl="0" eaLnBrk="1" latinLnBrk="0" hangingPunct="1">
-                            <a:defRPr sz="1800" b="1" kern="1200">
-                              <a:solidFill>
-                                <a:schemeClr val="lt1"/>
-                              </a:solidFill>
-                              <a:latin typeface="+mn-lt"/>
-                            </a:defRPr>
-                          </a:lvl1pPr>
-                          <a:lvl2pPr marL="457200" algn="l" defTabSz="914400" rtl="0" eaLnBrk="1" latinLnBrk="0" hangingPunct="1">
-                            <a:defRPr sz="1800" b="1" kern="1200">
-                              <a:solidFill>
-                                <a:schemeClr val="lt1"/>
-                              </a:solidFill>
-                              <a:latin typeface="+mn-lt"/>
-                            </a:defRPr>
-                          </a:lvl2pPr>
-                          <a:lvl3pPr marL="914400" algn="l" defTabSz="914400" rtl="0" eaLnBrk="1" latinLnBrk="0" hangingPunct="1">
-                            <a:defRPr sz="1800" b="1" kern="1200">
-                              <a:solidFill>
-                                <a:schemeClr val="lt1"/>
-                              </a:solidFill>
-                              <a:latin typeface="+mn-lt"/>
-                            </a:defRPr>
-                          </a:lvl3pPr>
-                          <a:lvl4pPr marL="1371600" algn="l" defTabSz="914400" rtl="0" eaLnBrk="1" latinLnBrk="0" hangingPunct="1">
-                            <a:defRPr sz="1800" b="1" kern="1200">
-                              <a:solidFill>
-                                <a:schemeClr val="lt1"/>
-                              </a:solidFill>
-                              <a:latin typeface="+mn-lt"/>
-                            </a:defRPr>
-                          </a:lvl4pPr>
-                          <a:lvl5pPr marL="1828800" algn="l" defTabSz="914400" rtl="0" eaLnBrk="1" latinLnBrk="0" hangingPunct="1">
-                            <a:defRPr sz="1800" b="1" kern="1200">
-                              <a:solidFill>
-                                <a:schemeClr val="lt1"/>
-                              </a:solidFill>
-                              <a:latin typeface="+mn-lt"/>
-                            </a:defRPr>
-                          </a:lvl5pPr>
-                          <a:lvl6pPr marL="2286000" algn="l" defTabSz="914400" rtl="0" eaLnBrk="1" latinLnBrk="0" hangingPunct="1">
-                            <a:defRPr sz="1800" b="1" kern="1200">
-                              <a:solidFill>
-                                <a:schemeClr val="lt1"/>
-                              </a:solidFill>
-                              <a:latin typeface="+mn-lt"/>
-                            </a:defRPr>
-                          </a:lvl6pPr>
-                          <a:lvl7pPr marL="2743200" algn="l" defTabSz="914400" rtl="0" eaLnBrk="1" latinLnBrk="0" hangingPunct="1">
-                            <a:defRPr sz="1800" b="1" kern="1200">
-                              <a:solidFill>
-                                <a:schemeClr val="lt1"/>
-                              </a:solidFill>
-                              <a:latin typeface="+mn-lt"/>
-                            </a:defRPr>
-                          </a:lvl7pPr>
-                          <a:lvl8pPr marL="3200400" algn="l" defTabSz="914400" rtl="0" eaLnBrk="1" latinLnBrk="0" hangingPunct="1">
-                            <a:defRPr sz="1800" b="1" kern="1200">
-                              <a:solidFill>
-                                <a:schemeClr val="lt1"/>
-                              </a:solidFill>
-                              <a:latin typeface="+mn-lt"/>
-                            </a:defRPr>
-                          </a:lvl8pPr>
-                          <a:lvl9pPr marL="3657600" algn="l" defTabSz="914400" rtl="0" eaLnBrk="1" latinLnBrk="0" hangingPunct="1">
-                            <a:defRPr sz="1800" b="1" kern="1200">
-                              <a:solidFill>
-                                <a:schemeClr val="lt1"/>
-                              </a:solidFill>
-                              <a:latin typeface="+mn-lt"/>
-                            </a:defRPr>
-                          </a:lvl9pPr>
-                        </a:lstStyle>
-                        <a:p>
-                          <a:pPr algn="ctr">
-                            <a:buNone/>
-                          </a:pPr>
-                          <a:r>
-                            <a:rPr lang="en-US" sz="1200" dirty="0">
-                              <a:solidFill>
-                                <a:schemeClr val="tx1"/>
-                              </a:solidFill>
-                              <a:latin typeface="Times New Roman" panose="02020603050405020304" charset="0"/>
-                              <a:ea typeface="+mn-ea"/>
-                              <a:cs typeface="Times New Roman" panose="02020603050405020304" charset="0"/>
-                              <a:sym typeface="+mn-ea"/>
-                            </a:rPr>
-                            <a:t>Backbone</a:t>
-                          </a:r>
-                        </a:p>
-                      </a:txBody>
-                      <a:tcPr anchor="ctr">
-                        <a:lnL>
-                          <a:noFill/>
-                        </a:lnL>
-                        <a:lnR>
-                          <a:noFill/>
-                        </a:lnR>
-                        <a:lnT>
-                          <a:noFill/>
-                        </a:lnT>
-                        <a:lnB w="12700" cap="flat" cmpd="sng" algn="ctr">
-                          <a:solidFill>
-                            <a:schemeClr val="tx1"/>
-                          </a:solidFill>
-                          <a:prstDash val="solid"/>
-                          <a:round/>
-                          <a:headEnd type="none" w="med" len="med"/>
-                          <a:tailEnd type="none" w="med" len="med"/>
-                        </a:lnB>
-                        <a:lnTlToBr>
-                          <a:noFill/>
-                        </a:lnTlToBr>
-                        <a:lnBlToTr>
-                          <a:noFill/>
-                        </a:lnBlToTr>
-                        <a:noFill/>
-                      </a:tcPr>
-                    </a:tc>
-                    <a:tc>
-                      <a:txBody>
-                        <a:bodyPr/>
-                        <a:lstStyle/>
-                        <a:p>
-                          <a:endParaRPr lang="en-US"/>
-                        </a:p>
-                      </a:txBody>
-                      <a:tcPr anchor="ctr">
-                        <a:lnL>
-                          <a:noFill/>
-                        </a:lnL>
-                        <a:lnR>
-                          <a:noFill/>
-                        </a:lnR>
-                        <a:lnT>
-                          <a:noFill/>
-                        </a:lnT>
-                        <a:lnB w="12700" cap="flat" cmpd="sng" algn="ctr">
-                          <a:solidFill>
-                            <a:schemeClr val="tx1"/>
-                          </a:solidFill>
-                          <a:prstDash val="solid"/>
-                          <a:round/>
-                          <a:headEnd type="none" w="med" len="med"/>
-                          <a:tailEnd type="none" w="med" len="med"/>
-                        </a:lnB>
-                        <a:lnTlToBr>
-                          <a:noFill/>
-                        </a:lnTlToBr>
-                        <a:lnBlToTr>
-                          <a:noFill/>
-                        </a:lnBlToTr>
-                        <a:blipFill>
-                          <a:blip r:embed="rId3"/>
-                          <a:stretch>
-                            <a:fillRect l="-233486" r="-390826" b="-89474"/>
-                          </a:stretch>
-                        </a:blipFill>
-                      </a:tcPr>
-                    </a:tc>
-                    <a:tc>
-                      <a:txBody>
-                        <a:bodyPr/>
-                        <a:lstStyle/>
-                        <a:p>
-                          <a:endParaRPr lang="en-US"/>
-                        </a:p>
-                      </a:txBody>
-                      <a:tcPr anchor="ctr">
-                        <a:lnL>
-                          <a:noFill/>
-                        </a:lnL>
-                        <a:lnR>
-                          <a:noFill/>
-                        </a:lnR>
-                        <a:lnT>
-                          <a:noFill/>
-                        </a:lnT>
-                        <a:lnB w="12700" cap="flat" cmpd="sng" algn="ctr">
-                          <a:solidFill>
-                            <a:schemeClr val="tx1"/>
-                          </a:solidFill>
-                          <a:prstDash val="solid"/>
-                          <a:round/>
-                          <a:headEnd type="none" w="med" len="med"/>
-                          <a:tailEnd type="none" w="med" len="med"/>
-                        </a:lnB>
-                        <a:lnTlToBr>
-                          <a:noFill/>
-                        </a:lnTlToBr>
-                        <a:lnBlToTr>
-                          <a:noFill/>
-                        </a:lnBlToTr>
-                        <a:blipFill>
-                          <a:blip r:embed="rId3"/>
-                          <a:stretch>
-                            <a:fillRect l="-320264" r="-275330" b="-89474"/>
-                          </a:stretch>
-                        </a:blipFill>
-                      </a:tcPr>
-                    </a:tc>
-                    <a:tc>
-                      <a:txBody>
-                        <a:bodyPr/>
-                        <a:lstStyle/>
-                        <a:p>
-                          <a:endParaRPr lang="en-US"/>
-                        </a:p>
-                      </a:txBody>
-                      <a:tcPr anchor="ctr">
-                        <a:lnL>
-                          <a:noFill/>
-                        </a:lnL>
-                        <a:lnR>
-                          <a:noFill/>
-                        </a:lnR>
-                        <a:lnT>
-                          <a:noFill/>
-                        </a:lnT>
-                        <a:lnB w="12700" cap="flat" cmpd="sng" algn="ctr">
-                          <a:solidFill>
-                            <a:schemeClr val="tx1"/>
-                          </a:solidFill>
-                          <a:prstDash val="solid"/>
-                          <a:round/>
-                          <a:headEnd type="none" w="med" len="med"/>
-                          <a:tailEnd type="none" w="med" len="med"/>
-                        </a:lnB>
-                        <a:lnTlToBr>
-                          <a:noFill/>
-                        </a:lnTlToBr>
-                        <a:lnBlToTr>
-                          <a:noFill/>
-                        </a:lnBlToTr>
-                        <a:blipFill>
-                          <a:blip r:embed="rId3"/>
-                          <a:stretch>
-                            <a:fillRect l="-414783" r="-171739" b="-89474"/>
-                          </a:stretch>
-                        </a:blipFill>
-                      </a:tcPr>
-                    </a:tc>
-                    <a:tc>
-                      <a:txBody>
-                        <a:bodyPr/>
-                        <a:lstStyle/>
-                        <a:p>
-                          <a:endParaRPr lang="en-US"/>
-                        </a:p>
-                      </a:txBody>
-                      <a:tcPr anchor="ctr">
-                        <a:lnL>
-                          <a:noFill/>
-                        </a:lnL>
-                        <a:lnR>
-                          <a:noFill/>
-                        </a:lnR>
-                        <a:lnT>
-                          <a:noFill/>
-                        </a:lnT>
-                        <a:lnB w="12700" cap="flat" cmpd="sng" algn="ctr">
-                          <a:solidFill>
-                            <a:schemeClr val="tx1"/>
-                          </a:solidFill>
-                          <a:prstDash val="solid"/>
-                          <a:round/>
-                          <a:headEnd type="none" w="med" len="med"/>
-                          <a:tailEnd type="none" w="med" len="med"/>
-                        </a:lnB>
-                        <a:lnTlToBr>
-                          <a:noFill/>
-                        </a:lnTlToBr>
-                        <a:lnBlToTr>
-                          <a:noFill/>
-                        </a:lnBlToTr>
-                        <a:blipFill>
-                          <a:blip r:embed="rId3"/>
-                          <a:stretch>
-                            <a:fillRect l="-601015" r="-100508" b="-89474"/>
-                          </a:stretch>
-                        </a:blipFill>
-                      </a:tcPr>
-                    </a:tc>
-                    <a:tc>
-                      <a:txBody>
-                        <a:bodyPr/>
-                        <a:lstStyle/>
-                        <a:p>
-                          <a:pPr algn="ctr">
-                            <a:buNone/>
-                          </a:pPr>
-                          <a:r>
-                            <a:rPr lang="en-US" sz="1400" dirty="0">
-                              <a:solidFill>
-                                <a:schemeClr val="tx1"/>
-                              </a:solidFill>
-                              <a:latin typeface="Times New Roman" panose="02020603050405020304" charset="0"/>
-                              <a:ea typeface="+mn-ea"/>
-                              <a:cs typeface="Times New Roman" panose="02020603050405020304" charset="0"/>
-                            </a:rPr>
-                            <a:t>FPS</a:t>
-                          </a:r>
-                        </a:p>
-                      </a:txBody>
-                      <a:tcPr anchor="ctr">
-                        <a:lnL>
-                          <a:noFill/>
-                        </a:lnL>
-                        <a:lnR>
-                          <a:noFill/>
-                        </a:lnR>
-                        <a:lnT>
-                          <a:noFill/>
-                        </a:lnT>
-                        <a:lnB w="12700" cap="flat" cmpd="sng" algn="ctr">
-                          <a:solidFill>
-                            <a:schemeClr val="tx1"/>
-                          </a:solidFill>
-                          <a:prstDash val="solid"/>
-                          <a:round/>
-                          <a:headEnd type="none" w="med" len="med"/>
-                          <a:tailEnd type="none" w="med" len="med"/>
-                        </a:lnB>
-                        <a:lnTlToBr>
-                          <a:noFill/>
-                        </a:lnTlToBr>
-                        <a:lnBlToTr>
-                          <a:noFill/>
-                        </a:lnBlToTr>
-                        <a:noFill/>
-                      </a:tcPr>
-                    </a:tc>
-                    <a:extLst>
-                      <a:ext uri="{0D108BD9-81ED-4DB2-BD59-A6C34878D82A}">
-                        <a16:rowId xmlns:a16="http://schemas.microsoft.com/office/drawing/2014/main" val="10000"/>
-                      </a:ext>
-                    </a:extLst>
-                  </a:tr>
-                  <a:tr h="398780">
-                    <a:tc>
-                      <a:txBody>
-                        <a:bodyPr/>
-                        <a:lstStyle>
-                          <a:defPPr>
-                            <a:defRPr lang="en-US">
-                              <a:solidFill>
-                                <a:schemeClr val="dk1"/>
-                              </a:solidFill>
-                            </a:defRPr>
-                          </a:defPPr>
-                          <a:lvl1pPr marL="0" algn="l" defTabSz="914400" rtl="0" eaLnBrk="1" latinLnBrk="0" hangingPunct="1">
-                            <a:defRPr sz="1800" kern="1200">
-                              <a:solidFill>
-                                <a:schemeClr val="dk1"/>
-                              </a:solidFill>
-                              <a:latin typeface="+mn-lt"/>
-                            </a:defRPr>
-                          </a:lvl1pPr>
-                          <a:lvl2pPr marL="457200" algn="l" defTabSz="914400" rtl="0" eaLnBrk="1" latinLnBrk="0" hangingPunct="1">
-                            <a:defRPr sz="1800" kern="1200">
-                              <a:solidFill>
-                                <a:schemeClr val="dk1"/>
-                              </a:solidFill>
-                              <a:latin typeface="+mn-lt"/>
-                            </a:defRPr>
-                          </a:lvl2pPr>
-                          <a:lvl3pPr marL="914400" algn="l" defTabSz="914400" rtl="0" eaLnBrk="1" latinLnBrk="0" hangingPunct="1">
-                            <a:defRPr sz="1800" kern="1200">
-                              <a:solidFill>
-                                <a:schemeClr val="dk1"/>
-                              </a:solidFill>
-                              <a:latin typeface="+mn-lt"/>
-                            </a:defRPr>
-                          </a:lvl3pPr>
-                          <a:lvl4pPr marL="1371600" algn="l" defTabSz="914400" rtl="0" eaLnBrk="1" latinLnBrk="0" hangingPunct="1">
-                            <a:defRPr sz="1800" kern="1200">
-                              <a:solidFill>
-                                <a:schemeClr val="dk1"/>
-                              </a:solidFill>
-                              <a:latin typeface="+mn-lt"/>
-                            </a:defRPr>
-                          </a:lvl4pPr>
-                          <a:lvl5pPr marL="1828800" algn="l" defTabSz="914400" rtl="0" eaLnBrk="1" latinLnBrk="0" hangingPunct="1">
-                            <a:defRPr sz="1800" kern="1200">
-                              <a:solidFill>
-                                <a:schemeClr val="dk1"/>
-                              </a:solidFill>
-                              <a:latin typeface="+mn-lt"/>
-                            </a:defRPr>
-                          </a:lvl5pPr>
-                          <a:lvl6pPr marL="2286000" algn="l" defTabSz="914400" rtl="0" eaLnBrk="1" latinLnBrk="0" hangingPunct="1">
-                            <a:defRPr sz="1800" kern="1200">
-                              <a:solidFill>
-                                <a:schemeClr val="dk1"/>
-                              </a:solidFill>
-                              <a:latin typeface="+mn-lt"/>
-                            </a:defRPr>
-                          </a:lvl6pPr>
-                          <a:lvl7pPr marL="2743200" algn="l" defTabSz="914400" rtl="0" eaLnBrk="1" latinLnBrk="0" hangingPunct="1">
-                            <a:defRPr sz="1800" kern="1200">
-                              <a:solidFill>
-                                <a:schemeClr val="dk1"/>
-                              </a:solidFill>
-                              <a:latin typeface="+mn-lt"/>
-                            </a:defRPr>
-                          </a:lvl7pPr>
-                          <a:lvl8pPr marL="3200400" algn="l" defTabSz="914400" rtl="0" eaLnBrk="1" latinLnBrk="0" hangingPunct="1">
-                            <a:defRPr sz="1800" kern="1200">
-                              <a:solidFill>
-                                <a:schemeClr val="dk1"/>
-                              </a:solidFill>
-                              <a:latin typeface="+mn-lt"/>
-                            </a:defRPr>
-                          </a:lvl8pPr>
-                          <a:lvl9pPr marL="3657600" algn="l" defTabSz="914400" rtl="0" eaLnBrk="1" latinLnBrk="0" hangingPunct="1">
-                            <a:defRPr sz="1800" kern="1200">
-                              <a:solidFill>
-                                <a:schemeClr val="dk1"/>
-                              </a:solidFill>
-                              <a:latin typeface="+mn-lt"/>
-                            </a:defRPr>
-                          </a:lvl9pPr>
-                        </a:lstStyle>
-                        <a:p>
-                          <a:pPr algn="ctr">
-                            <a:buNone/>
-                          </a:pPr>
-                          <a:r>
-                            <a:rPr lang="en-US" sz="1400" dirty="0">
-                              <a:latin typeface="Times New Roman" panose="02020603050405020304" charset="0"/>
-                              <a:ea typeface="+mn-ea"/>
-                              <a:cs typeface="Times New Roman" panose="02020603050405020304" charset="0"/>
-                            </a:rPr>
-                            <a:t>YOLACT</a:t>
-                          </a:r>
-                        </a:p>
-                      </a:txBody>
-                      <a:tcPr anchor="ctr">
-                        <a:lnL>
-                          <a:noFill/>
-                        </a:lnL>
-                        <a:lnR>
-                          <a:noFill/>
-                        </a:lnR>
-                        <a:lnT w="12700">
-                          <a:solidFill>
-                            <a:schemeClr val="tx1"/>
-                          </a:solidFill>
-                          <a:prstDash val="solid"/>
-                        </a:lnT>
-                        <a:lnB w="12700">
-                          <a:solidFill>
-                            <a:schemeClr val="tx1"/>
-                          </a:solidFill>
-                          <a:prstDash val="solid"/>
-                        </a:lnB>
-                        <a:lnTlToBr>
-                          <a:noFill/>
-                        </a:lnTlToBr>
-                        <a:lnBlToTr>
-                          <a:noFill/>
-                        </a:lnBlToTr>
-                        <a:noFill/>
-                      </a:tcPr>
-                    </a:tc>
-                    <a:tc>
-                      <a:txBody>
-                        <a:bodyPr/>
-                        <a:lstStyle>
-                          <a:defPPr>
-                            <a:defRPr lang="en-US">
-                              <a:solidFill>
-                                <a:schemeClr val="dk1"/>
-                              </a:solidFill>
-                            </a:defRPr>
-                          </a:defPPr>
-                          <a:lvl1pPr marL="0" algn="l" defTabSz="914400" rtl="0" eaLnBrk="1" latinLnBrk="0" hangingPunct="1">
-                            <a:defRPr sz="1800" kern="1200">
-                              <a:solidFill>
-                                <a:schemeClr val="dk1"/>
-                              </a:solidFill>
-                              <a:latin typeface="+mn-lt"/>
-                            </a:defRPr>
-                          </a:lvl1pPr>
-                          <a:lvl2pPr marL="457200" algn="l" defTabSz="914400" rtl="0" eaLnBrk="1" latinLnBrk="0" hangingPunct="1">
-                            <a:defRPr sz="1800" kern="1200">
-                              <a:solidFill>
-                                <a:schemeClr val="dk1"/>
-                              </a:solidFill>
-                              <a:latin typeface="+mn-lt"/>
-                            </a:defRPr>
-                          </a:lvl2pPr>
-                          <a:lvl3pPr marL="914400" algn="l" defTabSz="914400" rtl="0" eaLnBrk="1" latinLnBrk="0" hangingPunct="1">
-                            <a:defRPr sz="1800" kern="1200">
-                              <a:solidFill>
-                                <a:schemeClr val="dk1"/>
-                              </a:solidFill>
-                              <a:latin typeface="+mn-lt"/>
-                            </a:defRPr>
-                          </a:lvl3pPr>
-                          <a:lvl4pPr marL="1371600" algn="l" defTabSz="914400" rtl="0" eaLnBrk="1" latinLnBrk="0" hangingPunct="1">
-                            <a:defRPr sz="1800" kern="1200">
-                              <a:solidFill>
-                                <a:schemeClr val="dk1"/>
-                              </a:solidFill>
-                              <a:latin typeface="+mn-lt"/>
-                            </a:defRPr>
-                          </a:lvl4pPr>
-                          <a:lvl5pPr marL="1828800" algn="l" defTabSz="914400" rtl="0" eaLnBrk="1" latinLnBrk="0" hangingPunct="1">
-                            <a:defRPr sz="1800" kern="1200">
-                              <a:solidFill>
-                                <a:schemeClr val="dk1"/>
-                              </a:solidFill>
-                              <a:latin typeface="+mn-lt"/>
-                            </a:defRPr>
-                          </a:lvl5pPr>
-                          <a:lvl6pPr marL="2286000" algn="l" defTabSz="914400" rtl="0" eaLnBrk="1" latinLnBrk="0" hangingPunct="1">
-                            <a:defRPr sz="1800" kern="1200">
-                              <a:solidFill>
-                                <a:schemeClr val="dk1"/>
-                              </a:solidFill>
-                              <a:latin typeface="+mn-lt"/>
-                            </a:defRPr>
-                          </a:lvl6pPr>
-                          <a:lvl7pPr marL="2743200" algn="l" defTabSz="914400" rtl="0" eaLnBrk="1" latinLnBrk="0" hangingPunct="1">
-                            <a:defRPr sz="1800" kern="1200">
-                              <a:solidFill>
-                                <a:schemeClr val="dk1"/>
-                              </a:solidFill>
-                              <a:latin typeface="+mn-lt"/>
-                            </a:defRPr>
-                          </a:lvl7pPr>
-                          <a:lvl8pPr marL="3200400" algn="l" defTabSz="914400" rtl="0" eaLnBrk="1" latinLnBrk="0" hangingPunct="1">
-                            <a:defRPr sz="1800" kern="1200">
-                              <a:solidFill>
-                                <a:schemeClr val="dk1"/>
-                              </a:solidFill>
-                              <a:latin typeface="+mn-lt"/>
-                            </a:defRPr>
-                          </a:lvl8pPr>
-                          <a:lvl9pPr marL="3657600" algn="l" defTabSz="914400" rtl="0" eaLnBrk="1" latinLnBrk="0" hangingPunct="1">
-                            <a:defRPr sz="1800" kern="1200">
-                              <a:solidFill>
-                                <a:schemeClr val="dk1"/>
-                              </a:solidFill>
-                              <a:latin typeface="+mn-lt"/>
-                            </a:defRPr>
-                          </a:lvl9pPr>
-                        </a:lstStyle>
-                        <a:p>
-                          <a:pPr algn="ctr">
-                            <a:buNone/>
-                          </a:pPr>
-                          <a:r>
-                            <a:rPr lang="en-US" sz="1400" b="0" dirty="0">
-                              <a:latin typeface="Times New Roman" panose="02020603050405020304" charset="0"/>
-                              <a:ea typeface="+mn-ea"/>
-                              <a:cs typeface="Times New Roman" panose="02020603050405020304" charset="0"/>
-                            </a:rPr>
-                            <a:t>ResNet-50</a:t>
-                          </a:r>
-                        </a:p>
-                      </a:txBody>
-                      <a:tcPr anchor="ctr">
-                        <a:lnL>
-                          <a:noFill/>
-                        </a:lnL>
-                        <a:lnR>
-                          <a:noFill/>
-                        </a:lnR>
-                        <a:lnT w="12700">
-                          <a:solidFill>
-                            <a:schemeClr val="tx1"/>
-                          </a:solidFill>
-                          <a:prstDash val="solid"/>
-                        </a:lnT>
-                        <a:lnB w="12700" cap="flat" cmpd="sng" algn="ctr">
-                          <a:solidFill>
-                            <a:schemeClr val="tx1"/>
-                          </a:solidFill>
-                          <a:prstDash val="solid"/>
-                          <a:round/>
-                          <a:headEnd type="none" w="med" len="med"/>
-                          <a:tailEnd type="none" w="med" len="med"/>
-                        </a:lnB>
-                        <a:lnTlToBr>
-                          <a:noFill/>
-                        </a:lnTlToBr>
-                        <a:lnBlToTr>
-                          <a:noFill/>
-                        </a:lnBlToTr>
-                        <a:noFill/>
-                      </a:tcPr>
-                    </a:tc>
-                    <a:tc>
-                      <a:txBody>
-                        <a:bodyPr/>
-                        <a:lstStyle>
-                          <a:defPPr>
-                            <a:defRPr lang="en-US">
-                              <a:solidFill>
-                                <a:schemeClr val="dk1"/>
-                              </a:solidFill>
-                            </a:defRPr>
-                          </a:defPPr>
-                          <a:lvl1pPr marL="0" algn="l" defTabSz="914400" rtl="0" eaLnBrk="1" latinLnBrk="0" hangingPunct="1">
-                            <a:defRPr sz="1800" kern="1200">
-                              <a:solidFill>
-                                <a:schemeClr val="dk1"/>
-                              </a:solidFill>
-                              <a:latin typeface="+mn-lt"/>
-                            </a:defRPr>
-                          </a:lvl1pPr>
-                          <a:lvl2pPr marL="457200" algn="l" defTabSz="914400" rtl="0" eaLnBrk="1" latinLnBrk="0" hangingPunct="1">
-                            <a:defRPr sz="1800" kern="1200">
-                              <a:solidFill>
-                                <a:schemeClr val="dk1"/>
-                              </a:solidFill>
-                              <a:latin typeface="+mn-lt"/>
-                            </a:defRPr>
-                          </a:lvl2pPr>
-                          <a:lvl3pPr marL="914400" algn="l" defTabSz="914400" rtl="0" eaLnBrk="1" latinLnBrk="0" hangingPunct="1">
-                            <a:defRPr sz="1800" kern="1200">
-                              <a:solidFill>
-                                <a:schemeClr val="dk1"/>
-                              </a:solidFill>
-                              <a:latin typeface="+mn-lt"/>
-                            </a:defRPr>
-                          </a:lvl3pPr>
-                          <a:lvl4pPr marL="1371600" algn="l" defTabSz="914400" rtl="0" eaLnBrk="1" latinLnBrk="0" hangingPunct="1">
-                            <a:defRPr sz="1800" kern="1200">
-                              <a:solidFill>
-                                <a:schemeClr val="dk1"/>
-                              </a:solidFill>
-                              <a:latin typeface="+mn-lt"/>
-                            </a:defRPr>
-                          </a:lvl4pPr>
-                          <a:lvl5pPr marL="1828800" algn="l" defTabSz="914400" rtl="0" eaLnBrk="1" latinLnBrk="0" hangingPunct="1">
-                            <a:defRPr sz="1800" kern="1200">
-                              <a:solidFill>
-                                <a:schemeClr val="dk1"/>
-                              </a:solidFill>
-                              <a:latin typeface="+mn-lt"/>
-                            </a:defRPr>
-                          </a:lvl5pPr>
-                          <a:lvl6pPr marL="2286000" algn="l" defTabSz="914400" rtl="0" eaLnBrk="1" latinLnBrk="0" hangingPunct="1">
-                            <a:defRPr sz="1800" kern="1200">
-                              <a:solidFill>
-                                <a:schemeClr val="dk1"/>
-                              </a:solidFill>
-                              <a:latin typeface="+mn-lt"/>
-                            </a:defRPr>
-                          </a:lvl6pPr>
-                          <a:lvl7pPr marL="2743200" algn="l" defTabSz="914400" rtl="0" eaLnBrk="1" latinLnBrk="0" hangingPunct="1">
-                            <a:defRPr sz="1800" kern="1200">
-                              <a:solidFill>
-                                <a:schemeClr val="dk1"/>
-                              </a:solidFill>
-                              <a:latin typeface="+mn-lt"/>
-                            </a:defRPr>
-                          </a:lvl7pPr>
-                          <a:lvl8pPr marL="3200400" algn="l" defTabSz="914400" rtl="0" eaLnBrk="1" latinLnBrk="0" hangingPunct="1">
-                            <a:defRPr sz="1800" kern="1200">
-                              <a:solidFill>
-                                <a:schemeClr val="dk1"/>
-                              </a:solidFill>
-                              <a:latin typeface="+mn-lt"/>
-                            </a:defRPr>
-                          </a:lvl8pPr>
-                          <a:lvl9pPr marL="3657600" algn="l" defTabSz="914400" rtl="0" eaLnBrk="1" latinLnBrk="0" hangingPunct="1">
-                            <a:defRPr sz="1800" kern="1200">
-                              <a:solidFill>
-                                <a:schemeClr val="dk1"/>
-                              </a:solidFill>
-                              <a:latin typeface="+mn-lt"/>
-                            </a:defRPr>
-                          </a:lvl9pPr>
-                        </a:lstStyle>
-                        <a:p>
-                          <a:pPr algn="ctr">
-                            <a:buNone/>
-                          </a:pPr>
-                          <a:r>
-                            <a:rPr lang="en-US" sz="1400" b="0" dirty="0">
-                              <a:latin typeface="Times New Roman" panose="02020603050405020304" charset="0"/>
-                              <a:ea typeface="+mn-ea"/>
-                              <a:cs typeface="Times New Roman" panose="02020603050405020304" charset="0"/>
-                            </a:rPr>
-                            <a:t>0.438</a:t>
-                          </a:r>
-                        </a:p>
-                      </a:txBody>
-                      <a:tcPr anchor="ctr">
-                        <a:lnL>
-                          <a:noFill/>
-                        </a:lnL>
-                        <a:lnR>
-                          <a:noFill/>
-                        </a:lnR>
-                        <a:lnT w="12700">
-                          <a:solidFill>
-                            <a:schemeClr val="tx1"/>
-                          </a:solidFill>
-                          <a:prstDash val="solid"/>
-                        </a:lnT>
-                        <a:lnB w="12700" cap="flat" cmpd="sng" algn="ctr">
-                          <a:solidFill>
-                            <a:schemeClr val="tx1"/>
-                          </a:solidFill>
-                          <a:prstDash val="solid"/>
-                          <a:round/>
-                          <a:headEnd type="none" w="med" len="med"/>
-                          <a:tailEnd type="none" w="med" len="med"/>
-                        </a:lnB>
-                        <a:lnTlToBr>
-                          <a:noFill/>
-                        </a:lnTlToBr>
-                        <a:lnBlToTr>
-                          <a:noFill/>
-                        </a:lnBlToTr>
-                        <a:noFill/>
-                      </a:tcPr>
-                    </a:tc>
-                    <a:tc>
-                      <a:txBody>
-                        <a:bodyPr/>
-                        <a:lstStyle>
-                          <a:defPPr>
-                            <a:defRPr lang="en-US">
-                              <a:solidFill>
-                                <a:schemeClr val="dk1"/>
-                              </a:solidFill>
-                            </a:defRPr>
-                          </a:defPPr>
-                          <a:lvl1pPr marL="0" algn="l" defTabSz="914400" rtl="0" eaLnBrk="1" latinLnBrk="0" hangingPunct="1">
-                            <a:defRPr sz="1800" kern="1200">
-                              <a:solidFill>
-                                <a:schemeClr val="dk1"/>
-                              </a:solidFill>
-                              <a:latin typeface="+mn-lt"/>
-                            </a:defRPr>
-                          </a:lvl1pPr>
-                          <a:lvl2pPr marL="457200" algn="l" defTabSz="914400" rtl="0" eaLnBrk="1" latinLnBrk="0" hangingPunct="1">
-                            <a:defRPr sz="1800" kern="1200">
-                              <a:solidFill>
-                                <a:schemeClr val="dk1"/>
-                              </a:solidFill>
-                              <a:latin typeface="+mn-lt"/>
-                            </a:defRPr>
-                          </a:lvl2pPr>
-                          <a:lvl3pPr marL="914400" algn="l" defTabSz="914400" rtl="0" eaLnBrk="1" latinLnBrk="0" hangingPunct="1">
-                            <a:defRPr sz="1800" kern="1200">
-                              <a:solidFill>
-                                <a:schemeClr val="dk1"/>
-                              </a:solidFill>
-                              <a:latin typeface="+mn-lt"/>
-                            </a:defRPr>
-                          </a:lvl3pPr>
-                          <a:lvl4pPr marL="1371600" algn="l" defTabSz="914400" rtl="0" eaLnBrk="1" latinLnBrk="0" hangingPunct="1">
-                            <a:defRPr sz="1800" kern="1200">
-                              <a:solidFill>
-                                <a:schemeClr val="dk1"/>
-                              </a:solidFill>
-                              <a:latin typeface="+mn-lt"/>
-                            </a:defRPr>
-                          </a:lvl4pPr>
-                          <a:lvl5pPr marL="1828800" algn="l" defTabSz="914400" rtl="0" eaLnBrk="1" latinLnBrk="0" hangingPunct="1">
-                            <a:defRPr sz="1800" kern="1200">
-                              <a:solidFill>
-                                <a:schemeClr val="dk1"/>
-                              </a:solidFill>
-                              <a:latin typeface="+mn-lt"/>
-                            </a:defRPr>
-                          </a:lvl5pPr>
-                          <a:lvl6pPr marL="2286000" algn="l" defTabSz="914400" rtl="0" eaLnBrk="1" latinLnBrk="0" hangingPunct="1">
-                            <a:defRPr sz="1800" kern="1200">
-                              <a:solidFill>
-                                <a:schemeClr val="dk1"/>
-                              </a:solidFill>
-                              <a:latin typeface="+mn-lt"/>
-                            </a:defRPr>
-                          </a:lvl6pPr>
-                          <a:lvl7pPr marL="2743200" algn="l" defTabSz="914400" rtl="0" eaLnBrk="1" latinLnBrk="0" hangingPunct="1">
-                            <a:defRPr sz="1800" kern="1200">
-                              <a:solidFill>
-                                <a:schemeClr val="dk1"/>
-                              </a:solidFill>
-                              <a:latin typeface="+mn-lt"/>
-                            </a:defRPr>
-                          </a:lvl7pPr>
-                          <a:lvl8pPr marL="3200400" algn="l" defTabSz="914400" rtl="0" eaLnBrk="1" latinLnBrk="0" hangingPunct="1">
-                            <a:defRPr sz="1800" kern="1200">
-                              <a:solidFill>
-                                <a:schemeClr val="dk1"/>
-                              </a:solidFill>
-                              <a:latin typeface="+mn-lt"/>
-                            </a:defRPr>
-                          </a:lvl8pPr>
-                          <a:lvl9pPr marL="3657600" algn="l" defTabSz="914400" rtl="0" eaLnBrk="1" latinLnBrk="0" hangingPunct="1">
-                            <a:defRPr sz="1800" kern="1200">
-                              <a:solidFill>
-                                <a:schemeClr val="dk1"/>
-                              </a:solidFill>
-                              <a:latin typeface="+mn-lt"/>
-                            </a:defRPr>
-                          </a:lvl9pPr>
-                        </a:lstStyle>
-                        <a:p>
-                          <a:pPr algn="ctr">
-                            <a:buNone/>
-                          </a:pPr>
-                          <a:r>
-                            <a:rPr lang="en-US" sz="1400" b="1" dirty="0">
-                              <a:latin typeface="Times New Roman" panose="02020603050405020304" charset="0"/>
-                              <a:ea typeface="+mn-ea"/>
-                              <a:cs typeface="Times New Roman" panose="02020603050405020304" charset="0"/>
-                            </a:rPr>
-                            <a:t>0.711</a:t>
-                          </a:r>
-                        </a:p>
-                      </a:txBody>
-                      <a:tcPr anchor="ctr">
-                        <a:lnL>
-                          <a:noFill/>
-                        </a:lnL>
-                        <a:lnR>
-                          <a:noFill/>
-                        </a:lnR>
-                        <a:lnT w="12700">
-                          <a:solidFill>
-                            <a:schemeClr val="tx1"/>
-                          </a:solidFill>
-                          <a:prstDash val="solid"/>
-                        </a:lnT>
-                        <a:lnB w="12700" cap="flat" cmpd="sng" algn="ctr">
-                          <a:solidFill>
-                            <a:schemeClr val="tx1"/>
-                          </a:solidFill>
-                          <a:prstDash val="solid"/>
-                          <a:round/>
-                          <a:headEnd type="none" w="med" len="med"/>
-                          <a:tailEnd type="none" w="med" len="med"/>
-                        </a:lnB>
-                        <a:lnTlToBr>
-                          <a:noFill/>
-                        </a:lnTlToBr>
-                        <a:lnBlToTr>
-                          <a:noFill/>
-                        </a:lnBlToTr>
-                        <a:noFill/>
-                      </a:tcPr>
-                    </a:tc>
-                    <a:tc>
-                      <a:txBody>
-                        <a:bodyPr/>
-                        <a:lstStyle>
-                          <a:defPPr>
-                            <a:defRPr lang="en-US">
-                              <a:solidFill>
-                                <a:schemeClr val="dk1"/>
-                              </a:solidFill>
-                            </a:defRPr>
-                          </a:defPPr>
-                          <a:lvl1pPr marL="0" algn="l" defTabSz="914400" rtl="0" eaLnBrk="1" latinLnBrk="0" hangingPunct="1">
-                            <a:defRPr sz="1800" kern="1200">
-                              <a:solidFill>
-                                <a:schemeClr val="dk1"/>
-                              </a:solidFill>
-                              <a:latin typeface="+mn-lt"/>
-                            </a:defRPr>
-                          </a:lvl1pPr>
-                          <a:lvl2pPr marL="457200" algn="l" defTabSz="914400" rtl="0" eaLnBrk="1" latinLnBrk="0" hangingPunct="1">
-                            <a:defRPr sz="1800" kern="1200">
-                              <a:solidFill>
-                                <a:schemeClr val="dk1"/>
-                              </a:solidFill>
-                              <a:latin typeface="+mn-lt"/>
-                            </a:defRPr>
-                          </a:lvl2pPr>
-                          <a:lvl3pPr marL="914400" algn="l" defTabSz="914400" rtl="0" eaLnBrk="1" latinLnBrk="0" hangingPunct="1">
-                            <a:defRPr sz="1800" kern="1200">
-                              <a:solidFill>
-                                <a:schemeClr val="dk1"/>
-                              </a:solidFill>
-                              <a:latin typeface="+mn-lt"/>
-                            </a:defRPr>
-                          </a:lvl3pPr>
-                          <a:lvl4pPr marL="1371600" algn="l" defTabSz="914400" rtl="0" eaLnBrk="1" latinLnBrk="0" hangingPunct="1">
-                            <a:defRPr sz="1800" kern="1200">
-                              <a:solidFill>
-                                <a:schemeClr val="dk1"/>
-                              </a:solidFill>
-                              <a:latin typeface="+mn-lt"/>
-                            </a:defRPr>
-                          </a:lvl4pPr>
-                          <a:lvl5pPr marL="1828800" algn="l" defTabSz="914400" rtl="0" eaLnBrk="1" latinLnBrk="0" hangingPunct="1">
-                            <a:defRPr sz="1800" kern="1200">
-                              <a:solidFill>
-                                <a:schemeClr val="dk1"/>
-                              </a:solidFill>
-                              <a:latin typeface="+mn-lt"/>
-                            </a:defRPr>
-                          </a:lvl5pPr>
-                          <a:lvl6pPr marL="2286000" algn="l" defTabSz="914400" rtl="0" eaLnBrk="1" latinLnBrk="0" hangingPunct="1">
-                            <a:defRPr sz="1800" kern="1200">
-                              <a:solidFill>
-                                <a:schemeClr val="dk1"/>
-                              </a:solidFill>
-                              <a:latin typeface="+mn-lt"/>
-                            </a:defRPr>
-                          </a:lvl6pPr>
-                          <a:lvl7pPr marL="2743200" algn="l" defTabSz="914400" rtl="0" eaLnBrk="1" latinLnBrk="0" hangingPunct="1">
-                            <a:defRPr sz="1800" kern="1200">
-                              <a:solidFill>
-                                <a:schemeClr val="dk1"/>
-                              </a:solidFill>
-                              <a:latin typeface="+mn-lt"/>
-                            </a:defRPr>
-                          </a:lvl7pPr>
-                          <a:lvl8pPr marL="3200400" algn="l" defTabSz="914400" rtl="0" eaLnBrk="1" latinLnBrk="0" hangingPunct="1">
-                            <a:defRPr sz="1800" kern="1200">
-                              <a:solidFill>
-                                <a:schemeClr val="dk1"/>
-                              </a:solidFill>
-                              <a:latin typeface="+mn-lt"/>
-                            </a:defRPr>
-                          </a:lvl8pPr>
-                          <a:lvl9pPr marL="3657600" algn="l" defTabSz="914400" rtl="0" eaLnBrk="1" latinLnBrk="0" hangingPunct="1">
-                            <a:defRPr sz="1800" kern="1200">
-                              <a:solidFill>
-                                <a:schemeClr val="dk1"/>
-                              </a:solidFill>
-                              <a:latin typeface="+mn-lt"/>
-                            </a:defRPr>
-                          </a:lvl9pPr>
-                        </a:lstStyle>
-                        <a:p>
-                          <a:pPr algn="ctr">
-                            <a:buNone/>
-                          </a:pPr>
-                          <a:r>
-                            <a:rPr lang="en-US" sz="1400" b="0" dirty="0">
-                              <a:latin typeface="Times New Roman" panose="02020603050405020304" charset="0"/>
-                              <a:ea typeface="+mn-ea"/>
-                              <a:cs typeface="Times New Roman" panose="02020603050405020304" charset="0"/>
-                            </a:rPr>
-                            <a:t>0.499</a:t>
-                          </a:r>
-                        </a:p>
-                      </a:txBody>
-                      <a:tcPr anchor="ctr">
-                        <a:lnL>
-                          <a:noFill/>
-                        </a:lnL>
-                        <a:lnR>
-                          <a:noFill/>
-                        </a:lnR>
-                        <a:lnT w="12700">
-                          <a:solidFill>
-                            <a:schemeClr val="tx1"/>
-                          </a:solidFill>
-                          <a:prstDash val="solid"/>
-                        </a:lnT>
-                        <a:lnB w="12700" cap="flat" cmpd="sng" algn="ctr">
-                          <a:solidFill>
-                            <a:schemeClr val="tx1"/>
-                          </a:solidFill>
-                          <a:prstDash val="solid"/>
-                          <a:round/>
-                          <a:headEnd type="none" w="med" len="med"/>
-                          <a:tailEnd type="none" w="med" len="med"/>
-                        </a:lnB>
-                        <a:lnTlToBr>
-                          <a:noFill/>
-                        </a:lnTlToBr>
-                        <a:lnBlToTr>
-                          <a:noFill/>
-                        </a:lnBlToTr>
-                        <a:noFill/>
-                      </a:tcPr>
-                    </a:tc>
-                    <a:tc>
-                      <a:txBody>
-                        <a:bodyPr/>
-                        <a:lstStyle>
-                          <a:defPPr>
-                            <a:defRPr lang="en-US">
-                              <a:solidFill>
-                                <a:schemeClr val="dk1"/>
-                              </a:solidFill>
-                            </a:defRPr>
-                          </a:defPPr>
-                          <a:lvl1pPr marL="0" algn="l" defTabSz="914400" rtl="0" eaLnBrk="1" latinLnBrk="0" hangingPunct="1">
-                            <a:defRPr sz="1800" kern="1200">
-                              <a:solidFill>
-                                <a:schemeClr val="dk1"/>
-                              </a:solidFill>
-                              <a:latin typeface="+mn-lt"/>
-                            </a:defRPr>
-                          </a:lvl1pPr>
-                          <a:lvl2pPr marL="457200" algn="l" defTabSz="914400" rtl="0" eaLnBrk="1" latinLnBrk="0" hangingPunct="1">
-                            <a:defRPr sz="1800" kern="1200">
-                              <a:solidFill>
-                                <a:schemeClr val="dk1"/>
-                              </a:solidFill>
-                              <a:latin typeface="+mn-lt"/>
-                            </a:defRPr>
-                          </a:lvl2pPr>
-                          <a:lvl3pPr marL="914400" algn="l" defTabSz="914400" rtl="0" eaLnBrk="1" latinLnBrk="0" hangingPunct="1">
-                            <a:defRPr sz="1800" kern="1200">
-                              <a:solidFill>
-                                <a:schemeClr val="dk1"/>
-                              </a:solidFill>
-                              <a:latin typeface="+mn-lt"/>
-                            </a:defRPr>
-                          </a:lvl3pPr>
-                          <a:lvl4pPr marL="1371600" algn="l" defTabSz="914400" rtl="0" eaLnBrk="1" latinLnBrk="0" hangingPunct="1">
-                            <a:defRPr sz="1800" kern="1200">
-                              <a:solidFill>
-                                <a:schemeClr val="dk1"/>
-                              </a:solidFill>
-                              <a:latin typeface="+mn-lt"/>
-                            </a:defRPr>
-                          </a:lvl4pPr>
-                          <a:lvl5pPr marL="1828800" algn="l" defTabSz="914400" rtl="0" eaLnBrk="1" latinLnBrk="0" hangingPunct="1">
-                            <a:defRPr sz="1800" kern="1200">
-                              <a:solidFill>
-                                <a:schemeClr val="dk1"/>
-                              </a:solidFill>
-                              <a:latin typeface="+mn-lt"/>
-                            </a:defRPr>
-                          </a:lvl5pPr>
-                          <a:lvl6pPr marL="2286000" algn="l" defTabSz="914400" rtl="0" eaLnBrk="1" latinLnBrk="0" hangingPunct="1">
-                            <a:defRPr sz="1800" kern="1200">
-                              <a:solidFill>
-                                <a:schemeClr val="dk1"/>
-                              </a:solidFill>
-                              <a:latin typeface="+mn-lt"/>
-                            </a:defRPr>
-                          </a:lvl6pPr>
-                          <a:lvl7pPr marL="2743200" algn="l" defTabSz="914400" rtl="0" eaLnBrk="1" latinLnBrk="0" hangingPunct="1">
-                            <a:defRPr sz="1800" kern="1200">
-                              <a:solidFill>
-                                <a:schemeClr val="dk1"/>
-                              </a:solidFill>
-                              <a:latin typeface="+mn-lt"/>
-                            </a:defRPr>
-                          </a:lvl7pPr>
-                          <a:lvl8pPr marL="3200400" algn="l" defTabSz="914400" rtl="0" eaLnBrk="1" latinLnBrk="0" hangingPunct="1">
-                            <a:defRPr sz="1800" kern="1200">
-                              <a:solidFill>
-                                <a:schemeClr val="dk1"/>
-                              </a:solidFill>
-                              <a:latin typeface="+mn-lt"/>
-                            </a:defRPr>
-                          </a:lvl8pPr>
-                          <a:lvl9pPr marL="3657600" algn="l" defTabSz="914400" rtl="0" eaLnBrk="1" latinLnBrk="0" hangingPunct="1">
-                            <a:defRPr sz="1800" kern="1200">
-                              <a:solidFill>
-                                <a:schemeClr val="dk1"/>
-                              </a:solidFill>
-                              <a:latin typeface="+mn-lt"/>
-                            </a:defRPr>
-                          </a:lvl9pPr>
-                        </a:lstStyle>
-                        <a:p>
-                          <a:pPr algn="ctr">
-                            <a:buNone/>
-                          </a:pPr>
-                          <a:r>
-                            <a:rPr lang="en-US" sz="1400" b="0" dirty="0">
-                              <a:latin typeface="Times New Roman" panose="02020603050405020304" charset="0"/>
-                              <a:ea typeface="+mn-ea"/>
-                              <a:cs typeface="Times New Roman" panose="02020603050405020304" charset="0"/>
-                            </a:rPr>
-                            <a:t>0.36</a:t>
-                          </a:r>
-                        </a:p>
-                      </a:txBody>
-                      <a:tcPr anchor="ctr">
-                        <a:lnL>
-                          <a:noFill/>
-                        </a:lnL>
-                        <a:lnR>
-                          <a:noFill/>
-                        </a:lnR>
-                        <a:lnT w="12700">
-                          <a:solidFill>
-                            <a:schemeClr val="tx1"/>
-                          </a:solidFill>
-                          <a:prstDash val="solid"/>
-                        </a:lnT>
-                        <a:lnB w="12700" cap="flat" cmpd="sng" algn="ctr">
-                          <a:solidFill>
-                            <a:schemeClr val="tx1"/>
-                          </a:solidFill>
-                          <a:prstDash val="solid"/>
-                          <a:round/>
-                          <a:headEnd type="none" w="med" len="med"/>
-                          <a:tailEnd type="none" w="med" len="med"/>
-                        </a:lnB>
-                        <a:lnTlToBr>
-                          <a:noFill/>
-                        </a:lnTlToBr>
-                        <a:lnBlToTr>
-                          <a:noFill/>
-                        </a:lnBlToTr>
-                        <a:noFill/>
-                      </a:tcPr>
-                    </a:tc>
-                    <a:tc>
-                      <a:txBody>
-                        <a:bodyPr/>
-                        <a:lstStyle/>
-                        <a:p>
-                          <a:pPr algn="ctr">
-                            <a:buNone/>
-                          </a:pPr>
-                          <a:r>
-                            <a:rPr lang="en-US" sz="1400" b="0" dirty="0">
-                              <a:latin typeface="Times New Roman" panose="02020603050405020304" charset="0"/>
-                              <a:ea typeface="+mn-ea"/>
-                              <a:cs typeface="Times New Roman" panose="02020603050405020304" charset="0"/>
-                            </a:rPr>
-                            <a:t>46.7</a:t>
-                          </a:r>
-                        </a:p>
-                      </a:txBody>
-                      <a:tcPr anchor="ctr">
-                        <a:lnL>
-                          <a:noFill/>
-                        </a:lnL>
-                        <a:lnR>
-                          <a:noFill/>
-                        </a:lnR>
-                        <a:lnT w="12700" cap="flat" cmpd="sng" algn="ctr">
-                          <a:solidFill>
-                            <a:schemeClr val="tx1"/>
-                          </a:solidFill>
-                          <a:prstDash val="solid"/>
-                          <a:round/>
-                          <a:headEnd type="none" w="med" len="med"/>
-                          <a:tailEnd type="none" w="med" len="med"/>
-                        </a:lnT>
-                        <a:lnB w="12700" cap="flat" cmpd="sng" algn="ctr">
-                          <a:solidFill>
-                            <a:schemeClr val="tx1"/>
-                          </a:solidFill>
-                          <a:prstDash val="solid"/>
-                          <a:round/>
-                          <a:headEnd type="none" w="med" len="med"/>
-                          <a:tailEnd type="none" w="med" len="med"/>
-                        </a:lnB>
-                        <a:lnTlToBr>
-                          <a:noFill/>
-                        </a:lnTlToBr>
-                        <a:lnBlToTr>
-                          <a:noFill/>
-                        </a:lnBlToTr>
-                        <a:noFill/>
-                      </a:tcPr>
-                    </a:tc>
-                    <a:extLst>
-                      <a:ext uri="{0D108BD9-81ED-4DB2-BD59-A6C34878D82A}">
-                        <a16:rowId xmlns:a16="http://schemas.microsoft.com/office/drawing/2014/main" val="10001"/>
-                      </a:ext>
-                    </a:extLst>
-                  </a:tr>
-                </a:tbl>
-              </a:graphicData>
-            </a:graphic>
-          </p:graphicFrame>
-        </mc:Fallback>
-      </mc:AlternateContent>
-      <p:sp>
-        <p:nvSpPr>
-          <p:cNvPr id="18" name="Subtitle 8">
-            <a:extLst>
-              <a:ext uri="{FF2B5EF4-FFF2-40B4-BE49-F238E27FC236}">
-                <a16:creationId xmlns:a16="http://schemas.microsoft.com/office/drawing/2014/main" id="{4A1DF98E-7FA4-0635-1883-FB18D0E2D819}"/>
-              </a:ext>
-            </a:extLst>
-          </p:cNvPr>
-          <p:cNvSpPr txBox="1">
-            <a:spLocks/>
-          </p:cNvSpPr>
-          <p:nvPr/>
-        </p:nvSpPr>
-        <p:spPr>
-          <a:xfrm>
-            <a:off x="1287144" y="5528560"/>
-            <a:ext cx="7158115" cy="285091"/>
-          </a:xfrm>
-          <a:prstGeom prst="rect">
-            <a:avLst/>
-          </a:prstGeom>
-        </p:spPr>
-        <p:txBody>
-          <a:bodyPr vert="horz" lIns="91440" tIns="45720" rIns="91440" bIns="45720" rtlCol="0">
-            <a:noAutofit/>
-          </a:bodyPr>
-          <a:lstStyle>
-            <a:lvl1pPr marL="228600" indent="-228600" algn="l" defTabSz="914400" rtl="0" eaLnBrk="1" latinLnBrk="0" hangingPunct="1">
-              <a:lnSpc>
-                <a:spcPct val="90000"/>
-              </a:lnSpc>
-              <a:spcBef>
-                <a:spcPts val="1000"/>
-              </a:spcBef>
-              <a:buFont typeface="Arial" panose="020B0604020202020204" pitchFamily="34" charset="0"/>
-              <a:buChar char="•"/>
-              <a:defRPr sz="2800" kern="1200">
-                <a:solidFill>
-                  <a:schemeClr val="tx1"/>
-                </a:solidFill>
-                <a:latin typeface="+mn-lt"/>
-                <a:ea typeface="+mn-ea"/>
-                <a:cs typeface="+mn-cs"/>
-              </a:defRPr>
-            </a:lvl1pPr>
-            <a:lvl2pPr marL="685800" indent="-228600" algn="l" defTabSz="914400" rtl="0" eaLnBrk="1" latinLnBrk="0" hangingPunct="1">
-              <a:lnSpc>
-                <a:spcPct val="90000"/>
-              </a:lnSpc>
-              <a:spcBef>
-                <a:spcPts val="500"/>
-              </a:spcBef>
-              <a:buFont typeface="Arial" panose="020B0604020202020204" pitchFamily="34" charset="0"/>
-              <a:buChar char="•"/>
-              <a:defRPr sz="2400" kern="1200">
-                <a:solidFill>
-                  <a:schemeClr val="tx1"/>
-                </a:solidFill>
-                <a:latin typeface="+mn-lt"/>
-                <a:ea typeface="+mn-ea"/>
-                <a:cs typeface="+mn-cs"/>
-              </a:defRPr>
-            </a:lvl2pPr>
-            <a:lvl3pPr marL="1143000" indent="-228600" algn="l" defTabSz="914400" rtl="0" eaLnBrk="1" latinLnBrk="0" hangingPunct="1">
-              <a:lnSpc>
-                <a:spcPct val="90000"/>
-              </a:lnSpc>
-              <a:spcBef>
-                <a:spcPts val="500"/>
-              </a:spcBef>
-              <a:buFont typeface="Arial" panose="020B0604020202020204" pitchFamily="34" charset="0"/>
-              <a:buChar char="•"/>
-              <a:defRPr sz="2000" kern="1200">
-                <a:solidFill>
-                  <a:schemeClr val="tx1"/>
-                </a:solidFill>
-                <a:latin typeface="+mn-lt"/>
-                <a:ea typeface="+mn-ea"/>
-                <a:cs typeface="+mn-cs"/>
-              </a:defRPr>
-            </a:lvl3pPr>
-            <a:lvl4pPr marL="1600200" indent="-228600" algn="l" defTabSz="914400" rtl="0" eaLnBrk="1" latinLnBrk="0" hangingPunct="1">
-              <a:lnSpc>
-                <a:spcPct val="90000"/>
-              </a:lnSpc>
-              <a:spcBef>
-                <a:spcPts val="500"/>
-              </a:spcBef>
-              <a:buFont typeface="Arial" panose="020B0604020202020204" pitchFamily="34" charset="0"/>
-              <a:buChar char="•"/>
-              <a:defRPr sz="1800" kern="1200">
-                <a:solidFill>
-                  <a:schemeClr val="tx1"/>
-                </a:solidFill>
-                <a:latin typeface="+mn-lt"/>
-                <a:ea typeface="+mn-ea"/>
-                <a:cs typeface="+mn-cs"/>
-              </a:defRPr>
-            </a:lvl4pPr>
-            <a:lvl5pPr marL="2057400" indent="-228600" algn="l" defTabSz="914400" rtl="0" eaLnBrk="1" latinLnBrk="0" hangingPunct="1">
-              <a:lnSpc>
-                <a:spcPct val="90000"/>
-              </a:lnSpc>
-              <a:spcBef>
-                <a:spcPts val="500"/>
-              </a:spcBef>
-              <a:buFont typeface="Arial" panose="020B0604020202020204" pitchFamily="34" charset="0"/>
-              <a:buChar char="•"/>
-              <a:defRPr sz="1800" kern="1200">
-                <a:solidFill>
-                  <a:schemeClr val="tx1"/>
-                </a:solidFill>
-                <a:latin typeface="+mn-lt"/>
-                <a:ea typeface="+mn-ea"/>
-                <a:cs typeface="+mn-cs"/>
-              </a:defRPr>
-            </a:lvl5pPr>
-            <a:lvl6pPr marL="2514600" indent="-228600" algn="l" defTabSz="914400" rtl="0" eaLnBrk="1" latinLnBrk="0" hangingPunct="1">
-              <a:lnSpc>
-                <a:spcPct val="90000"/>
-              </a:lnSpc>
-              <a:spcBef>
-                <a:spcPts val="500"/>
-              </a:spcBef>
-              <a:buFont typeface="Arial" panose="020B0604020202020204" pitchFamily="34" charset="0"/>
-              <a:buChar char="•"/>
-              <a:defRPr sz="1800" kern="1200">
-                <a:solidFill>
-                  <a:schemeClr val="tx1"/>
-                </a:solidFill>
-                <a:latin typeface="+mn-lt"/>
-                <a:ea typeface="+mn-ea"/>
-                <a:cs typeface="+mn-cs"/>
-              </a:defRPr>
-            </a:lvl6pPr>
-            <a:lvl7pPr marL="2971800" indent="-228600" algn="l" defTabSz="914400" rtl="0" eaLnBrk="1" latinLnBrk="0" hangingPunct="1">
-              <a:lnSpc>
-                <a:spcPct val="90000"/>
-              </a:lnSpc>
-              <a:spcBef>
-                <a:spcPts val="500"/>
-              </a:spcBef>
-              <a:buFont typeface="Arial" panose="020B0604020202020204" pitchFamily="34" charset="0"/>
-              <a:buChar char="•"/>
-              <a:defRPr sz="1800" kern="1200">
-                <a:solidFill>
-                  <a:schemeClr val="tx1"/>
-                </a:solidFill>
-                <a:latin typeface="+mn-lt"/>
-                <a:ea typeface="+mn-ea"/>
-                <a:cs typeface="+mn-cs"/>
-              </a:defRPr>
-            </a:lvl7pPr>
-            <a:lvl8pPr marL="3429000" indent="-228600" algn="l" defTabSz="914400" rtl="0" eaLnBrk="1" latinLnBrk="0" hangingPunct="1">
-              <a:lnSpc>
-                <a:spcPct val="90000"/>
-              </a:lnSpc>
-              <a:spcBef>
-                <a:spcPts val="500"/>
-              </a:spcBef>
-              <a:buFont typeface="Arial" panose="020B0604020202020204" pitchFamily="34" charset="0"/>
-              <a:buChar char="•"/>
-              <a:defRPr sz="1800" kern="1200">
-                <a:solidFill>
-                  <a:schemeClr val="tx1"/>
-                </a:solidFill>
-                <a:latin typeface="+mn-lt"/>
-                <a:ea typeface="+mn-ea"/>
-                <a:cs typeface="+mn-cs"/>
-              </a:defRPr>
-            </a:lvl8pPr>
-            <a:lvl9pPr marL="3886200" indent="-228600" algn="l" defTabSz="914400" rtl="0" eaLnBrk="1" latinLnBrk="0" hangingPunct="1">
-              <a:lnSpc>
-                <a:spcPct val="90000"/>
-              </a:lnSpc>
-              <a:spcBef>
-                <a:spcPts val="500"/>
-              </a:spcBef>
-              <a:buFont typeface="Arial" panose="020B0604020202020204" pitchFamily="34" charset="0"/>
-              <a:buChar char="•"/>
-              <a:defRPr sz="1800" kern="1200">
-                <a:solidFill>
-                  <a:schemeClr val="tx1"/>
-                </a:solidFill>
-                <a:latin typeface="+mn-lt"/>
-                <a:ea typeface="+mn-ea"/>
-                <a:cs typeface="+mn-cs"/>
-              </a:defRPr>
-            </a:lvl9pPr>
-          </a:lstStyle>
-          <a:p>
-            <a:pPr marL="0" indent="0">
-              <a:buNone/>
-            </a:pPr>
-            <a:r>
-              <a:rPr lang="en-US" sz="1800" b="1" dirty="0">
-                <a:solidFill>
-                  <a:schemeClr val="accent1"/>
-                </a:solidFill>
-              </a:rPr>
-              <a:t>SUMMARY:  </a:t>
-            </a:r>
-            <a:r>
-              <a:rPr lang="en-US" sz="1800" dirty="0">
-                <a:latin typeface="Times New Roman" panose="02020603050405020304" charset="0"/>
-                <a:cs typeface="Times New Roman" panose="02020603050405020304" charset="0"/>
-              </a:rPr>
-              <a:t>YOLOv8s-seg model performed well both accuracy &amp; speed</a:t>
-            </a:r>
-          </a:p>
-          <a:p>
-            <a:pPr marL="0" indent="0">
-              <a:buNone/>
-            </a:pPr>
-            <a:endParaRPr lang="en-US" sz="1800" dirty="0">
-              <a:solidFill>
-                <a:schemeClr val="accent1"/>
-              </a:solidFill>
-            </a:endParaRPr>
-          </a:p>
-        </p:txBody>
-      </p:sp>
     </p:spTree>
   </p:cSld>
   <p:clrMapOvr>
@@ -12910,7 +9322,7 @@
 </p:sld>
 </file>
 
-<file path=ppt/slides/slide3.xml><?xml version="1.0" encoding="utf-8"?>
+<file path=ppt/slides/slide4.xml><?xml version="1.0" encoding="utf-8"?>
 <p:sld xmlns:a="http://schemas.openxmlformats.org/drawingml/2006/main" xmlns:r="http://schemas.openxmlformats.org/officeDocument/2006/relationships" xmlns:p="http://schemas.openxmlformats.org/presentationml/2006/main">
   <p:cSld>
     <p:spTree>
@@ -17980,781 +14392,7 @@
 </p:sld>
 </file>
 
-<file path=ppt/slides/slide4.xml><?xml version="1.0" encoding="utf-8"?>
-<p:sld xmlns:a="http://schemas.openxmlformats.org/drawingml/2006/main" xmlns:r="http://schemas.openxmlformats.org/officeDocument/2006/relationships" xmlns:p="http://schemas.openxmlformats.org/presentationml/2006/main">
-  <p:cSld>
-    <p:spTree>
-      <p:nvGrpSpPr>
-        <p:cNvPr id="1" name="">
-          <a:extLst>
-            <a:ext uri="{FF2B5EF4-FFF2-40B4-BE49-F238E27FC236}">
-              <a16:creationId xmlns:a16="http://schemas.microsoft.com/office/drawing/2014/main" id="{2904862D-D80D-B20D-32D5-A3581ACE47C2}"/>
-            </a:ext>
-          </a:extLst>
-        </p:cNvPr>
-        <p:cNvGrpSpPr/>
-        <p:nvPr/>
-      </p:nvGrpSpPr>
-      <p:grpSpPr>
-        <a:xfrm>
-          <a:off x="0" y="0"/>
-          <a:ext cx="0" cy="0"/>
-          <a:chOff x="0" y="0"/>
-          <a:chExt cx="0" cy="0"/>
-        </a:xfrm>
-      </p:grpSpPr>
-      <p:pic>
-        <p:nvPicPr>
-          <p:cNvPr id="15" name="Picture 14">
-            <a:extLst>
-              <a:ext uri="{FF2B5EF4-FFF2-40B4-BE49-F238E27FC236}">
-                <a16:creationId xmlns:a16="http://schemas.microsoft.com/office/drawing/2014/main" id="{8B8D827A-DDA2-862F-3A34-1A896EF0B411}"/>
-              </a:ext>
-            </a:extLst>
-          </p:cNvPr>
-          <p:cNvPicPr>
-            <a:picLocks noChangeAspect="1"/>
-          </p:cNvPicPr>
-          <p:nvPr/>
-        </p:nvPicPr>
-        <p:blipFill>
-          <a:blip r:embed="rId2"/>
-          <a:stretch>
-            <a:fillRect/>
-          </a:stretch>
-        </p:blipFill>
-        <p:spPr>
-          <a:xfrm>
-            <a:off x="8067135" y="1703717"/>
-            <a:ext cx="3006306" cy="3006306"/>
-          </a:xfrm>
-          <a:prstGeom prst="rect">
-            <a:avLst/>
-          </a:prstGeom>
-        </p:spPr>
-      </p:pic>
-      <p:sp>
-        <p:nvSpPr>
-          <p:cNvPr id="2" name="제목 1">
-            <a:extLst>
-              <a:ext uri="{FF2B5EF4-FFF2-40B4-BE49-F238E27FC236}">
-                <a16:creationId xmlns:a16="http://schemas.microsoft.com/office/drawing/2014/main" id="{07238873-CCA1-DC28-C78D-9CB624567BB0}"/>
-              </a:ext>
-            </a:extLst>
-          </p:cNvPr>
-          <p:cNvSpPr>
-            <a:spLocks noGrp="1"/>
-          </p:cNvSpPr>
-          <p:nvPr>
-            <p:ph type="title"/>
-          </p:nvPr>
-        </p:nvSpPr>
-        <p:spPr>
-          <a:xfrm>
-            <a:off x="638650" y="390010"/>
-            <a:ext cx="8143037" cy="953135"/>
-          </a:xfrm>
-        </p:spPr>
-        <p:txBody>
-          <a:bodyPr>
-            <a:noAutofit/>
-          </a:bodyPr>
-          <a:lstStyle/>
-          <a:p>
-            <a:r>
-              <a:rPr lang="en-US" altLang="ko-KR" sz="3600" b="1" dirty="0"/>
-              <a:t>Wrist | Failure Cases</a:t>
-            </a:r>
-            <a:endParaRPr lang="en-US" altLang="ko-KR" sz="3600" b="1" dirty="0">
-              <a:solidFill>
-                <a:schemeClr val="accent1"/>
-              </a:solidFill>
-            </a:endParaRPr>
-          </a:p>
-        </p:txBody>
-      </p:sp>
-      <p:pic>
-        <p:nvPicPr>
-          <p:cNvPr id="4" name="Picture 3">
-            <a:extLst>
-              <a:ext uri="{FF2B5EF4-FFF2-40B4-BE49-F238E27FC236}">
-                <a16:creationId xmlns:a16="http://schemas.microsoft.com/office/drawing/2014/main" id="{54F97002-0151-0AF8-184E-34410D0F77ED}"/>
-              </a:ext>
-            </a:extLst>
-          </p:cNvPr>
-          <p:cNvPicPr>
-            <a:picLocks noChangeAspect="1"/>
-          </p:cNvPicPr>
-          <p:nvPr/>
-        </p:nvPicPr>
-        <p:blipFill>
-          <a:blip r:embed="rId3"/>
-          <a:stretch>
-            <a:fillRect/>
-          </a:stretch>
-        </p:blipFill>
-        <p:spPr>
-          <a:xfrm>
-            <a:off x="1199367" y="1703718"/>
-            <a:ext cx="3165895" cy="3006306"/>
-          </a:xfrm>
-          <a:prstGeom prst="rect">
-            <a:avLst/>
-          </a:prstGeom>
-        </p:spPr>
-      </p:pic>
-      <p:pic>
-        <p:nvPicPr>
-          <p:cNvPr id="9" name="Picture 8">
-            <a:extLst>
-              <a:ext uri="{FF2B5EF4-FFF2-40B4-BE49-F238E27FC236}">
-                <a16:creationId xmlns:a16="http://schemas.microsoft.com/office/drawing/2014/main" id="{6A995C06-6C12-E3F6-3BC9-1041F2E980A3}"/>
-              </a:ext>
-            </a:extLst>
-          </p:cNvPr>
-          <p:cNvPicPr>
-            <a:picLocks noChangeAspect="1"/>
-          </p:cNvPicPr>
-          <p:nvPr/>
-        </p:nvPicPr>
-        <p:blipFill>
-          <a:blip r:embed="rId4"/>
-          <a:stretch>
-            <a:fillRect/>
-          </a:stretch>
-        </p:blipFill>
-        <p:spPr>
-          <a:xfrm>
-            <a:off x="4624053" y="1703717"/>
-            <a:ext cx="3165896" cy="3006306"/>
-          </a:xfrm>
-          <a:prstGeom prst="rect">
-            <a:avLst/>
-          </a:prstGeom>
-        </p:spPr>
-      </p:pic>
-      <p:sp>
-        <p:nvSpPr>
-          <p:cNvPr id="10" name="Oval 9">
-            <a:extLst>
-              <a:ext uri="{FF2B5EF4-FFF2-40B4-BE49-F238E27FC236}">
-                <a16:creationId xmlns:a16="http://schemas.microsoft.com/office/drawing/2014/main" id="{8C8488A3-CBC0-4F90-7B97-FE4E4A48212D}"/>
-              </a:ext>
-            </a:extLst>
-          </p:cNvPr>
-          <p:cNvSpPr/>
-          <p:nvPr/>
-        </p:nvSpPr>
-        <p:spPr>
-          <a:xfrm>
-            <a:off x="5857336" y="2682816"/>
-            <a:ext cx="871268" cy="836762"/>
-          </a:xfrm>
-          <a:prstGeom prst="ellipse">
-            <a:avLst/>
-          </a:prstGeom>
-          <a:noFill/>
-          <a:ln w="25400" cmpd="sng">
-            <a:solidFill>
-              <a:srgbClr val="FF0000"/>
-            </a:solidFill>
-          </a:ln>
-        </p:spPr>
-        <p:style>
-          <a:lnRef idx="2">
-            <a:schemeClr val="accent1">
-              <a:shade val="15000"/>
-            </a:schemeClr>
-          </a:lnRef>
-          <a:fillRef idx="1">
-            <a:schemeClr val="accent1"/>
-          </a:fillRef>
-          <a:effectRef idx="0">
-            <a:schemeClr val="accent1"/>
-          </a:effectRef>
-          <a:fontRef idx="minor">
-            <a:schemeClr val="lt1"/>
-          </a:fontRef>
-        </p:style>
-        <p:txBody>
-          <a:bodyPr rtlCol="0" anchor="ctr"/>
-          <a:lstStyle/>
-          <a:p>
-            <a:pPr algn="ctr"/>
-            <a:endParaRPr lang="en-US" dirty="0">
-              <a:solidFill>
-                <a:srgbClr val="FF0000"/>
-              </a:solidFill>
-              <a:highlight>
-                <a:srgbClr val="FF0000"/>
-              </a:highlight>
-            </a:endParaRPr>
-          </a:p>
-        </p:txBody>
-      </p:sp>
-      <p:sp>
-        <p:nvSpPr>
-          <p:cNvPr id="11" name="Oval 10">
-            <a:extLst>
-              <a:ext uri="{FF2B5EF4-FFF2-40B4-BE49-F238E27FC236}">
-                <a16:creationId xmlns:a16="http://schemas.microsoft.com/office/drawing/2014/main" id="{16ED6FEB-618B-C7DB-D4C1-0BB9AD855783}"/>
-              </a:ext>
-            </a:extLst>
-          </p:cNvPr>
-          <p:cNvSpPr/>
-          <p:nvPr/>
-        </p:nvSpPr>
-        <p:spPr>
-          <a:xfrm>
-            <a:off x="1118559" y="2938733"/>
-            <a:ext cx="871268" cy="836762"/>
-          </a:xfrm>
-          <a:prstGeom prst="ellipse">
-            <a:avLst/>
-          </a:prstGeom>
-          <a:noFill/>
-          <a:ln w="25400" cmpd="sng">
-            <a:solidFill>
-              <a:srgbClr val="FF0000"/>
-            </a:solidFill>
-          </a:ln>
-        </p:spPr>
-        <p:style>
-          <a:lnRef idx="2">
-            <a:schemeClr val="accent1">
-              <a:shade val="15000"/>
-            </a:schemeClr>
-          </a:lnRef>
-          <a:fillRef idx="1">
-            <a:schemeClr val="accent1"/>
-          </a:fillRef>
-          <a:effectRef idx="0">
-            <a:schemeClr val="accent1"/>
-          </a:effectRef>
-          <a:fontRef idx="minor">
-            <a:schemeClr val="lt1"/>
-          </a:fontRef>
-        </p:style>
-        <p:txBody>
-          <a:bodyPr rtlCol="0" anchor="ctr"/>
-          <a:lstStyle/>
-          <a:p>
-            <a:pPr algn="ctr"/>
-            <a:endParaRPr lang="en-US" dirty="0">
-              <a:solidFill>
-                <a:srgbClr val="FF0000"/>
-              </a:solidFill>
-              <a:highlight>
-                <a:srgbClr val="FF0000"/>
-              </a:highlight>
-            </a:endParaRPr>
-          </a:p>
-        </p:txBody>
-      </p:sp>
-      <p:sp>
-        <p:nvSpPr>
-          <p:cNvPr id="12" name="Oval 11">
-            <a:extLst>
-              <a:ext uri="{FF2B5EF4-FFF2-40B4-BE49-F238E27FC236}">
-                <a16:creationId xmlns:a16="http://schemas.microsoft.com/office/drawing/2014/main" id="{3FDDA594-BD43-E3FD-A5E8-4D13243D3C05}"/>
-              </a:ext>
-            </a:extLst>
-          </p:cNvPr>
-          <p:cNvSpPr/>
-          <p:nvPr/>
-        </p:nvSpPr>
-        <p:spPr>
-          <a:xfrm>
-            <a:off x="9759056" y="3122764"/>
-            <a:ext cx="871268" cy="836762"/>
-          </a:xfrm>
-          <a:prstGeom prst="ellipse">
-            <a:avLst/>
-          </a:prstGeom>
-          <a:noFill/>
-          <a:ln w="25400" cmpd="sng">
-            <a:solidFill>
-              <a:srgbClr val="FF0000"/>
-            </a:solidFill>
-          </a:ln>
-        </p:spPr>
-        <p:style>
-          <a:lnRef idx="2">
-            <a:schemeClr val="accent1">
-              <a:shade val="15000"/>
-            </a:schemeClr>
-          </a:lnRef>
-          <a:fillRef idx="1">
-            <a:schemeClr val="accent1"/>
-          </a:fillRef>
-          <a:effectRef idx="0">
-            <a:schemeClr val="accent1"/>
-          </a:effectRef>
-          <a:fontRef idx="minor">
-            <a:schemeClr val="lt1"/>
-          </a:fontRef>
-        </p:style>
-        <p:txBody>
-          <a:bodyPr rtlCol="0" anchor="ctr"/>
-          <a:lstStyle/>
-          <a:p>
-            <a:pPr algn="ctr"/>
-            <a:endParaRPr lang="en-US" dirty="0">
-              <a:solidFill>
-                <a:srgbClr val="FF0000"/>
-              </a:solidFill>
-              <a:highlight>
-                <a:srgbClr val="FF0000"/>
-              </a:highlight>
-            </a:endParaRPr>
-          </a:p>
-        </p:txBody>
-      </p:sp>
-      <p:sp>
-        <p:nvSpPr>
-          <p:cNvPr id="13" name="Subtitle 8">
-            <a:extLst>
-              <a:ext uri="{FF2B5EF4-FFF2-40B4-BE49-F238E27FC236}">
-                <a16:creationId xmlns:a16="http://schemas.microsoft.com/office/drawing/2014/main" id="{77AD4240-72C3-40BB-1A0F-358CC50AEAD2}"/>
-              </a:ext>
-            </a:extLst>
-          </p:cNvPr>
-          <p:cNvSpPr txBox="1">
-            <a:spLocks/>
-          </p:cNvSpPr>
-          <p:nvPr/>
-        </p:nvSpPr>
-        <p:spPr>
-          <a:xfrm>
-            <a:off x="1118559" y="5154283"/>
-            <a:ext cx="10015268" cy="418382"/>
-          </a:xfrm>
-          <a:prstGeom prst="rect">
-            <a:avLst/>
-          </a:prstGeom>
-        </p:spPr>
-        <p:txBody>
-          <a:bodyPr vert="horz" lIns="91440" tIns="45720" rIns="91440" bIns="45720" rtlCol="0">
-            <a:normAutofit/>
-          </a:bodyPr>
-          <a:lstStyle>
-            <a:lvl1pPr marL="228600" indent="-228600" algn="l" defTabSz="914400" rtl="0" eaLnBrk="1" latinLnBrk="0" hangingPunct="1">
-              <a:lnSpc>
-                <a:spcPct val="90000"/>
-              </a:lnSpc>
-              <a:spcBef>
-                <a:spcPts val="1000"/>
-              </a:spcBef>
-              <a:buFont typeface="Arial" panose="020B0604020202020204" pitchFamily="34" charset="0"/>
-              <a:buChar char="•"/>
-              <a:defRPr sz="2800" kern="1200">
-                <a:solidFill>
-                  <a:schemeClr val="tx1"/>
-                </a:solidFill>
-                <a:latin typeface="+mn-lt"/>
-                <a:ea typeface="+mn-ea"/>
-                <a:cs typeface="+mn-cs"/>
-              </a:defRPr>
-            </a:lvl1pPr>
-            <a:lvl2pPr marL="685800" indent="-228600" algn="l" defTabSz="914400" rtl="0" eaLnBrk="1" latinLnBrk="0" hangingPunct="1">
-              <a:lnSpc>
-                <a:spcPct val="90000"/>
-              </a:lnSpc>
-              <a:spcBef>
-                <a:spcPts val="500"/>
-              </a:spcBef>
-              <a:buFont typeface="Arial" panose="020B0604020202020204" pitchFamily="34" charset="0"/>
-              <a:buChar char="•"/>
-              <a:defRPr sz="2400" kern="1200">
-                <a:solidFill>
-                  <a:schemeClr val="tx1"/>
-                </a:solidFill>
-                <a:latin typeface="+mn-lt"/>
-                <a:ea typeface="+mn-ea"/>
-                <a:cs typeface="+mn-cs"/>
-              </a:defRPr>
-            </a:lvl2pPr>
-            <a:lvl3pPr marL="1143000" indent="-228600" algn="l" defTabSz="914400" rtl="0" eaLnBrk="1" latinLnBrk="0" hangingPunct="1">
-              <a:lnSpc>
-                <a:spcPct val="90000"/>
-              </a:lnSpc>
-              <a:spcBef>
-                <a:spcPts val="500"/>
-              </a:spcBef>
-              <a:buFont typeface="Arial" panose="020B0604020202020204" pitchFamily="34" charset="0"/>
-              <a:buChar char="•"/>
-              <a:defRPr sz="2000" kern="1200">
-                <a:solidFill>
-                  <a:schemeClr val="tx1"/>
-                </a:solidFill>
-                <a:latin typeface="+mn-lt"/>
-                <a:ea typeface="+mn-ea"/>
-                <a:cs typeface="+mn-cs"/>
-              </a:defRPr>
-            </a:lvl3pPr>
-            <a:lvl4pPr marL="1600200" indent="-228600" algn="l" defTabSz="914400" rtl="0" eaLnBrk="1" latinLnBrk="0" hangingPunct="1">
-              <a:lnSpc>
-                <a:spcPct val="90000"/>
-              </a:lnSpc>
-              <a:spcBef>
-                <a:spcPts val="500"/>
-              </a:spcBef>
-              <a:buFont typeface="Arial" panose="020B0604020202020204" pitchFamily="34" charset="0"/>
-              <a:buChar char="•"/>
-              <a:defRPr sz="1800" kern="1200">
-                <a:solidFill>
-                  <a:schemeClr val="tx1"/>
-                </a:solidFill>
-                <a:latin typeface="+mn-lt"/>
-                <a:ea typeface="+mn-ea"/>
-                <a:cs typeface="+mn-cs"/>
-              </a:defRPr>
-            </a:lvl4pPr>
-            <a:lvl5pPr marL="2057400" indent="-228600" algn="l" defTabSz="914400" rtl="0" eaLnBrk="1" latinLnBrk="0" hangingPunct="1">
-              <a:lnSpc>
-                <a:spcPct val="90000"/>
-              </a:lnSpc>
-              <a:spcBef>
-                <a:spcPts val="500"/>
-              </a:spcBef>
-              <a:buFont typeface="Arial" panose="020B0604020202020204" pitchFamily="34" charset="0"/>
-              <a:buChar char="•"/>
-              <a:defRPr sz="1800" kern="1200">
-                <a:solidFill>
-                  <a:schemeClr val="tx1"/>
-                </a:solidFill>
-                <a:latin typeface="+mn-lt"/>
-                <a:ea typeface="+mn-ea"/>
-                <a:cs typeface="+mn-cs"/>
-              </a:defRPr>
-            </a:lvl5pPr>
-            <a:lvl6pPr marL="2514600" indent="-228600" algn="l" defTabSz="914400" rtl="0" eaLnBrk="1" latinLnBrk="0" hangingPunct="1">
-              <a:lnSpc>
-                <a:spcPct val="90000"/>
-              </a:lnSpc>
-              <a:spcBef>
-                <a:spcPts val="500"/>
-              </a:spcBef>
-              <a:buFont typeface="Arial" panose="020B0604020202020204" pitchFamily="34" charset="0"/>
-              <a:buChar char="•"/>
-              <a:defRPr sz="1800" kern="1200">
-                <a:solidFill>
-                  <a:schemeClr val="tx1"/>
-                </a:solidFill>
-                <a:latin typeface="+mn-lt"/>
-                <a:ea typeface="+mn-ea"/>
-                <a:cs typeface="+mn-cs"/>
-              </a:defRPr>
-            </a:lvl6pPr>
-            <a:lvl7pPr marL="2971800" indent="-228600" algn="l" defTabSz="914400" rtl="0" eaLnBrk="1" latinLnBrk="0" hangingPunct="1">
-              <a:lnSpc>
-                <a:spcPct val="90000"/>
-              </a:lnSpc>
-              <a:spcBef>
-                <a:spcPts val="500"/>
-              </a:spcBef>
-              <a:buFont typeface="Arial" panose="020B0604020202020204" pitchFamily="34" charset="0"/>
-              <a:buChar char="•"/>
-              <a:defRPr sz="1800" kern="1200">
-                <a:solidFill>
-                  <a:schemeClr val="tx1"/>
-                </a:solidFill>
-                <a:latin typeface="+mn-lt"/>
-                <a:ea typeface="+mn-ea"/>
-                <a:cs typeface="+mn-cs"/>
-              </a:defRPr>
-            </a:lvl7pPr>
-            <a:lvl8pPr marL="3429000" indent="-228600" algn="l" defTabSz="914400" rtl="0" eaLnBrk="1" latinLnBrk="0" hangingPunct="1">
-              <a:lnSpc>
-                <a:spcPct val="90000"/>
-              </a:lnSpc>
-              <a:spcBef>
-                <a:spcPts val="500"/>
-              </a:spcBef>
-              <a:buFont typeface="Arial" panose="020B0604020202020204" pitchFamily="34" charset="0"/>
-              <a:buChar char="•"/>
-              <a:defRPr sz="1800" kern="1200">
-                <a:solidFill>
-                  <a:schemeClr val="tx1"/>
-                </a:solidFill>
-                <a:latin typeface="+mn-lt"/>
-                <a:ea typeface="+mn-ea"/>
-                <a:cs typeface="+mn-cs"/>
-              </a:defRPr>
-            </a:lvl8pPr>
-            <a:lvl9pPr marL="3886200" indent="-228600" algn="l" defTabSz="914400" rtl="0" eaLnBrk="1" latinLnBrk="0" hangingPunct="1">
-              <a:lnSpc>
-                <a:spcPct val="90000"/>
-              </a:lnSpc>
-              <a:spcBef>
-                <a:spcPts val="500"/>
-              </a:spcBef>
-              <a:buFont typeface="Arial" panose="020B0604020202020204" pitchFamily="34" charset="0"/>
-              <a:buChar char="•"/>
-              <a:defRPr sz="1800" kern="1200">
-                <a:solidFill>
-                  <a:schemeClr val="tx1"/>
-                </a:solidFill>
-                <a:latin typeface="+mn-lt"/>
-                <a:ea typeface="+mn-ea"/>
-                <a:cs typeface="+mn-cs"/>
-              </a:defRPr>
-            </a:lvl9pPr>
-          </a:lstStyle>
-          <a:p>
-            <a:pPr marL="0" indent="0" algn="ctr">
-              <a:buNone/>
-            </a:pPr>
-            <a:r>
-              <a:rPr lang="en-US" sz="2000" b="1" dirty="0"/>
-              <a:t>Yolov8s-pose &amp; Yolo11s-pose: </a:t>
-            </a:r>
-            <a:r>
-              <a:rPr lang="en-US" sz="2000" dirty="0"/>
-              <a:t>Missing wrist </a:t>
-            </a:r>
-            <a:r>
-              <a:rPr lang="en-US" sz="2000" dirty="0" err="1"/>
-              <a:t>keypoints</a:t>
-            </a:r>
-            <a:r>
-              <a:rPr lang="en-US" sz="2000" dirty="0"/>
-              <a:t> and wrong localization.</a:t>
-            </a:r>
-          </a:p>
-        </p:txBody>
-      </p:sp>
-    </p:spTree>
-    <p:extLst>
-      <p:ext uri="{BB962C8B-B14F-4D97-AF65-F5344CB8AC3E}">
-        <p14:creationId xmlns:p14="http://schemas.microsoft.com/office/powerpoint/2010/main" val="2749179637"/>
-      </p:ext>
-    </p:extLst>
-  </p:cSld>
-  <p:clrMapOvr>
-    <a:masterClrMapping/>
-  </p:clrMapOvr>
-</p:sld>
-</file>
-
 <file path=ppt/slides/slide5.xml><?xml version="1.0" encoding="utf-8"?>
-<p:sld xmlns:a="http://schemas.openxmlformats.org/drawingml/2006/main" xmlns:r="http://schemas.openxmlformats.org/officeDocument/2006/relationships" xmlns:p="http://schemas.openxmlformats.org/presentationml/2006/main">
-  <p:cSld>
-    <p:spTree>
-      <p:nvGrpSpPr>
-        <p:cNvPr id="1" name="">
-          <a:extLst>
-            <a:ext uri="{FF2B5EF4-FFF2-40B4-BE49-F238E27FC236}">
-              <a16:creationId xmlns:a16="http://schemas.microsoft.com/office/drawing/2014/main" id="{30C19087-6B95-181F-2960-792E6A5F6113}"/>
-            </a:ext>
-          </a:extLst>
-        </p:cNvPr>
-        <p:cNvGrpSpPr/>
-        <p:nvPr/>
-      </p:nvGrpSpPr>
-      <p:grpSpPr>
-        <a:xfrm>
-          <a:off x="0" y="0"/>
-          <a:ext cx="0" cy="0"/>
-          <a:chOff x="0" y="0"/>
-          <a:chExt cx="0" cy="0"/>
-        </a:xfrm>
-      </p:grpSpPr>
-      <p:sp>
-        <p:nvSpPr>
-          <p:cNvPr id="2" name="제목 1">
-            <a:extLst>
-              <a:ext uri="{FF2B5EF4-FFF2-40B4-BE49-F238E27FC236}">
-                <a16:creationId xmlns:a16="http://schemas.microsoft.com/office/drawing/2014/main" id="{3EF5AC4E-176C-BB8C-F1C6-0046A520DB80}"/>
-              </a:ext>
-            </a:extLst>
-          </p:cNvPr>
-          <p:cNvSpPr>
-            <a:spLocks noGrp="1"/>
-          </p:cNvSpPr>
-          <p:nvPr>
-            <p:ph type="title"/>
-          </p:nvPr>
-        </p:nvSpPr>
-        <p:spPr>
-          <a:xfrm>
-            <a:off x="655903" y="459021"/>
-            <a:ext cx="8143037" cy="953135"/>
-          </a:xfrm>
-        </p:spPr>
-        <p:txBody>
-          <a:bodyPr>
-            <a:noAutofit/>
-          </a:bodyPr>
-          <a:lstStyle/>
-          <a:p>
-            <a:r>
-              <a:rPr lang="en-US" altLang="ko-KR" sz="3600" b="1" dirty="0"/>
-              <a:t>RTMPose | Qualitative Cases</a:t>
-            </a:r>
-            <a:endParaRPr lang="en-US" altLang="ko-KR" sz="3600" b="1" dirty="0">
-              <a:solidFill>
-                <a:schemeClr val="accent1"/>
-              </a:solidFill>
-            </a:endParaRPr>
-          </a:p>
-        </p:txBody>
-      </p:sp>
-      <p:pic>
-        <p:nvPicPr>
-          <p:cNvPr id="1030" name="Picture 6">
-            <a:extLst>
-              <a:ext uri="{FF2B5EF4-FFF2-40B4-BE49-F238E27FC236}">
-                <a16:creationId xmlns:a16="http://schemas.microsoft.com/office/drawing/2014/main" id="{3D31158E-078C-EFB7-B1D1-E8E28850D0D4}"/>
-              </a:ext>
-            </a:extLst>
-          </p:cNvPr>
-          <p:cNvPicPr>
-            <a:picLocks noChangeAspect="1" noChangeArrowheads="1"/>
-          </p:cNvPicPr>
-          <p:nvPr/>
-        </p:nvPicPr>
-        <p:blipFill rotWithShape="1">
-          <a:blip r:embed="rId2">
-            <a:extLst>
-              <a:ext uri="{28A0092B-C50C-407E-A947-70E740481C1C}">
-                <a14:useLocalDpi xmlns:a14="http://schemas.microsoft.com/office/drawing/2010/main" val="0"/>
-              </a:ext>
-            </a:extLst>
-          </a:blip>
-          <a:srcRect b="20629"/>
-          <a:stretch>
-            <a:fillRect/>
-          </a:stretch>
-        </p:blipFill>
-        <p:spPr bwMode="auto">
-          <a:xfrm>
-            <a:off x="7972954" y="1481167"/>
-            <a:ext cx="3141461" cy="4986823"/>
-          </a:xfrm>
-          <a:prstGeom prst="rect">
-            <a:avLst/>
-          </a:prstGeom>
-          <a:noFill/>
-          <a:extLst>
-            <a:ext uri="{909E8E84-426E-40DD-AFC4-6F175D3DCCD1}">
-              <a14:hiddenFill xmlns:a14="http://schemas.microsoft.com/office/drawing/2010/main">
-                <a:solidFill>
-                  <a:srgbClr val="FFFFFF"/>
-                </a:solidFill>
-              </a14:hiddenFill>
-            </a:ext>
-          </a:extLst>
-        </p:spPr>
-      </p:pic>
-      <p:pic>
-        <p:nvPicPr>
-          <p:cNvPr id="1032" name="Picture 8">
-            <a:extLst>
-              <a:ext uri="{FF2B5EF4-FFF2-40B4-BE49-F238E27FC236}">
-                <a16:creationId xmlns:a16="http://schemas.microsoft.com/office/drawing/2014/main" id="{981A69E0-9578-54BA-FAA7-C0F6866C3D1E}"/>
-              </a:ext>
-            </a:extLst>
-          </p:cNvPr>
-          <p:cNvPicPr>
-            <a:picLocks noChangeAspect="1" noChangeArrowheads="1"/>
-          </p:cNvPicPr>
-          <p:nvPr/>
-        </p:nvPicPr>
-        <p:blipFill rotWithShape="1">
-          <a:blip r:embed="rId3">
-            <a:extLst>
-              <a:ext uri="{28A0092B-C50C-407E-A947-70E740481C1C}">
-                <a14:useLocalDpi xmlns:a14="http://schemas.microsoft.com/office/drawing/2010/main" val="0"/>
-              </a:ext>
-            </a:extLst>
-          </a:blip>
-          <a:srcRect b="20503"/>
-          <a:stretch>
-            <a:fillRect/>
-          </a:stretch>
-        </p:blipFill>
-        <p:spPr bwMode="auto">
-          <a:xfrm>
-            <a:off x="1077584" y="1481167"/>
-            <a:ext cx="3141461" cy="4994725"/>
-          </a:xfrm>
-          <a:prstGeom prst="rect">
-            <a:avLst/>
-          </a:prstGeom>
-          <a:noFill/>
-          <a:extLst>
-            <a:ext uri="{909E8E84-426E-40DD-AFC4-6F175D3DCCD1}">
-              <a14:hiddenFill xmlns:a14="http://schemas.microsoft.com/office/drawing/2010/main">
-                <a:solidFill>
-                  <a:srgbClr val="FFFFFF"/>
-                </a:solidFill>
-              </a14:hiddenFill>
-            </a:ext>
-          </a:extLst>
-        </p:spPr>
-      </p:pic>
-      <p:pic>
-        <p:nvPicPr>
-          <p:cNvPr id="1034" name="Picture 10">
-            <a:extLst>
-              <a:ext uri="{FF2B5EF4-FFF2-40B4-BE49-F238E27FC236}">
-                <a16:creationId xmlns:a16="http://schemas.microsoft.com/office/drawing/2014/main" id="{C917CC56-A7E6-E0CB-B446-A08132BEBD0E}"/>
-              </a:ext>
-            </a:extLst>
-          </p:cNvPr>
-          <p:cNvPicPr>
-            <a:picLocks noChangeAspect="1" noChangeArrowheads="1"/>
-          </p:cNvPicPr>
-          <p:nvPr/>
-        </p:nvPicPr>
-        <p:blipFill rotWithShape="1">
-          <a:blip r:embed="rId4">
-            <a:extLst>
-              <a:ext uri="{28A0092B-C50C-407E-A947-70E740481C1C}">
-                <a14:useLocalDpi xmlns:a14="http://schemas.microsoft.com/office/drawing/2010/main" val="0"/>
-              </a:ext>
-            </a:extLst>
-          </a:blip>
-          <a:srcRect b="20655"/>
-          <a:stretch>
-            <a:fillRect/>
-          </a:stretch>
-        </p:blipFill>
-        <p:spPr bwMode="auto">
-          <a:xfrm>
-            <a:off x="4524743" y="1473264"/>
-            <a:ext cx="3142513" cy="4986822"/>
-          </a:xfrm>
-          <a:prstGeom prst="rect">
-            <a:avLst/>
-          </a:prstGeom>
-          <a:noFill/>
-          <a:extLst>
-            <a:ext uri="{909E8E84-426E-40DD-AFC4-6F175D3DCCD1}">
-              <a14:hiddenFill xmlns:a14="http://schemas.microsoft.com/office/drawing/2010/main">
-                <a:solidFill>
-                  <a:srgbClr val="FFFFFF"/>
-                </a:solidFill>
-              </a14:hiddenFill>
-            </a:ext>
-          </a:extLst>
-        </p:spPr>
-      </p:pic>
-    </p:spTree>
-    <p:extLst>
-      <p:ext uri="{BB962C8B-B14F-4D97-AF65-F5344CB8AC3E}">
-        <p14:creationId xmlns:p14="http://schemas.microsoft.com/office/powerpoint/2010/main" val="1697839707"/>
-      </p:ext>
-    </p:extLst>
-  </p:cSld>
-  <p:clrMapOvr>
-    <a:masterClrMapping/>
-  </p:clrMapOvr>
-</p:sld>
-</file>
-
-<file path=ppt/slides/slide6.xml><?xml version="1.0" encoding="utf-8"?>
 <p:sld xmlns:a="http://schemas.openxmlformats.org/drawingml/2006/main" xmlns:r="http://schemas.openxmlformats.org/officeDocument/2006/relationships" xmlns:p="http://schemas.openxmlformats.org/presentationml/2006/main">
   <p:cSld>
     <p:spTree>

--- a/experiment [17.07].pptx
+++ b/experiment [17.07].pptx
@@ -16258,7 +16258,7 @@
               <p:nvPr>
                 <p:extLst>
                   <p:ext uri="{D42A27DB-BD31-4B8C-83A1-F6EECF244321}">
-                    <p14:modId xmlns:p14="http://schemas.microsoft.com/office/powerpoint/2010/main" val="1846108211"/>
+                    <p14:modId xmlns:p14="http://schemas.microsoft.com/office/powerpoint/2010/main" val="2727426251"/>
                   </p:ext>
                 </p:extLst>
               </p:nvPr>
@@ -20926,158 +20926,14 @@
                           <a:pPr algn="ctr">
                             <a:buNone/>
                           </a:pPr>
-                          <a:endParaRPr lang="en-US" sz="1400" b="0" dirty="0">
-                            <a:latin typeface="Times New Roman" panose="02020603050405020304" charset="0"/>
-                            <a:ea typeface="+mn-ea"/>
-                            <a:cs typeface="Times New Roman" panose="02020603050405020304" charset="0"/>
-                          </a:endParaRPr>
-                        </a:p>
-                      </a:txBody>
-                      <a:tcPr anchor="ctr">
-                        <a:lnL>
-                          <a:noFill/>
-                        </a:lnL>
-                        <a:lnR>
-                          <a:noFill/>
-                        </a:lnR>
-                        <a:lnT w="12700" cap="flat" cmpd="sng" algn="ctr">
-                          <a:solidFill>
-                            <a:schemeClr val="tx1"/>
-                          </a:solidFill>
-                          <a:prstDash val="solid"/>
-                          <a:round/>
-                          <a:headEnd type="none" w="med" len="med"/>
-                          <a:tailEnd type="none" w="med" len="med"/>
-                        </a:lnT>
-                        <a:lnB w="12700" cap="flat" cmpd="sng" algn="ctr">
-                          <a:solidFill>
-                            <a:schemeClr val="tx1"/>
-                          </a:solidFill>
-                          <a:prstDash val="solid"/>
-                          <a:round/>
-                          <a:headEnd type="none" w="med" len="med"/>
-                          <a:tailEnd type="none" w="med" len="med"/>
-                        </a:lnB>
-                        <a:lnTlToBr>
-                          <a:noFill/>
-                        </a:lnTlToBr>
-                        <a:lnBlToTr>
-                          <a:noFill/>
-                        </a:lnBlToTr>
-                        <a:noFill/>
-                      </a:tcPr>
-                    </a:tc>
-                    <a:tc>
-                      <a:txBody>
-                        <a:bodyPr/>
-                        <a:lstStyle/>
-                        <a:p>
-                          <a:pPr algn="ctr">
-                            <a:buNone/>
-                          </a:pPr>
-                          <a:endParaRPr lang="en-US" sz="1400" b="0" dirty="0">
-                            <a:latin typeface="Times New Roman" panose="02020603050405020304" charset="0"/>
-                            <a:ea typeface="+mn-ea"/>
-                            <a:cs typeface="Times New Roman" panose="02020603050405020304" charset="0"/>
-                          </a:endParaRPr>
-                        </a:p>
-                      </a:txBody>
-                      <a:tcPr anchor="ctr">
-                        <a:lnL>
-                          <a:noFill/>
-                        </a:lnL>
-                        <a:lnR>
-                          <a:noFill/>
-                        </a:lnR>
-                        <a:lnT w="12700" cap="flat" cmpd="sng" algn="ctr">
-                          <a:solidFill>
-                            <a:schemeClr val="tx1"/>
-                          </a:solidFill>
-                          <a:prstDash val="solid"/>
-                          <a:round/>
-                          <a:headEnd type="none" w="med" len="med"/>
-                          <a:tailEnd type="none" w="med" len="med"/>
-                        </a:lnT>
-                        <a:lnB w="12700" cap="flat" cmpd="sng" algn="ctr">
-                          <a:solidFill>
-                            <a:schemeClr val="tx1"/>
-                          </a:solidFill>
-                          <a:prstDash val="solid"/>
-                          <a:round/>
-                          <a:headEnd type="none" w="med" len="med"/>
-                          <a:tailEnd type="none" w="med" len="med"/>
-                        </a:lnB>
-                        <a:lnTlToBr>
-                          <a:noFill/>
-                        </a:lnTlToBr>
-                        <a:lnBlToTr>
-                          <a:noFill/>
-                        </a:lnBlToTr>
-                        <a:noFill/>
-                      </a:tcPr>
-                    </a:tc>
-                    <a:tc>
-                      <a:txBody>
-                        <a:bodyPr/>
-                        <a:lstStyle/>
-                        <a:p>
-                          <a:pPr algn="ctr">
-                            <a:buNone/>
-                          </a:pPr>
-                          <a:endParaRPr lang="en-US" sz="1400" b="0" dirty="0">
-                            <a:latin typeface="Times New Roman" panose="02020603050405020304" charset="0"/>
-                            <a:ea typeface="+mn-ea"/>
-                            <a:cs typeface="Times New Roman" panose="02020603050405020304" charset="0"/>
-                          </a:endParaRPr>
-                        </a:p>
-                      </a:txBody>
-                      <a:tcPr anchor="ctr">
-                        <a:lnL>
-                          <a:noFill/>
-                        </a:lnL>
-                        <a:lnR>
-                          <a:noFill/>
-                        </a:lnR>
-                        <a:lnT w="12700" cap="flat" cmpd="sng" algn="ctr">
-                          <a:solidFill>
-                            <a:schemeClr val="tx1"/>
-                          </a:solidFill>
-                          <a:prstDash val="solid"/>
-                          <a:round/>
-                          <a:headEnd type="none" w="med" len="med"/>
-                          <a:tailEnd type="none" w="med" len="med"/>
-                        </a:lnT>
-                        <a:lnB w="12700" cap="flat" cmpd="sng" algn="ctr">
-                          <a:solidFill>
-                            <a:schemeClr val="tx1"/>
-                          </a:solidFill>
-                          <a:prstDash val="solid"/>
-                          <a:round/>
-                          <a:headEnd type="none" w="med" len="med"/>
-                          <a:tailEnd type="none" w="med" len="med"/>
-                        </a:lnB>
-                        <a:lnTlToBr>
-                          <a:noFill/>
-                        </a:lnTlToBr>
-                        <a:lnBlToTr>
-                          <a:noFill/>
-                        </a:lnBlToTr>
-                        <a:noFill/>
-                      </a:tcPr>
-                    </a:tc>
-                    <a:tc>
-                      <a:txBody>
-                        <a:bodyPr/>
-                        <a:lstStyle/>
-                        <a:p>
-                          <a:pPr algn="ctr">
-                            <a:buNone/>
-                          </a:pPr>
-                          <a:endParaRPr lang="en-US" sz="1400" b="0" dirty="0">
-                            <a:latin typeface="Times New Roman" panose="02020603050405020304" charset="0"/>
-                            <a:ea typeface="+mn-ea"/>
-                            <a:cs typeface="Times New Roman" panose="02020603050405020304" charset="0"/>
-                          </a:endParaRPr>
+                          <a:r>
+                            <a:rPr lang="en-US" sz="1400" b="0" dirty="0">
+                              <a:latin typeface="Times New Roman" panose="02020603050405020304" charset="0"/>
+                              <a:ea typeface="+mn-ea"/>
+                              <a:cs typeface="Times New Roman" panose="02020603050405020304" charset="0"/>
+                            </a:rPr>
+                            <a:t>0.796</a:t>
+                          </a:r>
                         </a:p>
                       </a:txBody>
                       <a:tcPr anchor="ctr">
@@ -21128,7 +20984,163 @@
                               <a:ea typeface="+mn-ea"/>
                               <a:cs typeface="Times New Roman" panose="02020603050405020304" charset="0"/>
                             </a:rPr>
-                            <a:t>3.5</a:t>
+                            <a:t>0.601</a:t>
+                          </a:r>
+                        </a:p>
+                      </a:txBody>
+                      <a:tcPr anchor="ctr">
+                        <a:lnL>
+                          <a:noFill/>
+                        </a:lnL>
+                        <a:lnR>
+                          <a:noFill/>
+                        </a:lnR>
+                        <a:lnT w="12700" cap="flat" cmpd="sng" algn="ctr">
+                          <a:solidFill>
+                            <a:schemeClr val="tx1"/>
+                          </a:solidFill>
+                          <a:prstDash val="solid"/>
+                          <a:round/>
+                          <a:headEnd type="none" w="med" len="med"/>
+                          <a:tailEnd type="none" w="med" len="med"/>
+                        </a:lnT>
+                        <a:lnB w="12700" cap="flat" cmpd="sng" algn="ctr">
+                          <a:solidFill>
+                            <a:schemeClr val="tx1"/>
+                          </a:solidFill>
+                          <a:prstDash val="solid"/>
+                          <a:round/>
+                          <a:headEnd type="none" w="med" len="med"/>
+                          <a:tailEnd type="none" w="med" len="med"/>
+                        </a:lnB>
+                        <a:lnTlToBr>
+                          <a:noFill/>
+                        </a:lnTlToBr>
+                        <a:lnBlToTr>
+                          <a:noFill/>
+                        </a:lnBlToTr>
+                        <a:noFill/>
+                      </a:tcPr>
+                    </a:tc>
+                    <a:tc>
+                      <a:txBody>
+                        <a:bodyPr/>
+                        <a:lstStyle/>
+                        <a:p>
+                          <a:pPr algn="ctr">
+                            <a:buNone/>
+                          </a:pPr>
+                          <a:r>
+                            <a:rPr lang="en-US" sz="1400" b="0" dirty="0">
+                              <a:latin typeface="Times New Roman" panose="02020603050405020304" charset="0"/>
+                              <a:ea typeface="+mn-ea"/>
+                              <a:cs typeface="Times New Roman" panose="02020603050405020304" charset="0"/>
+                            </a:rPr>
+                            <a:t>0.802</a:t>
+                          </a:r>
+                        </a:p>
+                      </a:txBody>
+                      <a:tcPr anchor="ctr">
+                        <a:lnL>
+                          <a:noFill/>
+                        </a:lnL>
+                        <a:lnR>
+                          <a:noFill/>
+                        </a:lnR>
+                        <a:lnT w="12700" cap="flat" cmpd="sng" algn="ctr">
+                          <a:solidFill>
+                            <a:schemeClr val="tx1"/>
+                          </a:solidFill>
+                          <a:prstDash val="solid"/>
+                          <a:round/>
+                          <a:headEnd type="none" w="med" len="med"/>
+                          <a:tailEnd type="none" w="med" len="med"/>
+                        </a:lnT>
+                        <a:lnB w="12700" cap="flat" cmpd="sng" algn="ctr">
+                          <a:solidFill>
+                            <a:schemeClr val="tx1"/>
+                          </a:solidFill>
+                          <a:prstDash val="solid"/>
+                          <a:round/>
+                          <a:headEnd type="none" w="med" len="med"/>
+                          <a:tailEnd type="none" w="med" len="med"/>
+                        </a:lnB>
+                        <a:lnTlToBr>
+                          <a:noFill/>
+                        </a:lnTlToBr>
+                        <a:lnBlToTr>
+                          <a:noFill/>
+                        </a:lnBlToTr>
+                        <a:noFill/>
+                      </a:tcPr>
+                    </a:tc>
+                    <a:tc>
+                      <a:txBody>
+                        <a:bodyPr/>
+                        <a:lstStyle/>
+                        <a:p>
+                          <a:pPr algn="ctr">
+                            <a:buNone/>
+                          </a:pPr>
+                          <a:r>
+                            <a:rPr lang="en-US" sz="1400" b="0" dirty="0">
+                              <a:latin typeface="Times New Roman" panose="02020603050405020304" charset="0"/>
+                              <a:ea typeface="+mn-ea"/>
+                              <a:cs typeface="Times New Roman" panose="02020603050405020304" charset="0"/>
+                            </a:rPr>
+                            <a:t>0.595</a:t>
+                          </a:r>
+                        </a:p>
+                      </a:txBody>
+                      <a:tcPr anchor="ctr">
+                        <a:lnL>
+                          <a:noFill/>
+                        </a:lnL>
+                        <a:lnR>
+                          <a:noFill/>
+                        </a:lnR>
+                        <a:lnT w="12700" cap="flat" cmpd="sng" algn="ctr">
+                          <a:solidFill>
+                            <a:schemeClr val="tx1"/>
+                          </a:solidFill>
+                          <a:prstDash val="solid"/>
+                          <a:round/>
+                          <a:headEnd type="none" w="med" len="med"/>
+                          <a:tailEnd type="none" w="med" len="med"/>
+                        </a:lnT>
+                        <a:lnB w="12700" cap="flat" cmpd="sng" algn="ctr">
+                          <a:solidFill>
+                            <a:schemeClr val="tx1"/>
+                          </a:solidFill>
+                          <a:prstDash val="solid"/>
+                          <a:round/>
+                          <a:headEnd type="none" w="med" len="med"/>
+                          <a:tailEnd type="none" w="med" len="med"/>
+                        </a:lnB>
+                        <a:lnTlToBr>
+                          <a:noFill/>
+                        </a:lnTlToBr>
+                        <a:lnBlToTr>
+                          <a:noFill/>
+                        </a:lnBlToTr>
+                        <a:noFill/>
+                      </a:tcPr>
+                    </a:tc>
+                    <a:tc>
+                      <a:txBody>
+                        <a:bodyPr/>
+                        <a:lstStyle/>
+                        <a:p>
+                          <a:pPr algn="ctr">
+                            <a:buNone/>
+                          </a:pPr>
+                          <a:r>
+                            <a:rPr lang="en-US" sz="1400" b="0" dirty="0">
+                              <a:latin typeface="Times New Roman" panose="02020603050405020304" charset="0"/>
+                              <a:ea typeface="+mn-ea"/>
+                              <a:cs typeface="Times New Roman" panose="02020603050405020304" charset="0"/>
+                            </a:rPr>
+                            <a:t>3.4</a:t>
                           </a:r>
                         </a:p>
                       </a:txBody>
@@ -21181,7 +21193,7 @@
                               <a:cs typeface="Times New Roman" panose="02020603050405020304" charset="0"/>
                               <a:sym typeface="+mn-ea"/>
                             </a:rPr>
-                            <a:t>36.0</a:t>
+                            <a:t>35.8</a:t>
                           </a:r>
                         </a:p>
                       </a:txBody>
@@ -22109,7 +22121,7 @@
               <p:nvPr>
                 <p:extLst>
                   <p:ext uri="{D42A27DB-BD31-4B8C-83A1-F6EECF244321}">
-                    <p14:modId xmlns:p14="http://schemas.microsoft.com/office/powerpoint/2010/main" val="1846108211"/>
+                    <p14:modId xmlns:p14="http://schemas.microsoft.com/office/powerpoint/2010/main" val="2727426251"/>
                   </p:ext>
                 </p:extLst>
               </p:nvPr>
@@ -26517,158 +26529,14 @@
                           <a:pPr algn="ctr">
                             <a:buNone/>
                           </a:pPr>
-                          <a:endParaRPr lang="en-US" sz="1400" b="0" dirty="0">
-                            <a:latin typeface="Times New Roman" panose="02020603050405020304" charset="0"/>
-                            <a:ea typeface="+mn-ea"/>
-                            <a:cs typeface="Times New Roman" panose="02020603050405020304" charset="0"/>
-                          </a:endParaRPr>
-                        </a:p>
-                      </a:txBody>
-                      <a:tcPr anchor="ctr">
-                        <a:lnL>
-                          <a:noFill/>
-                        </a:lnL>
-                        <a:lnR>
-                          <a:noFill/>
-                        </a:lnR>
-                        <a:lnT w="12700" cap="flat" cmpd="sng" algn="ctr">
-                          <a:solidFill>
-                            <a:schemeClr val="tx1"/>
-                          </a:solidFill>
-                          <a:prstDash val="solid"/>
-                          <a:round/>
-                          <a:headEnd type="none" w="med" len="med"/>
-                          <a:tailEnd type="none" w="med" len="med"/>
-                        </a:lnT>
-                        <a:lnB w="12700" cap="flat" cmpd="sng" algn="ctr">
-                          <a:solidFill>
-                            <a:schemeClr val="tx1"/>
-                          </a:solidFill>
-                          <a:prstDash val="solid"/>
-                          <a:round/>
-                          <a:headEnd type="none" w="med" len="med"/>
-                          <a:tailEnd type="none" w="med" len="med"/>
-                        </a:lnB>
-                        <a:lnTlToBr>
-                          <a:noFill/>
-                        </a:lnTlToBr>
-                        <a:lnBlToTr>
-                          <a:noFill/>
-                        </a:lnBlToTr>
-                        <a:noFill/>
-                      </a:tcPr>
-                    </a:tc>
-                    <a:tc>
-                      <a:txBody>
-                        <a:bodyPr/>
-                        <a:lstStyle/>
-                        <a:p>
-                          <a:pPr algn="ctr">
-                            <a:buNone/>
-                          </a:pPr>
-                          <a:endParaRPr lang="en-US" sz="1400" b="0" dirty="0">
-                            <a:latin typeface="Times New Roman" panose="02020603050405020304" charset="0"/>
-                            <a:ea typeface="+mn-ea"/>
-                            <a:cs typeface="Times New Roman" panose="02020603050405020304" charset="0"/>
-                          </a:endParaRPr>
-                        </a:p>
-                      </a:txBody>
-                      <a:tcPr anchor="ctr">
-                        <a:lnL>
-                          <a:noFill/>
-                        </a:lnL>
-                        <a:lnR>
-                          <a:noFill/>
-                        </a:lnR>
-                        <a:lnT w="12700" cap="flat" cmpd="sng" algn="ctr">
-                          <a:solidFill>
-                            <a:schemeClr val="tx1"/>
-                          </a:solidFill>
-                          <a:prstDash val="solid"/>
-                          <a:round/>
-                          <a:headEnd type="none" w="med" len="med"/>
-                          <a:tailEnd type="none" w="med" len="med"/>
-                        </a:lnT>
-                        <a:lnB w="12700" cap="flat" cmpd="sng" algn="ctr">
-                          <a:solidFill>
-                            <a:schemeClr val="tx1"/>
-                          </a:solidFill>
-                          <a:prstDash val="solid"/>
-                          <a:round/>
-                          <a:headEnd type="none" w="med" len="med"/>
-                          <a:tailEnd type="none" w="med" len="med"/>
-                        </a:lnB>
-                        <a:lnTlToBr>
-                          <a:noFill/>
-                        </a:lnTlToBr>
-                        <a:lnBlToTr>
-                          <a:noFill/>
-                        </a:lnBlToTr>
-                        <a:noFill/>
-                      </a:tcPr>
-                    </a:tc>
-                    <a:tc>
-                      <a:txBody>
-                        <a:bodyPr/>
-                        <a:lstStyle/>
-                        <a:p>
-                          <a:pPr algn="ctr">
-                            <a:buNone/>
-                          </a:pPr>
-                          <a:endParaRPr lang="en-US" sz="1400" b="0" dirty="0">
-                            <a:latin typeface="Times New Roman" panose="02020603050405020304" charset="0"/>
-                            <a:ea typeface="+mn-ea"/>
-                            <a:cs typeface="Times New Roman" panose="02020603050405020304" charset="0"/>
-                          </a:endParaRPr>
-                        </a:p>
-                      </a:txBody>
-                      <a:tcPr anchor="ctr">
-                        <a:lnL>
-                          <a:noFill/>
-                        </a:lnL>
-                        <a:lnR>
-                          <a:noFill/>
-                        </a:lnR>
-                        <a:lnT w="12700" cap="flat" cmpd="sng" algn="ctr">
-                          <a:solidFill>
-                            <a:schemeClr val="tx1"/>
-                          </a:solidFill>
-                          <a:prstDash val="solid"/>
-                          <a:round/>
-                          <a:headEnd type="none" w="med" len="med"/>
-                          <a:tailEnd type="none" w="med" len="med"/>
-                        </a:lnT>
-                        <a:lnB w="12700" cap="flat" cmpd="sng" algn="ctr">
-                          <a:solidFill>
-                            <a:schemeClr val="tx1"/>
-                          </a:solidFill>
-                          <a:prstDash val="solid"/>
-                          <a:round/>
-                          <a:headEnd type="none" w="med" len="med"/>
-                          <a:tailEnd type="none" w="med" len="med"/>
-                        </a:lnB>
-                        <a:lnTlToBr>
-                          <a:noFill/>
-                        </a:lnTlToBr>
-                        <a:lnBlToTr>
-                          <a:noFill/>
-                        </a:lnBlToTr>
-                        <a:noFill/>
-                      </a:tcPr>
-                    </a:tc>
-                    <a:tc>
-                      <a:txBody>
-                        <a:bodyPr/>
-                        <a:lstStyle/>
-                        <a:p>
-                          <a:pPr algn="ctr">
-                            <a:buNone/>
-                          </a:pPr>
-                          <a:endParaRPr lang="en-US" sz="1400" b="0" dirty="0">
-                            <a:latin typeface="Times New Roman" panose="02020603050405020304" charset="0"/>
-                            <a:ea typeface="+mn-ea"/>
-                            <a:cs typeface="Times New Roman" panose="02020603050405020304" charset="0"/>
-                          </a:endParaRPr>
+                          <a:r>
+                            <a:rPr lang="en-US" sz="1400" b="0" dirty="0">
+                              <a:latin typeface="Times New Roman" panose="02020603050405020304" charset="0"/>
+                              <a:ea typeface="+mn-ea"/>
+                              <a:cs typeface="Times New Roman" panose="02020603050405020304" charset="0"/>
+                            </a:rPr>
+                            <a:t>0.796</a:t>
+                          </a:r>
                         </a:p>
                       </a:txBody>
                       <a:tcPr anchor="ctr">
@@ -26719,7 +26587,163 @@
                               <a:ea typeface="+mn-ea"/>
                               <a:cs typeface="Times New Roman" panose="02020603050405020304" charset="0"/>
                             </a:rPr>
-                            <a:t>3.5</a:t>
+                            <a:t>0.601</a:t>
+                          </a:r>
+                        </a:p>
+                      </a:txBody>
+                      <a:tcPr anchor="ctr">
+                        <a:lnL>
+                          <a:noFill/>
+                        </a:lnL>
+                        <a:lnR>
+                          <a:noFill/>
+                        </a:lnR>
+                        <a:lnT w="12700" cap="flat" cmpd="sng" algn="ctr">
+                          <a:solidFill>
+                            <a:schemeClr val="tx1"/>
+                          </a:solidFill>
+                          <a:prstDash val="solid"/>
+                          <a:round/>
+                          <a:headEnd type="none" w="med" len="med"/>
+                          <a:tailEnd type="none" w="med" len="med"/>
+                        </a:lnT>
+                        <a:lnB w="12700" cap="flat" cmpd="sng" algn="ctr">
+                          <a:solidFill>
+                            <a:schemeClr val="tx1"/>
+                          </a:solidFill>
+                          <a:prstDash val="solid"/>
+                          <a:round/>
+                          <a:headEnd type="none" w="med" len="med"/>
+                          <a:tailEnd type="none" w="med" len="med"/>
+                        </a:lnB>
+                        <a:lnTlToBr>
+                          <a:noFill/>
+                        </a:lnTlToBr>
+                        <a:lnBlToTr>
+                          <a:noFill/>
+                        </a:lnBlToTr>
+                        <a:noFill/>
+                      </a:tcPr>
+                    </a:tc>
+                    <a:tc>
+                      <a:txBody>
+                        <a:bodyPr/>
+                        <a:lstStyle/>
+                        <a:p>
+                          <a:pPr algn="ctr">
+                            <a:buNone/>
+                          </a:pPr>
+                          <a:r>
+                            <a:rPr lang="en-US" sz="1400" b="0" dirty="0">
+                              <a:latin typeface="Times New Roman" panose="02020603050405020304" charset="0"/>
+                              <a:ea typeface="+mn-ea"/>
+                              <a:cs typeface="Times New Roman" panose="02020603050405020304" charset="0"/>
+                            </a:rPr>
+                            <a:t>0.802</a:t>
+                          </a:r>
+                        </a:p>
+                      </a:txBody>
+                      <a:tcPr anchor="ctr">
+                        <a:lnL>
+                          <a:noFill/>
+                        </a:lnL>
+                        <a:lnR>
+                          <a:noFill/>
+                        </a:lnR>
+                        <a:lnT w="12700" cap="flat" cmpd="sng" algn="ctr">
+                          <a:solidFill>
+                            <a:schemeClr val="tx1"/>
+                          </a:solidFill>
+                          <a:prstDash val="solid"/>
+                          <a:round/>
+                          <a:headEnd type="none" w="med" len="med"/>
+                          <a:tailEnd type="none" w="med" len="med"/>
+                        </a:lnT>
+                        <a:lnB w="12700" cap="flat" cmpd="sng" algn="ctr">
+                          <a:solidFill>
+                            <a:schemeClr val="tx1"/>
+                          </a:solidFill>
+                          <a:prstDash val="solid"/>
+                          <a:round/>
+                          <a:headEnd type="none" w="med" len="med"/>
+                          <a:tailEnd type="none" w="med" len="med"/>
+                        </a:lnB>
+                        <a:lnTlToBr>
+                          <a:noFill/>
+                        </a:lnTlToBr>
+                        <a:lnBlToTr>
+                          <a:noFill/>
+                        </a:lnBlToTr>
+                        <a:noFill/>
+                      </a:tcPr>
+                    </a:tc>
+                    <a:tc>
+                      <a:txBody>
+                        <a:bodyPr/>
+                        <a:lstStyle/>
+                        <a:p>
+                          <a:pPr algn="ctr">
+                            <a:buNone/>
+                          </a:pPr>
+                          <a:r>
+                            <a:rPr lang="en-US" sz="1400" b="0" dirty="0">
+                              <a:latin typeface="Times New Roman" panose="02020603050405020304" charset="0"/>
+                              <a:ea typeface="+mn-ea"/>
+                              <a:cs typeface="Times New Roman" panose="02020603050405020304" charset="0"/>
+                            </a:rPr>
+                            <a:t>0.595</a:t>
+                          </a:r>
+                        </a:p>
+                      </a:txBody>
+                      <a:tcPr anchor="ctr">
+                        <a:lnL>
+                          <a:noFill/>
+                        </a:lnL>
+                        <a:lnR>
+                          <a:noFill/>
+                        </a:lnR>
+                        <a:lnT w="12700" cap="flat" cmpd="sng" algn="ctr">
+                          <a:solidFill>
+                            <a:schemeClr val="tx1"/>
+                          </a:solidFill>
+                          <a:prstDash val="solid"/>
+                          <a:round/>
+                          <a:headEnd type="none" w="med" len="med"/>
+                          <a:tailEnd type="none" w="med" len="med"/>
+                        </a:lnT>
+                        <a:lnB w="12700" cap="flat" cmpd="sng" algn="ctr">
+                          <a:solidFill>
+                            <a:schemeClr val="tx1"/>
+                          </a:solidFill>
+                          <a:prstDash val="solid"/>
+                          <a:round/>
+                          <a:headEnd type="none" w="med" len="med"/>
+                          <a:tailEnd type="none" w="med" len="med"/>
+                        </a:lnB>
+                        <a:lnTlToBr>
+                          <a:noFill/>
+                        </a:lnTlToBr>
+                        <a:lnBlToTr>
+                          <a:noFill/>
+                        </a:lnBlToTr>
+                        <a:noFill/>
+                      </a:tcPr>
+                    </a:tc>
+                    <a:tc>
+                      <a:txBody>
+                        <a:bodyPr/>
+                        <a:lstStyle/>
+                        <a:p>
+                          <a:pPr algn="ctr">
+                            <a:buNone/>
+                          </a:pPr>
+                          <a:r>
+                            <a:rPr lang="en-US" sz="1400" b="0" dirty="0">
+                              <a:latin typeface="Times New Roman" panose="02020603050405020304" charset="0"/>
+                              <a:ea typeface="+mn-ea"/>
+                              <a:cs typeface="Times New Roman" panose="02020603050405020304" charset="0"/>
+                            </a:rPr>
+                            <a:t>3.4</a:t>
                           </a:r>
                         </a:p>
                       </a:txBody>
@@ -26772,7 +26796,7 @@
                               <a:cs typeface="Times New Roman" panose="02020603050405020304" charset="0"/>
                               <a:sym typeface="+mn-ea"/>
                             </a:rPr>
-                            <a:t>36.0</a:t>
+                            <a:t>35.8</a:t>
                           </a:r>
                         </a:p>
                       </a:txBody>
